--- a/masters_defense/gregor75663mgr.pptx
+++ b/masters_defense/gregor75663mgr.pptx
@@ -246,7 +246,7 @@
           <a:p>
             <a:fld id="{6E568B48-5BAD-44CF-9D0E-A894454C9483}" type="datetimeFigureOut">
               <a:rPr lang="pl-PL" smtClean="0"/>
-              <a:t>2015-06-22</a:t>
+              <a:t>2015-06-23</a:t>
             </a:fld>
             <a:endParaRPr lang="pl-PL"/>
           </a:p>
@@ -416,7 +416,7 @@
           <a:p>
             <a:fld id="{6E568B48-5BAD-44CF-9D0E-A894454C9483}" type="datetimeFigureOut">
               <a:rPr lang="pl-PL" smtClean="0"/>
-              <a:t>2015-06-22</a:t>
+              <a:t>2015-06-23</a:t>
             </a:fld>
             <a:endParaRPr lang="pl-PL"/>
           </a:p>
@@ -596,7 +596,7 @@
           <a:p>
             <a:fld id="{6E568B48-5BAD-44CF-9D0E-A894454C9483}" type="datetimeFigureOut">
               <a:rPr lang="pl-PL" smtClean="0"/>
-              <a:t>2015-06-22</a:t>
+              <a:t>2015-06-23</a:t>
             </a:fld>
             <a:endParaRPr lang="pl-PL"/>
           </a:p>
@@ -766,7 +766,7 @@
           <a:p>
             <a:fld id="{6E568B48-5BAD-44CF-9D0E-A894454C9483}" type="datetimeFigureOut">
               <a:rPr lang="pl-PL" smtClean="0"/>
-              <a:t>2015-06-22</a:t>
+              <a:t>2015-06-23</a:t>
             </a:fld>
             <a:endParaRPr lang="pl-PL"/>
           </a:p>
@@ -1012,7 +1012,7 @@
           <a:p>
             <a:fld id="{6E568B48-5BAD-44CF-9D0E-A894454C9483}" type="datetimeFigureOut">
               <a:rPr lang="pl-PL" smtClean="0"/>
-              <a:t>2015-06-22</a:t>
+              <a:t>2015-06-23</a:t>
             </a:fld>
             <a:endParaRPr lang="pl-PL"/>
           </a:p>
@@ -1244,7 +1244,7 @@
           <a:p>
             <a:fld id="{6E568B48-5BAD-44CF-9D0E-A894454C9483}" type="datetimeFigureOut">
               <a:rPr lang="pl-PL" smtClean="0"/>
-              <a:t>2015-06-22</a:t>
+              <a:t>2015-06-23</a:t>
             </a:fld>
             <a:endParaRPr lang="pl-PL"/>
           </a:p>
@@ -1611,7 +1611,7 @@
           <a:p>
             <a:fld id="{6E568B48-5BAD-44CF-9D0E-A894454C9483}" type="datetimeFigureOut">
               <a:rPr lang="pl-PL" smtClean="0"/>
-              <a:t>2015-06-22</a:t>
+              <a:t>2015-06-23</a:t>
             </a:fld>
             <a:endParaRPr lang="pl-PL"/>
           </a:p>
@@ -1729,7 +1729,7 @@
           <a:p>
             <a:fld id="{6E568B48-5BAD-44CF-9D0E-A894454C9483}" type="datetimeFigureOut">
               <a:rPr lang="pl-PL" smtClean="0"/>
-              <a:t>2015-06-22</a:t>
+              <a:t>2015-06-23</a:t>
             </a:fld>
             <a:endParaRPr lang="pl-PL"/>
           </a:p>
@@ -1824,7 +1824,7 @@
           <a:p>
             <a:fld id="{6E568B48-5BAD-44CF-9D0E-A894454C9483}" type="datetimeFigureOut">
               <a:rPr lang="pl-PL" smtClean="0"/>
-              <a:t>2015-06-22</a:t>
+              <a:t>2015-06-23</a:t>
             </a:fld>
             <a:endParaRPr lang="pl-PL"/>
           </a:p>
@@ -2101,7 +2101,7 @@
           <a:p>
             <a:fld id="{6E568B48-5BAD-44CF-9D0E-A894454C9483}" type="datetimeFigureOut">
               <a:rPr lang="pl-PL" smtClean="0"/>
-              <a:t>2015-06-22</a:t>
+              <a:t>2015-06-23</a:t>
             </a:fld>
             <a:endParaRPr lang="pl-PL"/>
           </a:p>
@@ -2354,7 +2354,7 @@
           <a:p>
             <a:fld id="{6E568B48-5BAD-44CF-9D0E-A894454C9483}" type="datetimeFigureOut">
               <a:rPr lang="pl-PL" smtClean="0"/>
-              <a:t>2015-06-22</a:t>
+              <a:t>2015-06-23</a:t>
             </a:fld>
             <a:endParaRPr lang="pl-PL"/>
           </a:p>
@@ -2567,7 +2567,7 @@
           <a:p>
             <a:fld id="{6E568B48-5BAD-44CF-9D0E-A894454C9483}" type="datetimeFigureOut">
               <a:rPr lang="pl-PL" smtClean="0"/>
-              <a:t>2015-06-22</a:t>
+              <a:t>2015-06-23</a:t>
             </a:fld>
             <a:endParaRPr lang="pl-PL"/>
           </a:p>
@@ -3406,8 +3406,8 @@
           </a:p>
         </p:txBody>
       </p:sp>
-      <mc:AlternateContent xmlns:mc="http://schemas.openxmlformats.org/markup-compatibility/2006">
-        <mc:Choice xmlns:a14="http://schemas.microsoft.com/office/drawing/2010/main" Requires="a14">
+      <mc:AlternateContent xmlns:mc="http://schemas.openxmlformats.org/markup-compatibility/2006" xmlns:a14="http://schemas.microsoft.com/office/drawing/2010/main">
+        <mc:Choice Requires="a14">
           <p:sp>
             <p:nvSpPr>
               <p:cNvPr id="3" name="Text Placeholder 2"/>
@@ -3445,6 +3445,7 @@
                 </a:endParaRPr>
               </a:p>
               <a:p>
+                <a:pPr/>
                 <a14:m>
                   <m:oMathPara xmlns:m="http://schemas.openxmlformats.org/officeDocument/2006/math">
                     <m:oMathParaPr>
@@ -3454,8 +3455,8 @@
                       <m:sSub>
                         <m:sSubPr>
                           <m:ctrlPr>
-                            <a:rPr lang="pl-PL" sz="1500" smtClean="0">
-                              <a:latin typeface="Cambria Math" panose="02040503050406030204" pitchFamily="18" charset="0"/>
+                            <a:rPr lang="pl-PL" sz="1500" i="1" smtClean="0">
+                              <a:latin typeface="Cambria Math"/>
                               <a:ea typeface="Cambria Math" panose="02040503050406030204" pitchFamily="18" charset="0"/>
                             </a:rPr>
                           </m:ctrlPr>
@@ -3496,8 +3497,8 @@
                       <m:d>
                         <m:dPr>
                           <m:ctrlPr>
-                            <a:rPr lang="pl-PL" sz="1500">
-                              <a:latin typeface="Cambria Math" panose="02040503050406030204" pitchFamily="18" charset="0"/>
+                            <a:rPr lang="pl-PL" sz="1500" i="1">
+                              <a:latin typeface="Cambria Math"/>
                               <a:ea typeface="Cambria Math" panose="02040503050406030204" pitchFamily="18" charset="0"/>
                             </a:rPr>
                           </m:ctrlPr>
@@ -3557,8 +3558,8 @@
                       <m:f>
                         <m:fPr>
                           <m:ctrlPr>
-                            <a:rPr lang="pl-PL" sz="1500">
-                              <a:latin typeface="Cambria Math" panose="02040503050406030204" pitchFamily="18" charset="0"/>
+                            <a:rPr lang="pl-PL" sz="1500" i="1">
+                              <a:latin typeface="Cambria Math"/>
                               <a:ea typeface="Cambria Math" panose="02040503050406030204" pitchFamily="18" charset="0"/>
                             </a:rPr>
                           </m:ctrlPr>
@@ -3592,8 +3593,8 @@
                       <m:d>
                         <m:dPr>
                           <m:ctrlPr>
-                            <a:rPr lang="pl-PL" sz="1500">
-                              <a:latin typeface="Cambria Math" panose="02040503050406030204" pitchFamily="18" charset="0"/>
+                            <a:rPr lang="pl-PL" sz="1500" i="1">
+                              <a:latin typeface="Cambria Math"/>
                               <a:ea typeface="Cambria Math" panose="02040503050406030204" pitchFamily="18" charset="0"/>
                             </a:rPr>
                           </m:ctrlPr>
@@ -3609,8 +3610,8 @@
                           <m:sSub>
                             <m:sSubPr>
                               <m:ctrlPr>
-                                <a:rPr lang="pl-PL" sz="1500">
-                                  <a:latin typeface="Cambria Math" panose="02040503050406030204" pitchFamily="18" charset="0"/>
+                                <a:rPr lang="pl-PL" sz="1500" i="1">
+                                  <a:latin typeface="Cambria Math"/>
                                   <a:ea typeface="Cambria Math" panose="02040503050406030204" pitchFamily="18" charset="0"/>
                                 </a:rPr>
                               </m:ctrlPr>
@@ -3653,8 +3654,8 @@
                       <m:f>
                         <m:fPr>
                           <m:ctrlPr>
-                            <a:rPr lang="pl-PL" sz="1500">
-                              <a:latin typeface="Cambria Math" panose="02040503050406030204" pitchFamily="18" charset="0"/>
+                            <a:rPr lang="pl-PL" sz="1500" i="1">
+                              <a:latin typeface="Cambria Math"/>
                               <a:ea typeface="Cambria Math" panose="02040503050406030204" pitchFamily="18" charset="0"/>
                             </a:rPr>
                           </m:ctrlPr>
@@ -3688,8 +3689,8 @@
                       <m:d>
                         <m:dPr>
                           <m:ctrlPr>
-                            <a:rPr lang="pl-PL" sz="1500">
-                              <a:latin typeface="Cambria Math" panose="02040503050406030204" pitchFamily="18" charset="0"/>
+                            <a:rPr lang="pl-PL" sz="1500" i="1">
+                              <a:latin typeface="Cambria Math"/>
                               <a:ea typeface="Cambria Math" panose="02040503050406030204" pitchFamily="18" charset="0"/>
                             </a:rPr>
                           </m:ctrlPr>
@@ -3698,8 +3699,8 @@
                           <m:f>
                             <m:fPr>
                               <m:ctrlPr>
-                                <a:rPr lang="pl-PL" sz="1500">
-                                  <a:latin typeface="Cambria Math" panose="02040503050406030204" pitchFamily="18" charset="0"/>
+                                <a:rPr lang="pl-PL" sz="1500" i="1">
+                                  <a:latin typeface="Cambria Math"/>
                                   <a:ea typeface="Cambria Math" panose="02040503050406030204" pitchFamily="18" charset="0"/>
                                 </a:rPr>
                               </m:ctrlPr>
@@ -3715,8 +3716,8 @@
                               <m:f>
                                 <m:fPr>
                                   <m:ctrlPr>
-                                    <a:rPr lang="pl-PL" sz="1500">
-                                      <a:latin typeface="Cambria Math" panose="02040503050406030204" pitchFamily="18" charset="0"/>
+                                    <a:rPr lang="pl-PL" sz="1500" i="1">
+                                      <a:latin typeface="Cambria Math"/>
                                       <a:ea typeface="Cambria Math" panose="02040503050406030204" pitchFamily="18" charset="0"/>
                                     </a:rPr>
                                   </m:ctrlPr>
@@ -3750,8 +3751,8 @@
                               <m:f>
                                 <m:fPr>
                                   <m:ctrlPr>
-                                    <a:rPr lang="pl-PL" sz="1500">
-                                      <a:latin typeface="Cambria Math" panose="02040503050406030204" pitchFamily="18" charset="0"/>
+                                    <a:rPr lang="pl-PL" sz="1500" i="1">
+                                      <a:latin typeface="Cambria Math"/>
                                       <a:ea typeface="Cambria Math" panose="02040503050406030204" pitchFamily="18" charset="0"/>
                                     </a:rPr>
                                   </m:ctrlPr>
@@ -3760,8 +3761,8 @@
                                   <m:sSup>
                                     <m:sSupPr>
                                       <m:ctrlPr>
-                                        <a:rPr lang="pl-PL" sz="1500">
-                                          <a:latin typeface="Cambria Math" panose="02040503050406030204" pitchFamily="18" charset="0"/>
+                                        <a:rPr lang="pl-PL" sz="1500" i="1">
+                                          <a:latin typeface="Cambria Math"/>
                                           <a:ea typeface="Cambria Math" panose="02040503050406030204" pitchFamily="18" charset="0"/>
                                         </a:rPr>
                                       </m:ctrlPr>
@@ -3816,8 +3817,8 @@
                                 <m:radPr>
                                   <m:degHide m:val="on"/>
                                   <m:ctrlPr>
-                                    <a:rPr lang="pl-PL" sz="1500">
-                                      <a:latin typeface="Cambria Math" panose="02040503050406030204" pitchFamily="18" charset="0"/>
+                                    <a:rPr lang="pl-PL" sz="1500" i="1">
+                                      <a:latin typeface="Cambria Math"/>
                                       <a:ea typeface="Cambria Math" panose="02040503050406030204" pitchFamily="18" charset="0"/>
                                     </a:rPr>
                                   </m:ctrlPr>
@@ -3848,7 +3849,7 @@
             </p:txBody>
           </p:sp>
         </mc:Choice>
-        <mc:Fallback>
+        <mc:Fallback xmlns="">
           <p:sp>
             <p:nvSpPr>
               <p:cNvPr id="3" name="Text Placeholder 2"/>
@@ -3915,8 +3916,8 @@
           </a:xfrm>
         </p:spPr>
       </p:pic>
-      <mc:AlternateContent xmlns:mc="http://schemas.openxmlformats.org/markup-compatibility/2006">
-        <mc:Choice xmlns:a14="http://schemas.microsoft.com/office/drawing/2010/main" Requires="a14">
+      <mc:AlternateContent xmlns:mc="http://schemas.openxmlformats.org/markup-compatibility/2006" xmlns:a14="http://schemas.microsoft.com/office/drawing/2010/main">
+        <mc:Choice Requires="a14">
           <p:sp>
             <p:nvSpPr>
               <p:cNvPr id="5" name="Text Placeholder 4"/>
@@ -3957,6 +3958,7 @@
                 </a:endParaRPr>
               </a:p>
               <a:p>
+                <a:pPr/>
                 <a14:m>
                   <m:oMathPara xmlns:m="http://schemas.openxmlformats.org/officeDocument/2006/math">
                     <m:oMathParaPr>
@@ -3988,7 +3990,7 @@
                         <m:sSupPr>
                           <m:ctrlPr>
                             <a:rPr lang="pl-PL" sz="6000" i="1">
-                              <a:latin typeface="Cambria Math" panose="02040503050406030204" pitchFamily="18" charset="0"/>
+                              <a:latin typeface="Cambria Math"/>
                               <a:ea typeface="Cambria Math" panose="02040503050406030204" pitchFamily="18" charset="0"/>
                             </a:rPr>
                           </m:ctrlPr>
@@ -4021,7 +4023,7 @@
                             <m:sSupPr>
                               <m:ctrlPr>
                                 <a:rPr lang="pl-PL" sz="6000" i="1">
-                                  <a:latin typeface="Cambria Math" panose="02040503050406030204" pitchFamily="18" charset="0"/>
+                                  <a:latin typeface="Cambria Math"/>
                                   <a:ea typeface="Cambria Math" panose="02040503050406030204" pitchFamily="18" charset="0"/>
                                 </a:rPr>
                               </m:ctrlPr>
@@ -4056,7 +4058,7 @@
                             <m:dPr>
                               <m:ctrlPr>
                                 <a:rPr lang="pl-PL" sz="6000" i="1">
-                                  <a:latin typeface="Cambria Math" panose="02040503050406030204" pitchFamily="18" charset="0"/>
+                                  <a:latin typeface="Cambria Math"/>
                                   <a:ea typeface="Cambria Math" panose="02040503050406030204" pitchFamily="18" charset="0"/>
                                 </a:rPr>
                               </m:ctrlPr>
@@ -4073,7 +4075,7 @@
                                 <m:sSubPr>
                                   <m:ctrlPr>
                                     <a:rPr lang="pl-PL" sz="6000" i="1">
-                                      <a:latin typeface="Cambria Math" panose="02040503050406030204" pitchFamily="18" charset="0"/>
+                                      <a:latin typeface="Cambria Math"/>
                                       <a:ea typeface="Cambria Math" panose="02040503050406030204" pitchFamily="18" charset="0"/>
                                     </a:rPr>
                                   </m:ctrlPr>
@@ -4101,7 +4103,7 @@
                                 <m:sSupPr>
                                   <m:ctrlPr>
                                     <a:rPr lang="pl-PL" sz="6000" i="1">
-                                      <a:latin typeface="Cambria Math" panose="02040503050406030204" pitchFamily="18" charset="0"/>
+                                      <a:latin typeface="Cambria Math"/>
                                       <a:ea typeface="Cambria Math" panose="02040503050406030204" pitchFamily="18" charset="0"/>
                                     </a:rPr>
                                   </m:ctrlPr>
@@ -4120,7 +4122,7 @@
                                     <m:sSubPr>
                                       <m:ctrlPr>
                                         <a:rPr lang="pl-PL" sz="6000" i="1">
-                                          <a:latin typeface="Cambria Math" panose="02040503050406030204" pitchFamily="18" charset="0"/>
+                                          <a:latin typeface="Cambria Math"/>
                                           <a:ea typeface="Cambria Math" panose="02040503050406030204" pitchFamily="18" charset="0"/>
                                         </a:rPr>
                                       </m:ctrlPr>
@@ -4159,7 +4161,7 @@
                             <m:sSubPr>
                               <m:ctrlPr>
                                 <a:rPr lang="pl-PL" sz="6000" i="1">
-                                  <a:latin typeface="Cambria Math" panose="02040503050406030204" pitchFamily="18" charset="0"/>
+                                  <a:latin typeface="Cambria Math"/>
                                   <a:ea typeface="Cambria Math" panose="02040503050406030204" pitchFamily="18" charset="0"/>
                                 </a:rPr>
                               </m:ctrlPr>
@@ -4177,7 +4179,7 @@
                                   <m:degHide m:val="on"/>
                                   <m:ctrlPr>
                                     <a:rPr lang="pl-PL" sz="6000" i="1">
-                                      <a:latin typeface="Cambria Math" panose="02040503050406030204" pitchFamily="18" charset="0"/>
+                                      <a:latin typeface="Cambria Math"/>
                                       <a:ea typeface="Cambria Math" panose="02040503050406030204" pitchFamily="18" charset="0"/>
                                     </a:rPr>
                                   </m:ctrlPr>
@@ -4204,7 +4206,7 @@
                                 <m:sSubPr>
                                   <m:ctrlPr>
                                     <a:rPr lang="pl-PL" sz="6000" i="1">
-                                      <a:latin typeface="Cambria Math" panose="02040503050406030204" pitchFamily="18" charset="0"/>
+                                      <a:latin typeface="Cambria Math"/>
                                       <a:ea typeface="Cambria Math" panose="02040503050406030204" pitchFamily="18" charset="0"/>
                                     </a:rPr>
                                   </m:ctrlPr>
@@ -4264,7 +4266,7 @@
                             <m:fPr>
                               <m:ctrlPr>
                                 <a:rPr lang="pl-PL" sz="6000" i="1">
-                                  <a:latin typeface="Cambria Math" panose="02040503050406030204" pitchFamily="18" charset="0"/>
+                                  <a:latin typeface="Cambria Math"/>
                                   <a:ea typeface="Cambria Math" panose="02040503050406030204" pitchFamily="18" charset="0"/>
                                 </a:rPr>
                               </m:ctrlPr>
@@ -4274,7 +4276,7 @@
                                 <m:sSupPr>
                                   <m:ctrlPr>
                                     <a:rPr lang="pl-PL" sz="6000" i="1">
-                                      <a:latin typeface="Cambria Math" panose="02040503050406030204" pitchFamily="18" charset="0"/>
+                                      <a:latin typeface="Cambria Math"/>
                                       <a:ea typeface="Cambria Math" panose="02040503050406030204" pitchFamily="18" charset="0"/>
                                     </a:rPr>
                                   </m:ctrlPr>
@@ -4335,6 +4337,7 @@
                 </a:endParaRPr>
               </a:p>
               <a:p>
+                <a:pPr/>
                 <a14:m>
                   <m:oMathPara xmlns:m="http://schemas.openxmlformats.org/officeDocument/2006/math">
                     <m:oMathParaPr>
@@ -4359,7 +4362,7 @@
                         <m:sSupPr>
                           <m:ctrlPr>
                             <a:rPr lang="pl-PL" sz="6000" i="1">
-                              <a:latin typeface="Cambria Math" panose="02040503050406030204" pitchFamily="18" charset="0"/>
+                              <a:latin typeface="Cambria Math"/>
                               <a:ea typeface="Cambria Math" panose="02040503050406030204" pitchFamily="18" charset="0"/>
                             </a:rPr>
                           </m:ctrlPr>
@@ -4392,7 +4395,7 @@
                             <m:sSupPr>
                               <m:ctrlPr>
                                 <a:rPr lang="pl-PL" sz="6000" i="1">
-                                  <a:latin typeface="Cambria Math" panose="02040503050406030204" pitchFamily="18" charset="0"/>
+                                  <a:latin typeface="Cambria Math"/>
                                   <a:ea typeface="Cambria Math" panose="02040503050406030204" pitchFamily="18" charset="0"/>
                                 </a:rPr>
                               </m:ctrlPr>
@@ -4427,7 +4430,7 @@
                             <m:dPr>
                               <m:ctrlPr>
                                 <a:rPr lang="pl-PL" sz="6000" i="1">
-                                  <a:latin typeface="Cambria Math" panose="02040503050406030204" pitchFamily="18" charset="0"/>
+                                  <a:latin typeface="Cambria Math"/>
                                   <a:ea typeface="Cambria Math" panose="02040503050406030204" pitchFamily="18" charset="0"/>
                                 </a:rPr>
                               </m:ctrlPr>
@@ -4444,7 +4447,7 @@
                                 <m:sSubPr>
                                   <m:ctrlPr>
                                     <a:rPr lang="pl-PL" sz="6000" i="1">
-                                      <a:latin typeface="Cambria Math" panose="02040503050406030204" pitchFamily="18" charset="0"/>
+                                      <a:latin typeface="Cambria Math"/>
                                       <a:ea typeface="Cambria Math" panose="02040503050406030204" pitchFamily="18" charset="0"/>
                                     </a:rPr>
                                   </m:ctrlPr>
@@ -4472,7 +4475,7 @@
                                 <m:sSupPr>
                                   <m:ctrlPr>
                                     <a:rPr lang="pl-PL" sz="6000" i="1">
-                                      <a:latin typeface="Cambria Math" panose="02040503050406030204" pitchFamily="18" charset="0"/>
+                                      <a:latin typeface="Cambria Math"/>
                                       <a:ea typeface="Cambria Math" panose="02040503050406030204" pitchFamily="18" charset="0"/>
                                     </a:rPr>
                                   </m:ctrlPr>
@@ -4491,7 +4494,7 @@
                                     <m:sSubPr>
                                       <m:ctrlPr>
                                         <a:rPr lang="pl-PL" sz="6000" i="1">
-                                          <a:latin typeface="Cambria Math" panose="02040503050406030204" pitchFamily="18" charset="0"/>
+                                          <a:latin typeface="Cambria Math"/>
                                           <a:ea typeface="Cambria Math" panose="02040503050406030204" pitchFamily="18" charset="0"/>
                                         </a:rPr>
                                       </m:ctrlPr>
@@ -4538,7 +4541,7 @@
                               <m:degHide m:val="on"/>
                               <m:ctrlPr>
                                 <a:rPr lang="pl-PL" sz="6000" i="1">
-                                  <a:latin typeface="Cambria Math" panose="02040503050406030204" pitchFamily="18" charset="0"/>
+                                  <a:latin typeface="Cambria Math"/>
                                   <a:ea typeface="Cambria Math" panose="02040503050406030204" pitchFamily="18" charset="0"/>
                                 </a:rPr>
                               </m:ctrlPr>
@@ -4565,7 +4568,7 @@
                             <m:fPr>
                               <m:ctrlPr>
                                 <a:rPr lang="pl-PL" sz="6000" i="1">
-                                  <a:latin typeface="Cambria Math" panose="02040503050406030204" pitchFamily="18" charset="0"/>
+                                  <a:latin typeface="Cambria Math"/>
                                   <a:ea typeface="Cambria Math" panose="02040503050406030204" pitchFamily="18" charset="0"/>
                                 </a:rPr>
                               </m:ctrlPr>
@@ -4575,7 +4578,7 @@
                                 <m:sSupPr>
                                   <m:ctrlPr>
                                     <a:rPr lang="pl-PL" sz="6000" i="1">
-                                      <a:latin typeface="Cambria Math" panose="02040503050406030204" pitchFamily="18" charset="0"/>
+                                      <a:latin typeface="Cambria Math"/>
                                       <a:ea typeface="Cambria Math" panose="02040503050406030204" pitchFamily="18" charset="0"/>
                                     </a:rPr>
                                   </m:ctrlPr>
@@ -4634,7 +4637,7 @@
             </p:txBody>
           </p:sp>
         </mc:Choice>
-        <mc:Fallback>
+        <mc:Fallback xmlns="">
           <p:sp>
             <p:nvSpPr>
               <p:cNvPr id="5" name="Text Placeholder 4"/>
@@ -5168,14 +5171,7 @@
                 <a:latin typeface="Times New Roman" panose="02020603050405020304" pitchFamily="18" charset="0"/>
                 <a:cs typeface="Times New Roman" panose="02020603050405020304" pitchFamily="18" charset="0"/>
               </a:rPr>
-              <a:t>3. </a:t>
-            </a:r>
-            <a:r>
-              <a:rPr lang="pl-PL" sz="2800" dirty="0" smtClean="0">
-                <a:latin typeface="Times New Roman" panose="02020603050405020304" pitchFamily="18" charset="0"/>
-                <a:cs typeface="Times New Roman" panose="02020603050405020304" pitchFamily="18" charset="0"/>
-              </a:rPr>
-              <a:t>QuantLib – wybrane zastosowania</a:t>
+              <a:t>3. QuantLib – wybrane zastosowania</a:t>
             </a:r>
             <a:endParaRPr lang="pl-PL" sz="2800" dirty="0">
               <a:latin typeface="Times New Roman" panose="02020603050405020304" pitchFamily="18" charset="0"/>
@@ -5248,8 +5244,8 @@
           </a:prstGeom>
         </p:spPr>
       </p:pic>
-      <mc:AlternateContent xmlns:mc="http://schemas.openxmlformats.org/markup-compatibility/2006">
-        <mc:Choice xmlns:a14="http://schemas.microsoft.com/office/drawing/2010/main" Requires="a14">
+      <mc:AlternateContent xmlns:mc="http://schemas.openxmlformats.org/markup-compatibility/2006" xmlns:a14="http://schemas.microsoft.com/office/drawing/2010/main">
+        <mc:Choice Requires="a14">
           <p:sp>
             <p:nvSpPr>
               <p:cNvPr id="4" name="Content Placeholder 3"/>
@@ -5304,7 +5300,7 @@
                           <m:ctrlPr>
                             <a:rPr lang="pl-PL" sz="1500" b="1" i="1">
                               <a:effectLst/>
-                              <a:latin typeface="Cambria Math" panose="02040503050406030204" pitchFamily="18" charset="0"/>
+                              <a:latin typeface="Cambria Math"/>
                               <a:ea typeface="Times New Roman" panose="02020603050405020304" pitchFamily="18" charset="0"/>
                               <a:cs typeface="Times New Roman" panose="02020603050405020304" pitchFamily="18" charset="0"/>
                             </a:rPr>
@@ -5356,7 +5352,7 @@
                           <m:ctrlPr>
                             <a:rPr lang="pl-PL" sz="1500" b="1" i="1">
                               <a:effectLst/>
-                              <a:latin typeface="Cambria Math" panose="02040503050406030204" pitchFamily="18" charset="0"/>
+                              <a:latin typeface="Cambria Math"/>
                               <a:ea typeface="Times New Roman" panose="02020603050405020304" pitchFamily="18" charset="0"/>
                               <a:cs typeface="Times New Roman" panose="02020603050405020304" pitchFamily="18" charset="0"/>
                             </a:rPr>
@@ -5420,7 +5416,7 @@
                           <m:ctrlPr>
                             <a:rPr lang="pl-PL" sz="1500" b="1" i="1">
                               <a:effectLst/>
-                              <a:latin typeface="Cambria Math" panose="02040503050406030204" pitchFamily="18" charset="0"/>
+                              <a:latin typeface="Cambria Math"/>
                               <a:ea typeface="Times New Roman" panose="02020603050405020304" pitchFamily="18" charset="0"/>
                               <a:cs typeface="Times New Roman" panose="02020603050405020304" pitchFamily="18" charset="0"/>
                             </a:rPr>
@@ -5454,7 +5450,7 @@
                           <m:ctrlPr>
                             <a:rPr lang="pl-PL" sz="1500" b="1" i="1">
                               <a:effectLst/>
-                              <a:latin typeface="Cambria Math" panose="02040503050406030204" pitchFamily="18" charset="0"/>
+                              <a:latin typeface="Cambria Math"/>
                               <a:ea typeface="Times New Roman" panose="02020603050405020304" pitchFamily="18" charset="0"/>
                               <a:cs typeface="Times New Roman" panose="02020603050405020304" pitchFamily="18" charset="0"/>
                             </a:rPr>
@@ -5466,7 +5462,7 @@
                               <m:ctrlPr>
                                 <a:rPr lang="pl-PL" sz="1500" b="1" i="1">
                                   <a:effectLst/>
-                                  <a:latin typeface="Cambria Math" panose="02040503050406030204" pitchFamily="18" charset="0"/>
+                                  <a:latin typeface="Cambria Math"/>
                                   <a:ea typeface="Times New Roman" panose="02020603050405020304" pitchFamily="18" charset="0"/>
                                   <a:cs typeface="Times New Roman" panose="02020603050405020304" pitchFamily="18" charset="0"/>
                                 </a:rPr>
@@ -5490,7 +5486,7 @@
                                   <m:ctrlPr>
                                     <a:rPr lang="pl-PL" sz="1500" b="1" i="1">
                                       <a:effectLst/>
-                                      <a:latin typeface="Cambria Math" panose="02040503050406030204" pitchFamily="18" charset="0"/>
+                                      <a:latin typeface="Cambria Math"/>
                                       <a:ea typeface="Times New Roman" panose="02020603050405020304" pitchFamily="18" charset="0"/>
                                       <a:cs typeface="Times New Roman" panose="02020603050405020304" pitchFamily="18" charset="0"/>
                                     </a:rPr>
@@ -5584,7 +5580,7 @@
                               <m:ctrlPr>
                                 <a:rPr lang="pl-PL" sz="1500" b="1" i="1">
                                   <a:effectLst/>
-                                  <a:latin typeface="Cambria Math" panose="02040503050406030204" pitchFamily="18" charset="0"/>
+                                  <a:latin typeface="Cambria Math"/>
                                   <a:ea typeface="Times New Roman" panose="02020603050405020304" pitchFamily="18" charset="0"/>
                                   <a:cs typeface="Times New Roman" panose="02020603050405020304" pitchFamily="18" charset="0"/>
                                 </a:rPr>
@@ -5638,7 +5634,7 @@
                           <m:ctrlPr>
                             <a:rPr lang="pl-PL" sz="1500" b="1" i="1">
                               <a:effectLst/>
-                              <a:latin typeface="Cambria Math" panose="02040503050406030204" pitchFamily="18" charset="0"/>
+                              <a:latin typeface="Cambria Math"/>
                               <a:ea typeface="Times New Roman" panose="02020603050405020304" pitchFamily="18" charset="0"/>
                               <a:cs typeface="Times New Roman" panose="02020603050405020304" pitchFamily="18" charset="0"/>
                             </a:rPr>
@@ -5691,7 +5687,7 @@
                           <m:ctrlPr>
                             <a:rPr lang="pl-PL" sz="1500" b="1" i="1">
                               <a:effectLst/>
-                              <a:latin typeface="Cambria Math" panose="02040503050406030204" pitchFamily="18" charset="0"/>
+                              <a:latin typeface="Cambria Math"/>
                               <a:ea typeface="Times New Roman" panose="02020603050405020304" pitchFamily="18" charset="0"/>
                               <a:cs typeface="Times New Roman" panose="02020603050405020304" pitchFamily="18" charset="0"/>
                             </a:rPr>
@@ -5805,7 +5801,7 @@
                           <m:ctrlPr>
                             <a:rPr lang="pl-PL" sz="1500" b="1" i="1">
                               <a:effectLst/>
-                              <a:latin typeface="Cambria Math" panose="02040503050406030204" pitchFamily="18" charset="0"/>
+                              <a:latin typeface="Cambria Math"/>
                               <a:ea typeface="Times New Roman" panose="02020603050405020304" pitchFamily="18" charset="0"/>
                               <a:cs typeface="Times New Roman" panose="02020603050405020304" pitchFamily="18" charset="0"/>
                             </a:rPr>
@@ -5848,7 +5844,7 @@
             </p:txBody>
           </p:sp>
         </mc:Choice>
-        <mc:Fallback>
+        <mc:Fallback xmlns="">
           <p:sp>
             <p:nvSpPr>
               <p:cNvPr id="4" name="Content Placeholder 3"/>
@@ -5945,14 +5941,7 @@
                 <a:latin typeface="Times New Roman" panose="02020603050405020304" pitchFamily="18" charset="0"/>
                 <a:cs typeface="Times New Roman" panose="02020603050405020304" pitchFamily="18" charset="0"/>
               </a:rPr>
-              <a:t>3. </a:t>
-            </a:r>
-            <a:r>
-              <a:rPr lang="pl-PL" sz="2800" dirty="0" smtClean="0">
-                <a:latin typeface="Times New Roman" panose="02020603050405020304" pitchFamily="18" charset="0"/>
-                <a:cs typeface="Times New Roman" panose="02020603050405020304" pitchFamily="18" charset="0"/>
-              </a:rPr>
-              <a:t>QuantLib – wybrane zastosowania, c.d</a:t>
+              <a:t>3. QuantLib – wybrane zastosowania, c.d</a:t>
             </a:r>
             <a:endParaRPr lang="pl-PL" sz="2800" dirty="0">
               <a:latin typeface="Times New Roman" panose="02020603050405020304" pitchFamily="18" charset="0"/>
@@ -6031,8 +6020,8 @@
           </a:prstGeom>
         </p:spPr>
       </p:pic>
-      <mc:AlternateContent xmlns:mc="http://schemas.openxmlformats.org/markup-compatibility/2006">
-        <mc:Choice xmlns:a14="http://schemas.microsoft.com/office/drawing/2010/main" Requires="a14">
+      <mc:AlternateContent xmlns:mc="http://schemas.openxmlformats.org/markup-compatibility/2006" xmlns:a14="http://schemas.microsoft.com/office/drawing/2010/main">
+        <mc:Choice Requires="a14">
           <p:sp>
             <p:nvSpPr>
               <p:cNvPr id="4" name="Content Placeholder 3"/>
@@ -6073,8 +6062,8 @@
                       <m:sSub>
                         <m:sSubPr>
                           <m:ctrlPr>
-                            <a:rPr lang="pl-PL" sz="1500" b="1" smtClean="0">
-                              <a:latin typeface="Cambria Math" panose="02040503050406030204" pitchFamily="18" charset="0"/>
+                            <a:rPr lang="pl-PL" sz="1500" b="1" i="1" smtClean="0">
+                              <a:latin typeface="Cambria Math"/>
                               <a:ea typeface="Cambria Math" panose="02040503050406030204" pitchFamily="18" charset="0"/>
                             </a:rPr>
                           </m:ctrlPr>
@@ -6101,8 +6090,8 @@
                       <m:d>
                         <m:dPr>
                           <m:ctrlPr>
-                            <a:rPr lang="pl-PL" sz="1500" b="1">
-                              <a:latin typeface="Cambria Math" panose="02040503050406030204" pitchFamily="18" charset="0"/>
+                            <a:rPr lang="pl-PL" sz="1500" b="1" i="1">
+                              <a:latin typeface="Cambria Math"/>
                               <a:ea typeface="Cambria Math" panose="02040503050406030204" pitchFamily="18" charset="0"/>
                             </a:rPr>
                           </m:ctrlPr>
@@ -6127,8 +6116,8 @@
                       <m:f>
                         <m:fPr>
                           <m:ctrlPr>
-                            <a:rPr lang="pl-PL" sz="1500" b="1">
-                              <a:latin typeface="Cambria Math" panose="02040503050406030204" pitchFamily="18" charset="0"/>
+                            <a:rPr lang="pl-PL" sz="1500" b="1" i="1">
+                              <a:latin typeface="Cambria Math"/>
                               <a:ea typeface="Cambria Math" panose="02040503050406030204" pitchFamily="18" charset="0"/>
                             </a:rPr>
                           </m:ctrlPr>
@@ -6138,8 +6127,8 @@
                             <m:naryPr>
                               <m:limLoc m:val="undOvr"/>
                               <m:ctrlPr>
-                                <a:rPr lang="pl-PL" sz="1500" b="1">
-                                  <a:latin typeface="Cambria Math" panose="02040503050406030204" pitchFamily="18" charset="0"/>
+                                <a:rPr lang="pl-PL" sz="1500" b="1" i="1">
+                                  <a:latin typeface="Cambria Math"/>
                                   <a:ea typeface="Cambria Math" panose="02040503050406030204" pitchFamily="18" charset="0"/>
                                 </a:rPr>
                               </m:ctrlPr>
@@ -6166,8 +6155,8 @@
                               <m:d>
                                 <m:dPr>
                                   <m:ctrlPr>
-                                    <a:rPr lang="pl-PL" sz="1500" b="1">
-                                      <a:latin typeface="Cambria Math" panose="02040503050406030204" pitchFamily="18" charset="0"/>
+                                    <a:rPr lang="pl-PL" sz="1500" b="1" i="1">
+                                      <a:latin typeface="Cambria Math"/>
                                       <a:ea typeface="Cambria Math" panose="02040503050406030204" pitchFamily="18" charset="0"/>
                                     </a:rPr>
                                   </m:ctrlPr>
@@ -6190,8 +6179,8 @@
                                   <m:sSub>
                                     <m:sSubPr>
                                       <m:ctrlPr>
-                                        <a:rPr lang="pl-PL" sz="1500" b="1" smtClean="0">
-                                          <a:latin typeface="Cambria Math" panose="02040503050406030204" pitchFamily="18" charset="0"/>
+                                        <a:rPr lang="pl-PL" sz="1500" b="1" i="1" smtClean="0">
+                                          <a:latin typeface="Cambria Math"/>
                                           <a:ea typeface="Cambria Math" panose="02040503050406030204" pitchFamily="18" charset="0"/>
                                         </a:rPr>
                                       </m:ctrlPr>
@@ -6218,8 +6207,8 @@
                                   <m:d>
                                     <m:dPr>
                                       <m:ctrlPr>
-                                        <a:rPr lang="pl-PL" sz="1500" b="1">
-                                          <a:latin typeface="Cambria Math" panose="02040503050406030204" pitchFamily="18" charset="0"/>
+                                        <a:rPr lang="pl-PL" sz="1500" b="1" i="1">
+                                          <a:latin typeface="Cambria Math"/>
                                           <a:ea typeface="Cambria Math" panose="02040503050406030204" pitchFamily="18" charset="0"/>
                                         </a:rPr>
                                       </m:ctrlPr>
@@ -6251,8 +6240,8 @@
                             <m:naryPr>
                               <m:limLoc m:val="undOvr"/>
                               <m:ctrlPr>
-                                <a:rPr lang="pl-PL" sz="1500" b="1">
-                                  <a:latin typeface="Cambria Math" panose="02040503050406030204" pitchFamily="18" charset="0"/>
+                                <a:rPr lang="pl-PL" sz="1500" b="1" i="1">
+                                  <a:latin typeface="Cambria Math"/>
                                   <a:ea typeface="Cambria Math" panose="02040503050406030204" pitchFamily="18" charset="0"/>
                                 </a:rPr>
                               </m:ctrlPr>
@@ -6279,8 +6268,8 @@
                               <m:sSub>
                                 <m:sSubPr>
                                   <m:ctrlPr>
-                                    <a:rPr lang="pl-PL" sz="1500" b="1" smtClean="0">
-                                      <a:latin typeface="Cambria Math" panose="02040503050406030204" pitchFamily="18" charset="0"/>
+                                    <a:rPr lang="pl-PL" sz="1500" b="1" i="1" smtClean="0">
+                                      <a:latin typeface="Cambria Math"/>
                                       <a:ea typeface="Cambria Math" panose="02040503050406030204" pitchFamily="18" charset="0"/>
                                     </a:rPr>
                                   </m:ctrlPr>
@@ -6487,7 +6476,7 @@
                         <m:dPr>
                           <m:ctrlPr>
                             <a:rPr lang="pl-PL" sz="1500" b="1" i="1">
-                              <a:latin typeface="Cambria Math" panose="02040503050406030204" pitchFamily="18" charset="0"/>
+                              <a:latin typeface="Cambria Math"/>
                               <a:ea typeface="Cambria Math" panose="02040503050406030204" pitchFamily="18" charset="0"/>
                             </a:rPr>
                           </m:ctrlPr>
@@ -6497,7 +6486,7 @@
                             <m:sSubPr>
                               <m:ctrlPr>
                                 <a:rPr lang="pl-PL" sz="1500" b="1" i="1">
-                                  <a:latin typeface="Cambria Math" panose="02040503050406030204" pitchFamily="18" charset="0"/>
+                                  <a:latin typeface="Cambria Math"/>
                                   <a:ea typeface="Cambria Math" panose="02040503050406030204" pitchFamily="18" charset="0"/>
                                 </a:rPr>
                               </m:ctrlPr>
@@ -6534,7 +6523,7 @@
                         <m:fPr>
                           <m:ctrlPr>
                             <a:rPr lang="pl-PL" sz="1500" b="1" i="1">
-                              <a:latin typeface="Cambria Math" panose="02040503050406030204" pitchFamily="18" charset="0"/>
+                              <a:latin typeface="Cambria Math"/>
                               <a:ea typeface="Cambria Math" panose="02040503050406030204" pitchFamily="18" charset="0"/>
                             </a:rPr>
                           </m:ctrlPr>
@@ -6554,7 +6543,7 @@
                               <m:degHide m:val="on"/>
                               <m:ctrlPr>
                                 <a:rPr lang="pl-PL" sz="1500" b="1" i="1">
-                                  <a:latin typeface="Cambria Math" panose="02040503050406030204" pitchFamily="18" charset="0"/>
+                                  <a:latin typeface="Cambria Math"/>
                                   <a:ea typeface="Cambria Math" panose="02040503050406030204" pitchFamily="18" charset="0"/>
                                 </a:rPr>
                               </m:ctrlPr>
@@ -6580,7 +6569,7 @@
                                   <m:degHide m:val="on"/>
                                   <m:ctrlPr>
                                     <a:rPr lang="pl-PL" sz="1500" b="1" i="1">
-                                      <a:latin typeface="Cambria Math" panose="02040503050406030204" pitchFamily="18" charset="0"/>
+                                      <a:latin typeface="Cambria Math"/>
                                       <a:ea typeface="Cambria Math" panose="02040503050406030204" pitchFamily="18" charset="0"/>
                                     </a:rPr>
                                   </m:ctrlPr>
@@ -6591,7 +6580,7 @@
                                     <m:sSupPr>
                                       <m:ctrlPr>
                                         <a:rPr lang="pl-PL" sz="1500" b="1" i="1">
-                                          <a:latin typeface="Cambria Math" panose="02040503050406030204" pitchFamily="18" charset="0"/>
+                                          <a:latin typeface="Cambria Math"/>
                                           <a:ea typeface="Cambria Math" panose="02040503050406030204" pitchFamily="18" charset="0"/>
                                         </a:rPr>
                                       </m:ctrlPr>
@@ -6619,7 +6608,7 @@
                                     <m:sSubSupPr>
                                       <m:ctrlPr>
                                         <a:rPr lang="pl-PL" sz="1500" b="1" i="1">
-                                          <a:latin typeface="Cambria Math" panose="02040503050406030204" pitchFamily="18" charset="0"/>
+                                          <a:latin typeface="Cambria Math"/>
                                           <a:ea typeface="Cambria Math" panose="02040503050406030204" pitchFamily="18" charset="0"/>
                                         </a:rPr>
                                       </m:ctrlPr>
@@ -6663,7 +6652,7 @@
                                     <m:sSupPr>
                                       <m:ctrlPr>
                                         <a:rPr lang="pl-PL" sz="1500" b="1" i="1">
-                                          <a:latin typeface="Cambria Math" panose="02040503050406030204" pitchFamily="18" charset="0"/>
+                                          <a:latin typeface="Cambria Math"/>
                                           <a:ea typeface="Cambria Math" panose="02040503050406030204" pitchFamily="18" charset="0"/>
                                         </a:rPr>
                                       </m:ctrlPr>
@@ -6691,7 +6680,7 @@
                                     <m:sSubSupPr>
                                       <m:ctrlPr>
                                         <a:rPr lang="pl-PL" sz="1500" b="1" i="1">
-                                          <a:latin typeface="Cambria Math" panose="02040503050406030204" pitchFamily="18" charset="0"/>
+                                          <a:latin typeface="Cambria Math"/>
                                           <a:ea typeface="Cambria Math" panose="02040503050406030204" pitchFamily="18" charset="0"/>
                                         </a:rPr>
                                       </m:ctrlPr>
@@ -6735,7 +6724,7 @@
                           <m:limLoc m:val="undOvr"/>
                           <m:ctrlPr>
                             <a:rPr lang="pl-PL" sz="1500" b="1" i="1">
-                              <a:latin typeface="Cambria Math" panose="02040503050406030204" pitchFamily="18" charset="0"/>
+                              <a:latin typeface="Cambria Math"/>
                               <a:ea typeface="Cambria Math" panose="02040503050406030204" pitchFamily="18" charset="0"/>
                             </a:rPr>
                           </m:ctrlPr>
@@ -6761,7 +6750,7 @@
                             <m:sSubPr>
                               <m:ctrlPr>
                                 <a:rPr lang="pl-PL" sz="1500" b="1" i="1">
-                                  <a:latin typeface="Cambria Math" panose="02040503050406030204" pitchFamily="18" charset="0"/>
+                                  <a:latin typeface="Cambria Math"/>
                                   <a:ea typeface="Cambria Math" panose="02040503050406030204" pitchFamily="18" charset="0"/>
                                 </a:rPr>
                               </m:ctrlPr>
@@ -6791,7 +6780,7 @@
                             <m:sSupPr>
                               <m:ctrlPr>
                                 <a:rPr lang="pl-PL" sz="1500" b="1" i="1">
-                                  <a:latin typeface="Cambria Math" panose="02040503050406030204" pitchFamily="18" charset="0"/>
+                                  <a:latin typeface="Cambria Math"/>
                                   <a:ea typeface="Cambria Math" panose="02040503050406030204" pitchFamily="18" charset="0"/>
                                 </a:rPr>
                               </m:ctrlPr>
@@ -6824,7 +6813,7 @@
                                 <m:fPr>
                                   <m:ctrlPr>
                                     <a:rPr lang="pl-PL" sz="1500" b="1" i="1">
-                                      <a:latin typeface="Cambria Math" panose="02040503050406030204" pitchFamily="18" charset="0"/>
+                                      <a:latin typeface="Cambria Math"/>
                                       <a:ea typeface="Cambria Math" panose="02040503050406030204" pitchFamily="18" charset="0"/>
                                     </a:rPr>
                                   </m:ctrlPr>
@@ -6834,7 +6823,7 @@
                                     <m:sSupPr>
                                       <m:ctrlPr>
                                         <a:rPr lang="pl-PL" sz="1500" b="1" i="1">
-                                          <a:latin typeface="Cambria Math" panose="02040503050406030204" pitchFamily="18" charset="0"/>
+                                          <a:latin typeface="Cambria Math"/>
                                           <a:ea typeface="Cambria Math" panose="02040503050406030204" pitchFamily="18" charset="0"/>
                                         </a:rPr>
                                       </m:ctrlPr>
@@ -6851,7 +6840,7 @@
                                         <m:sSubPr>
                                           <m:ctrlPr>
                                             <a:rPr lang="pl-PL" sz="1500" b="1" i="1">
-                                              <a:latin typeface="Cambria Math" panose="02040503050406030204" pitchFamily="18" charset="0"/>
+                                              <a:latin typeface="Cambria Math"/>
                                               <a:ea typeface="Cambria Math" panose="02040503050406030204" pitchFamily="18" charset="0"/>
                                             </a:rPr>
                                           </m:ctrlPr>
@@ -6900,7 +6889,7 @@
                                         <m:sSubPr>
                                           <m:ctrlPr>
                                             <a:rPr lang="pl-PL" sz="1500" b="1" i="1">
-                                              <a:latin typeface="Cambria Math" panose="02040503050406030204" pitchFamily="18" charset="0"/>
+                                              <a:latin typeface="Cambria Math"/>
                                               <a:ea typeface="Cambria Math" panose="02040503050406030204" pitchFamily="18" charset="0"/>
                                             </a:rPr>
                                           </m:ctrlPr>
@@ -6942,7 +6931,7 @@
                                         <m:sSubPr>
                                           <m:ctrlPr>
                                             <a:rPr lang="pl-PL" sz="1500" b="1" i="1">
-                                              <a:latin typeface="Cambria Math" panose="02040503050406030204" pitchFamily="18" charset="0"/>
+                                              <a:latin typeface="Cambria Math"/>
                                               <a:ea typeface="Cambria Math" panose="02040503050406030204" pitchFamily="18" charset="0"/>
                                             </a:rPr>
                                           </m:ctrlPr>
@@ -7004,7 +6993,7 @@
                                     <m:sSupPr>
                                       <m:ctrlPr>
                                         <a:rPr lang="pl-PL" sz="1500" b="1" i="1">
-                                          <a:latin typeface="Cambria Math" panose="02040503050406030204" pitchFamily="18" charset="0"/>
+                                          <a:latin typeface="Cambria Math"/>
                                           <a:ea typeface="Cambria Math" panose="02040503050406030204" pitchFamily="18" charset="0"/>
                                         </a:rPr>
                                       </m:ctrlPr>
@@ -7032,7 +7021,7 @@
                                     <m:sSubSupPr>
                                       <m:ctrlPr>
                                         <a:rPr lang="pl-PL" sz="1500" b="1" i="1">
-                                          <a:latin typeface="Cambria Math" panose="02040503050406030204" pitchFamily="18" charset="0"/>
+                                          <a:latin typeface="Cambria Math"/>
                                           <a:ea typeface="Cambria Math" panose="02040503050406030204" pitchFamily="18" charset="0"/>
                                         </a:rPr>
                                       </m:ctrlPr>
@@ -7076,7 +7065,7 @@
                                     <m:sSupPr>
                                       <m:ctrlPr>
                                         <a:rPr lang="pl-PL" sz="1500" b="1" i="1">
-                                          <a:latin typeface="Cambria Math" panose="02040503050406030204" pitchFamily="18" charset="0"/>
+                                          <a:latin typeface="Cambria Math"/>
                                           <a:ea typeface="Cambria Math" panose="02040503050406030204" pitchFamily="18" charset="0"/>
                                         </a:rPr>
                                       </m:ctrlPr>
@@ -7104,7 +7093,7 @@
                                     <m:sSubSupPr>
                                       <m:ctrlPr>
                                         <a:rPr lang="pl-PL" sz="1500" b="1" i="1">
-                                          <a:latin typeface="Cambria Math" panose="02040503050406030204" pitchFamily="18" charset="0"/>
+                                          <a:latin typeface="Cambria Math"/>
                                           <a:ea typeface="Cambria Math" panose="02040503050406030204" pitchFamily="18" charset="0"/>
                                         </a:rPr>
                                       </m:ctrlPr>
@@ -7182,7 +7171,7 @@
             </p:txBody>
           </p:sp>
         </mc:Choice>
-        <mc:Fallback>
+        <mc:Fallback xmlns="">
           <p:sp>
             <p:nvSpPr>
               <p:cNvPr id="4" name="Content Placeholder 3"/>
@@ -7365,8 +7354,8 @@
           </a:prstGeom>
         </p:spPr>
       </p:pic>
-      <mc:AlternateContent xmlns:mc="http://schemas.openxmlformats.org/markup-compatibility/2006">
-        <mc:Choice xmlns:a14="http://schemas.microsoft.com/office/drawing/2010/main" Requires="a14">
+      <mc:AlternateContent xmlns:mc="http://schemas.openxmlformats.org/markup-compatibility/2006" xmlns:a14="http://schemas.microsoft.com/office/drawing/2010/main">
+        <mc:Choice Requires="a14">
           <p:sp>
             <p:nvSpPr>
               <p:cNvPr id="4" name="Content Placeholder 3"/>
@@ -7407,9 +7396,9 @@
                       <m:sSup>
                         <m:sSupPr>
                           <m:ctrlPr>
-                            <a:rPr lang="pl-PL" sz="1500" b="1" smtClean="0">
+                            <a:rPr lang="pl-PL" sz="1500" b="1" i="1" smtClean="0">
                               <a:effectLst/>
-                              <a:latin typeface="Cambria Math" panose="02040503050406030204" pitchFamily="18" charset="0"/>
+                              <a:latin typeface="Cambria Math"/>
                               <a:cs typeface="Times New Roman" panose="02020603050405020304" pitchFamily="18" charset="0"/>
                             </a:rPr>
                           </m:ctrlPr>
@@ -7436,9 +7425,9 @@
                           <m:sSub>
                             <m:sSubPr>
                               <m:ctrlPr>
-                                <a:rPr lang="pl-PL" sz="1500" b="1" smtClean="0">
+                                <a:rPr lang="pl-PL" sz="1500" b="1" i="1" smtClean="0">
                                   <a:effectLst/>
-                                  <a:latin typeface="Cambria Math" panose="02040503050406030204" pitchFamily="18" charset="0"/>
+                                  <a:latin typeface="Cambria Math"/>
                                   <a:cs typeface="Times New Roman" panose="02020603050405020304" pitchFamily="18" charset="0"/>
                                 </a:rPr>
                               </m:ctrlPr>
@@ -7469,9 +7458,9 @@
                       <m:d>
                         <m:dPr>
                           <m:ctrlPr>
-                            <a:rPr lang="pl-PL" sz="1500" b="1" smtClean="0">
+                            <a:rPr lang="pl-PL" sz="1500" b="1" i="1" smtClean="0">
                               <a:effectLst/>
-                              <a:latin typeface="Cambria Math" panose="02040503050406030204" pitchFamily="18" charset="0"/>
+                              <a:latin typeface="Cambria Math"/>
                               <a:cs typeface="Times New Roman" panose="02020603050405020304" pitchFamily="18" charset="0"/>
                             </a:rPr>
                           </m:ctrlPr>
@@ -7496,14 +7485,14 @@
                           <a:latin typeface="Cambria Math" panose="02040503050406030204" pitchFamily="18" charset="0"/>
                           <a:cs typeface="Times New Roman" panose="02020603050405020304" pitchFamily="18" charset="0"/>
                         </a:rPr>
-                        <m:t> = -</m:t>
+                        <m:t> = −</m:t>
                       </m:r>
                       <m:sSub>
                         <m:sSubPr>
                           <m:ctrlPr>
-                            <a:rPr lang="pl-PL" sz="1500" b="1" smtClean="0">
+                            <a:rPr lang="pl-PL" sz="1500" b="1" i="1" smtClean="0">
                               <a:effectLst/>
-                              <a:latin typeface="Cambria Math" panose="02040503050406030204" pitchFamily="18" charset="0"/>
+                              <a:latin typeface="Cambria Math"/>
                               <a:cs typeface="Times New Roman" panose="02020603050405020304" pitchFamily="18" charset="0"/>
                             </a:rPr>
                           </m:ctrlPr>
@@ -7531,9 +7520,9 @@
                           <m:sSub>
                             <m:sSubPr>
                               <m:ctrlPr>
-                                <a:rPr lang="pl-PL" sz="1500" b="1" smtClean="0">
+                                <a:rPr lang="pl-PL" sz="1500" b="1" i="1" smtClean="0">
                                   <a:effectLst/>
-                                  <a:latin typeface="Cambria Math" panose="02040503050406030204" pitchFamily="18" charset="0"/>
+                                  <a:latin typeface="Cambria Math"/>
                                   <a:cs typeface="Times New Roman" panose="02020603050405020304" pitchFamily="18" charset="0"/>
                                 </a:rPr>
                               </m:ctrlPr>
@@ -7578,9 +7567,9 @@
                           <m:sSub>
                             <m:sSubPr>
                               <m:ctrlPr>
-                                <a:rPr lang="pl-PL" sz="1500" b="1" smtClean="0">
+                                <a:rPr lang="pl-PL" sz="1500" b="1" i="1" smtClean="0">
                                   <a:effectLst/>
-                                  <a:latin typeface="Cambria Math" panose="02040503050406030204" pitchFamily="18" charset="0"/>
+                                  <a:latin typeface="Cambria Math"/>
                                   <a:cs typeface="Times New Roman" panose="02020603050405020304" pitchFamily="18" charset="0"/>
                                 </a:rPr>
                               </m:ctrlPr>
@@ -7635,9 +7624,9 @@
                       <m:sSub>
                         <m:sSubPr>
                           <m:ctrlPr>
-                            <a:rPr lang="pl-PL" sz="1500" b="1" smtClean="0">
+                            <a:rPr lang="pl-PL" sz="1500" b="1" i="1" smtClean="0">
                               <a:effectLst/>
-                              <a:latin typeface="Cambria Math" panose="02040503050406030204" pitchFamily="18" charset="0"/>
+                              <a:latin typeface="Cambria Math"/>
                               <a:cs typeface="Times New Roman" panose="02020603050405020304" pitchFamily="18" charset="0"/>
                             </a:rPr>
                           </m:ctrlPr>
@@ -7665,9 +7654,9 @@
                           <m:sSub>
                             <m:sSubPr>
                               <m:ctrlPr>
-                                <a:rPr lang="pl-PL" sz="1500" b="1" smtClean="0">
+                                <a:rPr lang="pl-PL" sz="1500" b="1" i="1" smtClean="0">
                                   <a:effectLst/>
-                                  <a:latin typeface="Cambria Math" panose="02040503050406030204" pitchFamily="18" charset="0"/>
+                                  <a:latin typeface="Cambria Math"/>
                                   <a:cs typeface="Times New Roman" panose="02020603050405020304" pitchFamily="18" charset="0"/>
                                 </a:rPr>
                               </m:ctrlPr>
@@ -7712,9 +7701,9 @@
                           <m:sSub>
                             <m:sSubPr>
                               <m:ctrlPr>
-                                <a:rPr lang="pl-PL" sz="1500" b="1" smtClean="0">
+                                <a:rPr lang="pl-PL" sz="1500" b="1" i="1" smtClean="0">
                                   <a:effectLst/>
-                                  <a:latin typeface="Cambria Math" panose="02040503050406030204" pitchFamily="18" charset="0"/>
+                                  <a:latin typeface="Cambria Math"/>
                                   <a:cs typeface="Times New Roman" panose="02020603050405020304" pitchFamily="18" charset="0"/>
                                 </a:rPr>
                               </m:ctrlPr>
@@ -7751,9 +7740,9 @@
                           <m:sSub>
                             <m:sSubPr>
                               <m:ctrlPr>
-                                <a:rPr lang="pl-PL" sz="1500" b="1" smtClean="0">
+                                <a:rPr lang="pl-PL" sz="1500" b="1" i="1" smtClean="0">
                                   <a:effectLst/>
-                                  <a:latin typeface="Cambria Math" panose="02040503050406030204" pitchFamily="18" charset="0"/>
+                                  <a:latin typeface="Cambria Math"/>
                                   <a:cs typeface="Times New Roman" panose="02020603050405020304" pitchFamily="18" charset="0"/>
                                 </a:rPr>
                               </m:ctrlPr>
@@ -7795,9 +7784,9 @@
                       <m:sSup>
                         <m:sSupPr>
                           <m:ctrlPr>
-                            <a:rPr lang="pl-PL" sz="1500" b="1" smtClean="0">
+                            <a:rPr lang="pl-PL" sz="1500" b="1" i="1" smtClean="0">
                               <a:effectLst/>
-                              <a:latin typeface="Cambria Math" panose="02040503050406030204" pitchFamily="18" charset="0"/>
+                              <a:latin typeface="Cambria Math"/>
                               <a:cs typeface="Times New Roman" panose="02020603050405020304" pitchFamily="18" charset="0"/>
                             </a:rPr>
                           </m:ctrlPr>
@@ -7824,9 +7813,9 @@
                           <m:sSub>
                             <m:sSubPr>
                               <m:ctrlPr>
-                                <a:rPr lang="pl-PL" sz="1500" b="1" smtClean="0">
+                                <a:rPr lang="pl-PL" sz="1500" b="1" i="1" smtClean="0">
                                   <a:effectLst/>
-                                  <a:latin typeface="Cambria Math" panose="02040503050406030204" pitchFamily="18" charset="0"/>
+                                  <a:latin typeface="Cambria Math"/>
                                   <a:cs typeface="Times New Roman" panose="02020603050405020304" pitchFamily="18" charset="0"/>
                                 </a:rPr>
                               </m:ctrlPr>
@@ -7888,7 +7877,7 @@
             </p:txBody>
           </p:sp>
         </mc:Choice>
-        <mc:Fallback>
+        <mc:Fallback xmlns="">
           <p:sp>
             <p:nvSpPr>
               <p:cNvPr id="4" name="Content Placeholder 3"/>
@@ -7985,14 +7974,7 @@
                 <a:latin typeface="Times New Roman" panose="02020603050405020304" pitchFamily="18" charset="0"/>
                 <a:cs typeface="Times New Roman" panose="02020603050405020304" pitchFamily="18" charset="0"/>
               </a:rPr>
-              <a:t>5. </a:t>
-            </a:r>
-            <a:r>
-              <a:rPr lang="pl-PL" sz="2800" dirty="0" smtClean="0">
-                <a:latin typeface="Times New Roman" panose="02020603050405020304" pitchFamily="18" charset="0"/>
-                <a:cs typeface="Times New Roman" panose="02020603050405020304" pitchFamily="18" charset="0"/>
-              </a:rPr>
-              <a:t>Szybkość algorytmów HFT</a:t>
+              <a:t>5. Szybkość algorytmów HFT</a:t>
             </a:r>
             <a:endParaRPr lang="pl-PL" sz="2800" dirty="0">
               <a:latin typeface="Times New Roman" panose="02020603050405020304" pitchFamily="18" charset="0"/>
@@ -8029,7 +8011,39 @@
                 <a:ea typeface="+mj-ea"/>
                 <a:cs typeface="Times New Roman" panose="02020603050405020304" pitchFamily="18" charset="0"/>
               </a:rPr>
-              <a:t>GPU, FPGA</a:t>
+              <a:t>FPGA (</a:t>
+            </a:r>
+            <a:r>
+              <a:rPr lang="pl-PL" sz="1000" i="1" dirty="0" smtClean="0">
+                <a:latin typeface="Times New Roman" panose="02020603050405020304" pitchFamily="18" charset="0"/>
+                <a:ea typeface="+mj-ea"/>
+                <a:cs typeface="Times New Roman" panose="02020603050405020304" pitchFamily="18" charset="0"/>
+              </a:rPr>
+              <a:t>field programmable gate array</a:t>
+            </a:r>
+            <a:r>
+              <a:rPr lang="pl-PL" sz="1000" dirty="0" smtClean="0">
+                <a:latin typeface="Times New Roman" panose="02020603050405020304" pitchFamily="18" charset="0"/>
+                <a:ea typeface="+mj-ea"/>
+                <a:cs typeface="Times New Roman" panose="02020603050405020304" pitchFamily="18" charset="0"/>
+              </a:rPr>
+              <a:t>), GPU (</a:t>
+            </a:r>
+            <a:r>
+              <a:rPr lang="pl-PL" sz="1000" i="1" dirty="0" smtClean="0">
+                <a:latin typeface="Times New Roman" panose="02020603050405020304" pitchFamily="18" charset="0"/>
+                <a:ea typeface="+mj-ea"/>
+                <a:cs typeface="Times New Roman" panose="02020603050405020304" pitchFamily="18" charset="0"/>
+              </a:rPr>
+              <a:t>graphics processing unit</a:t>
+            </a:r>
+            <a:r>
+              <a:rPr lang="pl-PL" sz="1000" dirty="0" smtClean="0">
+                <a:latin typeface="Times New Roman" panose="02020603050405020304" pitchFamily="18" charset="0"/>
+                <a:ea typeface="+mj-ea"/>
+                <a:cs typeface="Times New Roman" panose="02020603050405020304" pitchFamily="18" charset="0"/>
+              </a:rPr>
+              <a:t>)</a:t>
             </a:r>
             <a:endParaRPr lang="pl-PL" sz="1000" dirty="0">
               <a:latin typeface="Times New Roman" panose="02020603050405020304" pitchFamily="18" charset="0"/>
@@ -8063,575 +8077,43 @@
         </p:blipFill>
         <p:spPr>
           <a:xfrm>
-            <a:off x="5625851" y="2100649"/>
-            <a:ext cx="5729537" cy="3371655"/>
+            <a:off x="5871624" y="2603424"/>
+            <a:ext cx="5729537" cy="3296832"/>
           </a:xfrm>
           <a:prstGeom prst="rect">
             <a:avLst/>
           </a:prstGeom>
         </p:spPr>
       </p:pic>
-      <mc:AlternateContent xmlns:mc="http://schemas.openxmlformats.org/markup-compatibility/2006">
-        <mc:Choice xmlns:a14="http://schemas.microsoft.com/office/drawing/2010/main" Requires="a14">
-          <p:sp>
-            <p:nvSpPr>
-              <p:cNvPr id="4" name="Content Placeholder 3"/>
-              <p:cNvSpPr>
-                <a:spLocks noGrp="1"/>
-              </p:cNvSpPr>
-              <p:nvPr>
-                <p:ph sz="half" idx="2"/>
-              </p:nvPr>
-            </p:nvSpPr>
-            <p:spPr>
-              <a:xfrm>
-                <a:off x="1363088" y="2505075"/>
-                <a:ext cx="4634487" cy="1115203"/>
-              </a:xfrm>
-            </p:spPr>
-            <p:txBody>
-              <a:bodyPr>
-                <a:noAutofit/>
-              </a:bodyPr>
-              <a:lstStyle/>
-              <a:p>
-                <a:pPr marL="0" indent="0">
-                  <a:lnSpc>
-                    <a:spcPct val="115000"/>
-                  </a:lnSpc>
-                  <a:spcAft>
-                    <a:spcPts val="1000"/>
-                  </a:spcAft>
-                  <a:buNone/>
-                </a:pPr>
-                <a14:m>
-                  <m:oMathPara xmlns:m="http://schemas.openxmlformats.org/officeDocument/2006/math">
-                    <m:oMathParaPr>
-                      <m:jc m:val="centerGroup"/>
-                    </m:oMathParaPr>
-                    <m:oMath xmlns:m="http://schemas.openxmlformats.org/officeDocument/2006/math">
-                      <m:sSup>
-                        <m:sSupPr>
-                          <m:ctrlPr>
-                            <a:rPr lang="pl-PL" sz="1500" b="1" smtClean="0">
-                              <a:effectLst/>
-                              <a:latin typeface="Cambria Math" panose="02040503050406030204" pitchFamily="18" charset="0"/>
-                              <a:cs typeface="Times New Roman" panose="02020603050405020304" pitchFamily="18" charset="0"/>
-                            </a:rPr>
-                          </m:ctrlPr>
-                        </m:sSupPr>
-                        <m:e>
-                          <m:r>
-                            <a:rPr lang="pl-PL" sz="1500" b="1" i="0" smtClean="0">
-                              <a:effectLst/>
-                              <a:latin typeface="Cambria Math" panose="02040503050406030204" pitchFamily="18" charset="0"/>
-                              <a:cs typeface="Times New Roman" panose="02020603050405020304" pitchFamily="18" charset="0"/>
-                            </a:rPr>
-                            <m:t>𝐏𝐋</m:t>
-                          </m:r>
-                        </m:e>
-                        <m:sup>
-                          <m:r>
-                            <a:rPr lang="pl-PL" sz="1500" b="1" i="0" smtClean="0">
-                              <a:effectLst/>
-                              <a:latin typeface="Cambria Math" panose="02040503050406030204" pitchFamily="18" charset="0"/>
-                              <a:cs typeface="Times New Roman" panose="02020603050405020304" pitchFamily="18" charset="0"/>
-                            </a:rPr>
-                            <m:t>𝐎</m:t>
-                          </m:r>
-                          <m:sSub>
-                            <m:sSubPr>
-                              <m:ctrlPr>
-                                <a:rPr lang="pl-PL" sz="1500" b="1" smtClean="0">
-                                  <a:effectLst/>
-                                  <a:latin typeface="Cambria Math" panose="02040503050406030204" pitchFamily="18" charset="0"/>
-                                  <a:cs typeface="Times New Roman" panose="02020603050405020304" pitchFamily="18" charset="0"/>
-                                </a:rPr>
-                              </m:ctrlPr>
-                            </m:sSubPr>
-                            <m:e>
-                              <m:r>
-                                <a:rPr lang="pl-PL" sz="1500" b="1" i="0" smtClean="0">
-                                  <a:effectLst/>
-                                  <a:latin typeface="Cambria Math" panose="02040503050406030204" pitchFamily="18" charset="0"/>
-                                  <a:cs typeface="Times New Roman" panose="02020603050405020304" pitchFamily="18" charset="0"/>
-                                </a:rPr>
-                                <m:t>𝐏</m:t>
-                              </m:r>
-                            </m:e>
-                            <m:sub>
-                              <m:r>
-                                <a:rPr lang="pl-PL" sz="1500" b="1" i="0" smtClean="0">
-                                  <a:effectLst/>
-                                  <a:latin typeface="Cambria Math" panose="02040503050406030204" pitchFamily="18" charset="0"/>
-                                  <a:cs typeface="Times New Roman" panose="02020603050405020304" pitchFamily="18" charset="0"/>
-                                </a:rPr>
-                                <m:t>𝐒𝐄𝐋𝐋</m:t>
-                              </m:r>
-                            </m:sub>
-                          </m:sSub>
-                        </m:sup>
-                      </m:sSup>
-                      <m:d>
-                        <m:dPr>
-                          <m:ctrlPr>
-                            <a:rPr lang="pl-PL" sz="1500" b="1" smtClean="0">
-                              <a:effectLst/>
-                              <a:latin typeface="Cambria Math" panose="02040503050406030204" pitchFamily="18" charset="0"/>
-                              <a:cs typeface="Times New Roman" panose="02020603050405020304" pitchFamily="18" charset="0"/>
-                            </a:rPr>
-                          </m:ctrlPr>
-                        </m:dPr>
-                        <m:e>
-                          <m:r>
-                            <a:rPr lang="pl-PL" sz="1500" b="1" i="0" smtClean="0">
-                              <a:effectLst/>
-                              <a:latin typeface="Cambria Math" panose="02040503050406030204" pitchFamily="18" charset="0"/>
-                              <a:cs typeface="Times New Roman" panose="02020603050405020304" pitchFamily="18" charset="0"/>
-                            </a:rPr>
-                            <m:t>𝐭</m:t>
-                          </m:r>
-                        </m:e>
-                      </m:d>
-                      <m:r>
-                        <m:rPr>
-                          <m:nor/>
-                        </m:rPr>
-                        <a:rPr lang="pl-PL" sz="1500" b="1" smtClean="0">
-                          <a:effectLst/>
-                          <a:latin typeface="Cambria Math" panose="02040503050406030204" pitchFamily="18" charset="0"/>
-                          <a:cs typeface="Times New Roman" panose="02020603050405020304" pitchFamily="18" charset="0"/>
-                        </a:rPr>
-                        <m:t> = -</m:t>
-                      </m:r>
-                      <m:sSub>
-                        <m:sSubPr>
-                          <m:ctrlPr>
-                            <a:rPr lang="pl-PL" sz="1500" b="1" smtClean="0">
-                              <a:effectLst/>
-                              <a:latin typeface="Cambria Math" panose="02040503050406030204" pitchFamily="18" charset="0"/>
-                              <a:cs typeface="Times New Roman" panose="02020603050405020304" pitchFamily="18" charset="0"/>
-                            </a:rPr>
-                          </m:ctrlPr>
-                        </m:sSubPr>
-                        <m:e>
-                          <m:r>
-                            <a:rPr lang="pl-PL" sz="1500" b="1" i="0" smtClean="0">
-                              <a:effectLst/>
-                              <a:latin typeface="Cambria Math" panose="02040503050406030204" pitchFamily="18" charset="0"/>
-                              <a:ea typeface="Cambria Math" panose="02040503050406030204" pitchFamily="18" charset="0"/>
-                              <a:cs typeface="Times New Roman" panose="02020603050405020304" pitchFamily="18" charset="0"/>
-                            </a:rPr>
-                            <m:t>∆</m:t>
-                          </m:r>
-                        </m:e>
-                        <m:sub>
-                          <m:r>
-                            <a:rPr lang="pl-PL" sz="1500" b="1" i="0" smtClean="0">
-                              <a:effectLst/>
-                              <a:latin typeface="Cambria Math" panose="02040503050406030204" pitchFamily="18" charset="0"/>
-                              <a:cs typeface="Times New Roman" panose="02020603050405020304" pitchFamily="18" charset="0"/>
-                            </a:rPr>
-                            <m:t>𝐍</m:t>
-                          </m:r>
-                          <m:sSub>
-                            <m:sSubPr>
-                              <m:ctrlPr>
-                                <a:rPr lang="pl-PL" sz="1500" b="1" smtClean="0">
-                                  <a:effectLst/>
-                                  <a:latin typeface="Cambria Math" panose="02040503050406030204" pitchFamily="18" charset="0"/>
-                                  <a:cs typeface="Times New Roman" panose="02020603050405020304" pitchFamily="18" charset="0"/>
-                                </a:rPr>
-                              </m:ctrlPr>
-                            </m:sSubPr>
-                            <m:e>
-                              <m:r>
-                                <a:rPr lang="pl-PL" sz="1500" b="1" i="0" smtClean="0">
-                                  <a:effectLst/>
-                                  <a:latin typeface="Cambria Math" panose="02040503050406030204" pitchFamily="18" charset="0"/>
-                                  <a:cs typeface="Times New Roman" panose="02020603050405020304" pitchFamily="18" charset="0"/>
-                                </a:rPr>
-                                <m:t>𝐎</m:t>
-                              </m:r>
-                            </m:e>
-                            <m:sub>
-                              <m:r>
-                                <a:rPr lang="pl-PL" sz="1500" b="1" i="0" smtClean="0">
-                                  <a:effectLst/>
-                                  <a:latin typeface="Cambria Math" panose="02040503050406030204" pitchFamily="18" charset="0"/>
-                                  <a:cs typeface="Times New Roman" panose="02020603050405020304" pitchFamily="18" charset="0"/>
-                                </a:rPr>
-                                <m:t>𝐀𝐑𝐁</m:t>
-                              </m:r>
-                            </m:sub>
-                          </m:sSub>
-                          <m:r>
-                            <a:rPr lang="pl-PL" sz="1500" b="1" i="0" smtClean="0">
-                              <a:effectLst/>
-                              <a:latin typeface="Cambria Math" panose="02040503050406030204" pitchFamily="18" charset="0"/>
-                              <a:cs typeface="Times New Roman" panose="02020603050405020304" pitchFamily="18" charset="0"/>
-                            </a:rPr>
-                            <m:t>, </m:t>
-                          </m:r>
-                          <m:r>
-                            <a:rPr lang="pl-PL" sz="1500" b="1" i="0" smtClean="0">
-                              <a:effectLst/>
-                              <a:latin typeface="Cambria Math" panose="02040503050406030204" pitchFamily="18" charset="0"/>
-                              <a:cs typeface="Times New Roman" panose="02020603050405020304" pitchFamily="18" charset="0"/>
-                            </a:rPr>
-                            <m:t>𝐎</m:t>
-                          </m:r>
-                          <m:sSub>
-                            <m:sSubPr>
-                              <m:ctrlPr>
-                                <a:rPr lang="pl-PL" sz="1500" b="1" smtClean="0">
-                                  <a:effectLst/>
-                                  <a:latin typeface="Cambria Math" panose="02040503050406030204" pitchFamily="18" charset="0"/>
-                                  <a:cs typeface="Times New Roman" panose="02020603050405020304" pitchFamily="18" charset="0"/>
-                                </a:rPr>
-                              </m:ctrlPr>
-                            </m:sSubPr>
-                            <m:e>
-                              <m:r>
-                                <a:rPr lang="pl-PL" sz="1500" b="1" i="0" smtClean="0">
-                                  <a:effectLst/>
-                                  <a:latin typeface="Cambria Math" panose="02040503050406030204" pitchFamily="18" charset="0"/>
-                                  <a:cs typeface="Times New Roman" panose="02020603050405020304" pitchFamily="18" charset="0"/>
-                                </a:rPr>
-                                <m:t>𝐏</m:t>
-                              </m:r>
-                            </m:e>
-                            <m:sub>
-                              <m:r>
-                                <a:rPr lang="pl-PL" sz="1500" b="1" i="0" smtClean="0">
-                                  <a:effectLst/>
-                                  <a:latin typeface="Cambria Math" panose="02040503050406030204" pitchFamily="18" charset="0"/>
-                                  <a:cs typeface="Times New Roman" panose="02020603050405020304" pitchFamily="18" charset="0"/>
-                                </a:rPr>
-                                <m:t>𝐁𝐔𝐘</m:t>
-                              </m:r>
-                            </m:sub>
-                          </m:sSub>
-                          <m:r>
-                            <a:rPr lang="pl-PL" sz="1500" b="1" i="0" smtClean="0">
-                              <a:effectLst/>
-                              <a:latin typeface="Cambria Math" panose="02040503050406030204" pitchFamily="18" charset="0"/>
-                              <a:cs typeface="Times New Roman" panose="02020603050405020304" pitchFamily="18" charset="0"/>
-                            </a:rPr>
-                            <m:t>, </m:t>
-                          </m:r>
-                          <m:r>
-                            <a:rPr lang="pl-PL" sz="1500" b="1" i="0" smtClean="0">
-                              <a:effectLst/>
-                              <a:latin typeface="Cambria Math" panose="02040503050406030204" pitchFamily="18" charset="0"/>
-                              <a:cs typeface="Times New Roman" panose="02020603050405020304" pitchFamily="18" charset="0"/>
-                            </a:rPr>
-                            <m:t>𝐭</m:t>
-                          </m:r>
-                        </m:sub>
-                      </m:sSub>
-                      <m:r>
-                        <a:rPr lang="pl-PL" sz="1500" b="1" i="0" smtClean="0">
-                          <a:effectLst/>
-                          <a:latin typeface="Cambria Math" panose="02040503050406030204" pitchFamily="18" charset="0"/>
-                          <a:cs typeface="Times New Roman" panose="02020603050405020304" pitchFamily="18" charset="0"/>
-                        </a:rPr>
-                        <m:t> −</m:t>
-                      </m:r>
-                      <m:sSub>
-                        <m:sSubPr>
-                          <m:ctrlPr>
-                            <a:rPr lang="pl-PL" sz="1500" b="1" smtClean="0">
-                              <a:effectLst/>
-                              <a:latin typeface="Cambria Math" panose="02040503050406030204" pitchFamily="18" charset="0"/>
-                              <a:cs typeface="Times New Roman" panose="02020603050405020304" pitchFamily="18" charset="0"/>
-                            </a:rPr>
-                          </m:ctrlPr>
-                        </m:sSubPr>
-                        <m:e>
-                          <m:r>
-                            <a:rPr lang="pl-PL" sz="1500" b="1" i="0" smtClean="0">
-                              <a:effectLst/>
-                              <a:latin typeface="Cambria Math" panose="02040503050406030204" pitchFamily="18" charset="0"/>
-                              <a:ea typeface="Cambria Math" panose="02040503050406030204" pitchFamily="18" charset="0"/>
-                              <a:cs typeface="Times New Roman" panose="02020603050405020304" pitchFamily="18" charset="0"/>
-                            </a:rPr>
-                            <m:t>∆</m:t>
-                          </m:r>
-                        </m:e>
-                        <m:sub>
-                          <m:r>
-                            <a:rPr lang="pl-PL" sz="1500" b="1" i="0" smtClean="0">
-                              <a:effectLst/>
-                              <a:latin typeface="Cambria Math" panose="02040503050406030204" pitchFamily="18" charset="0"/>
-                              <a:cs typeface="Times New Roman" panose="02020603050405020304" pitchFamily="18" charset="0"/>
-                            </a:rPr>
-                            <m:t>𝐍</m:t>
-                          </m:r>
-                          <m:sSub>
-                            <m:sSubPr>
-                              <m:ctrlPr>
-                                <a:rPr lang="pl-PL" sz="1500" b="1" smtClean="0">
-                                  <a:effectLst/>
-                                  <a:latin typeface="Cambria Math" panose="02040503050406030204" pitchFamily="18" charset="0"/>
-                                  <a:cs typeface="Times New Roman" panose="02020603050405020304" pitchFamily="18" charset="0"/>
-                                </a:rPr>
-                              </m:ctrlPr>
-                            </m:sSubPr>
-                            <m:e>
-                              <m:r>
-                                <a:rPr lang="pl-PL" sz="1500" b="1" i="0" smtClean="0">
-                                  <a:effectLst/>
-                                  <a:latin typeface="Cambria Math" panose="02040503050406030204" pitchFamily="18" charset="0"/>
-                                  <a:cs typeface="Times New Roman" panose="02020603050405020304" pitchFamily="18" charset="0"/>
-                                </a:rPr>
-                                <m:t>𝐎</m:t>
-                              </m:r>
-                            </m:e>
-                            <m:sub>
-                              <m:r>
-                                <a:rPr lang="pl-PL" sz="1500" b="1" i="0" smtClean="0">
-                                  <a:effectLst/>
-                                  <a:latin typeface="Cambria Math" panose="02040503050406030204" pitchFamily="18" charset="0"/>
-                                  <a:cs typeface="Times New Roman" panose="02020603050405020304" pitchFamily="18" charset="0"/>
-                                </a:rPr>
-                                <m:t>𝐀𝐑𝐁</m:t>
-                              </m:r>
-                            </m:sub>
-                          </m:sSub>
-                          <m:r>
-                            <a:rPr lang="pl-PL" sz="1500" b="1" i="0" smtClean="0">
-                              <a:effectLst/>
-                              <a:latin typeface="Cambria Math" panose="02040503050406030204" pitchFamily="18" charset="0"/>
-                              <a:cs typeface="Times New Roman" panose="02020603050405020304" pitchFamily="18" charset="0"/>
-                            </a:rPr>
-                            <m:t>, </m:t>
-                          </m:r>
-                          <m:r>
-                            <a:rPr lang="pl-PL" sz="1500" b="1" i="0" smtClean="0">
-                              <a:effectLst/>
-                              <a:latin typeface="Cambria Math" panose="02040503050406030204" pitchFamily="18" charset="0"/>
-                              <a:cs typeface="Times New Roman" panose="02020603050405020304" pitchFamily="18" charset="0"/>
-                            </a:rPr>
-                            <m:t>𝐎</m:t>
-                          </m:r>
-                          <m:sSub>
-                            <m:sSubPr>
-                              <m:ctrlPr>
-                                <a:rPr lang="pl-PL" sz="1500" b="1" smtClean="0">
-                                  <a:effectLst/>
-                                  <a:latin typeface="Cambria Math" panose="02040503050406030204" pitchFamily="18" charset="0"/>
-                                  <a:cs typeface="Times New Roman" panose="02020603050405020304" pitchFamily="18" charset="0"/>
-                                </a:rPr>
-                              </m:ctrlPr>
-                            </m:sSubPr>
-                            <m:e>
-                              <m:r>
-                                <a:rPr lang="pl-PL" sz="1500" b="1" i="0" smtClean="0">
-                                  <a:effectLst/>
-                                  <a:latin typeface="Cambria Math" panose="02040503050406030204" pitchFamily="18" charset="0"/>
-                                  <a:cs typeface="Times New Roman" panose="02020603050405020304" pitchFamily="18" charset="0"/>
-                                </a:rPr>
-                                <m:t>𝐏</m:t>
-                              </m:r>
-                            </m:e>
-                            <m:sub>
-                              <m:r>
-                                <a:rPr lang="pl-PL" sz="1500" b="1" i="0" smtClean="0">
-                                  <a:effectLst/>
-                                  <a:latin typeface="Cambria Math" panose="02040503050406030204" pitchFamily="18" charset="0"/>
-                                  <a:cs typeface="Times New Roman" panose="02020603050405020304" pitchFamily="18" charset="0"/>
-                                </a:rPr>
-                                <m:t>𝐒𝐄𝐋𝐋</m:t>
-                              </m:r>
-                            </m:sub>
-                          </m:sSub>
-                          <m:r>
-                            <a:rPr lang="pl-PL" sz="1500" b="1" i="0" smtClean="0">
-                              <a:effectLst/>
-                              <a:latin typeface="Cambria Math" panose="02040503050406030204" pitchFamily="18" charset="0"/>
-                              <a:cs typeface="Times New Roman" panose="02020603050405020304" pitchFamily="18" charset="0"/>
-                            </a:rPr>
-                            <m:t>, </m:t>
-                          </m:r>
-                          <m:sSub>
-                            <m:sSubPr>
-                              <m:ctrlPr>
-                                <a:rPr lang="pl-PL" sz="1500" b="1" smtClean="0">
-                                  <a:effectLst/>
-                                  <a:latin typeface="Cambria Math" panose="02040503050406030204" pitchFamily="18" charset="0"/>
-                                  <a:cs typeface="Times New Roman" panose="02020603050405020304" pitchFamily="18" charset="0"/>
-                                </a:rPr>
-                              </m:ctrlPr>
-                            </m:sSubPr>
-                            <m:e>
-                              <m:r>
-                                <a:rPr lang="pl-PL" sz="1500" b="1" i="0" smtClean="0">
-                                  <a:effectLst/>
-                                  <a:latin typeface="Cambria Math" panose="02040503050406030204" pitchFamily="18" charset="0"/>
-                                  <a:cs typeface="Times New Roman" panose="02020603050405020304" pitchFamily="18" charset="0"/>
-                                </a:rPr>
-                                <m:t>𝐭</m:t>
-                              </m:r>
-                            </m:e>
-                            <m:sub>
-                              <m:r>
-                                <a:rPr lang="pl-PL" sz="1500" b="1" i="0" smtClean="0">
-                                  <a:effectLst/>
-                                  <a:latin typeface="Cambria Math" panose="02040503050406030204" pitchFamily="18" charset="0"/>
-                                  <a:cs typeface="Times New Roman" panose="02020603050405020304" pitchFamily="18" charset="0"/>
-                                </a:rPr>
-                                <m:t>𝟎</m:t>
-                              </m:r>
-                            </m:sub>
-                          </m:sSub>
-                        </m:sub>
-                      </m:sSub>
-                      <m:r>
-                        <m:rPr>
-                          <m:nor/>
-                        </m:rPr>
-                        <a:rPr lang="pl-PL" sz="1500" b="1" smtClean="0">
-                          <a:effectLst/>
-                          <a:latin typeface="Cambria Math" panose="02040503050406030204" pitchFamily="18" charset="0"/>
-                          <a:cs typeface="Times New Roman" panose="02020603050405020304" pitchFamily="18" charset="0"/>
-                        </a:rPr>
-                        <m:t> + </m:t>
-                      </m:r>
-                      <m:sSup>
-                        <m:sSupPr>
-                          <m:ctrlPr>
-                            <a:rPr lang="pl-PL" sz="1500" b="1" smtClean="0">
-                              <a:effectLst/>
-                              <a:latin typeface="Cambria Math" panose="02040503050406030204" pitchFamily="18" charset="0"/>
-                              <a:cs typeface="Times New Roman" panose="02020603050405020304" pitchFamily="18" charset="0"/>
-                            </a:rPr>
-                          </m:ctrlPr>
-                        </m:sSupPr>
-                        <m:e>
-                          <m:r>
-                            <a:rPr lang="pl-PL" sz="1500" b="1" i="0" smtClean="0">
-                              <a:effectLst/>
-                              <a:latin typeface="Cambria Math" panose="02040503050406030204" pitchFamily="18" charset="0"/>
-                              <a:cs typeface="Times New Roman" panose="02020603050405020304" pitchFamily="18" charset="0"/>
-                            </a:rPr>
-                            <m:t>𝐒𝐖𝐀𝐏</m:t>
-                          </m:r>
-                        </m:e>
-                        <m:sup>
-                          <m:r>
-                            <a:rPr lang="pl-PL" sz="1500" b="1" i="0" smtClean="0">
-                              <a:effectLst/>
-                              <a:latin typeface="Cambria Math" panose="02040503050406030204" pitchFamily="18" charset="0"/>
-                              <a:cs typeface="Times New Roman" panose="02020603050405020304" pitchFamily="18" charset="0"/>
-                            </a:rPr>
-                            <m:t>𝐎</m:t>
-                          </m:r>
-                          <m:sSub>
-                            <m:sSubPr>
-                              <m:ctrlPr>
-                                <a:rPr lang="pl-PL" sz="1500" b="1" smtClean="0">
-                                  <a:effectLst/>
-                                  <a:latin typeface="Cambria Math" panose="02040503050406030204" pitchFamily="18" charset="0"/>
-                                  <a:cs typeface="Times New Roman" panose="02020603050405020304" pitchFamily="18" charset="0"/>
-                                </a:rPr>
-                              </m:ctrlPr>
-                            </m:sSubPr>
-                            <m:e>
-                              <m:r>
-                                <a:rPr lang="pl-PL" sz="1500" b="1" i="0" smtClean="0">
-                                  <a:effectLst/>
-                                  <a:latin typeface="Cambria Math" panose="02040503050406030204" pitchFamily="18" charset="0"/>
-                                  <a:cs typeface="Times New Roman" panose="02020603050405020304" pitchFamily="18" charset="0"/>
-                                </a:rPr>
-                                <m:t>𝐏</m:t>
-                              </m:r>
-                            </m:e>
-                            <m:sub>
-                              <m:r>
-                                <a:rPr lang="pl-PL" sz="1500" b="1" i="0" smtClean="0">
-                                  <a:effectLst/>
-                                  <a:latin typeface="Cambria Math" panose="02040503050406030204" pitchFamily="18" charset="0"/>
-                                  <a:cs typeface="Times New Roman" panose="02020603050405020304" pitchFamily="18" charset="0"/>
-                                </a:rPr>
-                                <m:t>𝐒𝐄𝐋𝐋</m:t>
-                              </m:r>
-                            </m:sub>
-                          </m:sSub>
-                        </m:sup>
-                      </m:sSup>
-                      <m:r>
-                        <a:rPr lang="pl-PL" sz="1500" b="1" i="0" smtClean="0">
-                          <a:effectLst/>
-                          <a:latin typeface="Cambria Math" panose="02040503050406030204" pitchFamily="18" charset="0"/>
-                          <a:cs typeface="Times New Roman" panose="02020603050405020304" pitchFamily="18" charset="0"/>
-                        </a:rPr>
-                        <m:t>(</m:t>
-                      </m:r>
-                      <m:r>
-                        <a:rPr lang="pl-PL" sz="1500" b="1" i="0" smtClean="0">
-                          <a:effectLst/>
-                          <a:latin typeface="Cambria Math" panose="02040503050406030204" pitchFamily="18" charset="0"/>
-                          <a:cs typeface="Times New Roman" panose="02020603050405020304" pitchFamily="18" charset="0"/>
-                        </a:rPr>
-                        <m:t>𝐭</m:t>
-                      </m:r>
-                      <m:r>
-                        <a:rPr lang="pl-PL" sz="1500" b="1" i="0" smtClean="0">
-                          <a:effectLst/>
-                          <a:latin typeface="Cambria Math" panose="02040503050406030204" pitchFamily="18" charset="0"/>
-                          <a:cs typeface="Times New Roman" panose="02020603050405020304" pitchFamily="18" charset="0"/>
-                        </a:rPr>
-                        <m:t>)</m:t>
-                      </m:r>
-                    </m:oMath>
-                  </m:oMathPara>
-                </a14:m>
-                <a:endParaRPr lang="pl-PL" sz="1500" dirty="0">
-                  <a:effectLst/>
-                </a:endParaRPr>
-              </a:p>
-            </p:txBody>
-          </p:sp>
-        </mc:Choice>
-        <mc:Fallback>
-          <p:sp>
-            <p:nvSpPr>
-              <p:cNvPr id="4" name="Content Placeholder 3"/>
-              <p:cNvSpPr>
-                <a:spLocks noGrp="1" noRot="1" noChangeAspect="1" noMove="1" noResize="1" noEditPoints="1" noAdjustHandles="1" noChangeArrowheads="1" noChangeShapeType="1" noTextEdit="1"/>
-              </p:cNvSpPr>
-              <p:nvPr>
-                <p:ph sz="half" idx="2"/>
-              </p:nvPr>
-            </p:nvSpPr>
-            <p:spPr>
-              <a:xfrm>
-                <a:off x="1363088" y="2505075"/>
-                <a:ext cx="4634487" cy="1115203"/>
-              </a:xfrm>
-              <a:blipFill rotWithShape="0">
-                <a:blip r:embed="rId3"/>
-                <a:stretch>
-                  <a:fillRect/>
-                </a:stretch>
-              </a:blipFill>
-            </p:spPr>
-            <p:txBody>
-              <a:bodyPr/>
-              <a:lstStyle/>
-              <a:p>
-                <a:r>
-                  <a:rPr lang="pl-PL">
-                    <a:noFill/>
-                  </a:rPr>
-                  <a:t> </a:t>
-                </a:r>
-              </a:p>
-            </p:txBody>
-          </p:sp>
-        </mc:Fallback>
-      </mc:AlternateContent>
+      <p:pic>
+        <p:nvPicPr>
+          <p:cNvPr id="6" name="Content Placeholder 5"/>
+          <p:cNvPicPr>
+            <a:picLocks noGrp="1" noChangeAspect="1"/>
+          </p:cNvPicPr>
+          <p:nvPr>
+            <p:ph sz="half" idx="2"/>
+          </p:nvPr>
+        </p:nvPicPr>
+        <p:blipFill>
+          <a:blip r:embed="rId3">
+            <a:extLst>
+              <a:ext uri="{28A0092B-C50C-407E-A947-70E740481C1C}">
+                <a14:useLocalDpi xmlns:a14="http://schemas.microsoft.com/office/drawing/2010/main" val="0"/>
+              </a:ext>
+            </a:extLst>
+          </a:blip>
+          <a:stretch>
+            <a:fillRect/>
+          </a:stretch>
+        </p:blipFill>
+        <p:spPr>
+          <a:xfrm>
+            <a:off x="1490933" y="2545897"/>
+            <a:ext cx="4195696" cy="3381375"/>
+          </a:xfrm>
+        </p:spPr>
+      </p:pic>
     </p:spTree>
     <p:extLst>
       <p:ext uri="{BB962C8B-B14F-4D97-AF65-F5344CB8AC3E}">
@@ -8691,14 +8173,7 @@
                 <a:latin typeface="Times New Roman" panose="02020603050405020304" pitchFamily="18" charset="0"/>
                 <a:cs typeface="Times New Roman" panose="02020603050405020304" pitchFamily="18" charset="0"/>
               </a:rPr>
-              <a:t>5. </a:t>
-            </a:r>
-            <a:r>
-              <a:rPr lang="pl-PL" sz="2800" dirty="0" smtClean="0">
-                <a:latin typeface="Times New Roman" panose="02020603050405020304" pitchFamily="18" charset="0"/>
-                <a:cs typeface="Times New Roman" panose="02020603050405020304" pitchFamily="18" charset="0"/>
-              </a:rPr>
-              <a:t>Szybkość algorytmów HFT, c.d</a:t>
+              <a:t>5. Szybkość algorytmów HFT, c.d</a:t>
             </a:r>
             <a:endParaRPr lang="pl-PL" sz="2800" dirty="0">
               <a:latin typeface="Times New Roman" panose="02020603050405020304" pitchFamily="18" charset="0"/>
@@ -8745,883 +8220,6 @@
           </a:p>
         </p:txBody>
       </p:sp>
-      <p:graphicFrame>
-        <p:nvGraphicFramePr>
-          <p:cNvPr id="6" name="Content Placeholder 5"/>
-          <p:cNvGraphicFramePr>
-            <a:graphicFrameLocks noGrp="1"/>
-          </p:cNvGraphicFramePr>
-          <p:nvPr>
-            <p:ph sz="quarter" idx="4"/>
-            <p:extLst>
-              <p:ext uri="{D42A27DB-BD31-4B8C-83A1-F6EECF244321}">
-                <p14:modId xmlns:p14="http://schemas.microsoft.com/office/powerpoint/2010/main" val="3356861713"/>
-              </p:ext>
-            </p:extLst>
-          </p:nvPr>
-        </p:nvGraphicFramePr>
-        <p:xfrm>
-          <a:off x="1439652" y="2100649"/>
-          <a:ext cx="1790700" cy="1333500"/>
-        </p:xfrm>
-        <a:graphic>
-          <a:graphicData uri="http://schemas.openxmlformats.org/drawingml/2006/table">
-            <a:tbl>
-              <a:tblPr>
-                <a:tableStyleId>{5C22544A-7EE6-4342-B048-85BDC9FD1C3A}</a:tableStyleId>
-              </a:tblPr>
-              <a:tblGrid>
-                <a:gridCol w="1181100"/>
-                <a:gridCol w="609600"/>
-              </a:tblGrid>
-              <a:tr h="190500">
-                <a:tc>
-                  <a:txBody>
-                    <a:bodyPr/>
-                    <a:lstStyle/>
-                    <a:p>
-                      <a:pPr algn="l" fontAlgn="b"/>
-                      <a:r>
-                        <a:rPr lang="pl-PL" sz="1100" u="none" strike="noStrike" dirty="0">
-                          <a:effectLst/>
-                        </a:rPr>
-                        <a:t>Spot Price</a:t>
-                      </a:r>
-                      <a:endParaRPr lang="pl-PL" sz="1100" b="0" i="0" u="none" strike="noStrike" dirty="0">
-                        <a:solidFill>
-                          <a:srgbClr val="000000"/>
-                        </a:solidFill>
-                        <a:effectLst/>
-                        <a:latin typeface="Calibri" panose="020F0502020204030204" pitchFamily="34" charset="0"/>
-                      </a:endParaRPr>
-                    </a:p>
-                  </a:txBody>
-                  <a:tcPr marL="9525" marR="9525" marT="9525" marB="0" anchor="b"/>
-                </a:tc>
-                <a:tc>
-                  <a:txBody>
-                    <a:bodyPr/>
-                    <a:lstStyle/>
-                    <a:p>
-                      <a:pPr algn="r" fontAlgn="b"/>
-                      <a:r>
-                        <a:rPr lang="pl-PL" sz="1100" u="none" strike="noStrike">
-                          <a:effectLst/>
-                        </a:rPr>
-                        <a:t>100</a:t>
-                      </a:r>
-                      <a:endParaRPr lang="pl-PL" sz="1100" b="0" i="0" u="none" strike="noStrike">
-                        <a:solidFill>
-                          <a:srgbClr val="000000"/>
-                        </a:solidFill>
-                        <a:effectLst/>
-                        <a:latin typeface="Calibri" panose="020F0502020204030204" pitchFamily="34" charset="0"/>
-                      </a:endParaRPr>
-                    </a:p>
-                  </a:txBody>
-                  <a:tcPr marL="9525" marR="9525" marT="9525" marB="0" anchor="b"/>
-                </a:tc>
-              </a:tr>
-              <a:tr h="190500">
-                <a:tc>
-                  <a:txBody>
-                    <a:bodyPr/>
-                    <a:lstStyle/>
-                    <a:p>
-                      <a:pPr algn="l" fontAlgn="b"/>
-                      <a:r>
-                        <a:rPr lang="pl-PL" sz="1100" u="none" strike="noStrike">
-                          <a:effectLst/>
-                        </a:rPr>
-                        <a:t>Strike</a:t>
-                      </a:r>
-                      <a:endParaRPr lang="pl-PL" sz="1100" b="0" i="0" u="none" strike="noStrike">
-                        <a:solidFill>
-                          <a:srgbClr val="000000"/>
-                        </a:solidFill>
-                        <a:effectLst/>
-                        <a:latin typeface="Calibri" panose="020F0502020204030204" pitchFamily="34" charset="0"/>
-                      </a:endParaRPr>
-                    </a:p>
-                  </a:txBody>
-                  <a:tcPr marL="9525" marR="9525" marT="9525" marB="0" anchor="b"/>
-                </a:tc>
-                <a:tc>
-                  <a:txBody>
-                    <a:bodyPr/>
-                    <a:lstStyle/>
-                    <a:p>
-                      <a:pPr algn="r" fontAlgn="b"/>
-                      <a:r>
-                        <a:rPr lang="pl-PL" sz="1100" u="none" strike="noStrike">
-                          <a:effectLst/>
-                        </a:rPr>
-                        <a:t>104</a:t>
-                      </a:r>
-                      <a:endParaRPr lang="pl-PL" sz="1100" b="0" i="0" u="none" strike="noStrike">
-                        <a:solidFill>
-                          <a:srgbClr val="000000"/>
-                        </a:solidFill>
-                        <a:effectLst/>
-                        <a:latin typeface="Calibri" panose="020F0502020204030204" pitchFamily="34" charset="0"/>
-                      </a:endParaRPr>
-                    </a:p>
-                  </a:txBody>
-                  <a:tcPr marL="9525" marR="9525" marT="9525" marB="0" anchor="b"/>
-                </a:tc>
-              </a:tr>
-              <a:tr h="190500">
-                <a:tc>
-                  <a:txBody>
-                    <a:bodyPr/>
-                    <a:lstStyle/>
-                    <a:p>
-                      <a:pPr algn="l" fontAlgn="b"/>
-                      <a:r>
-                        <a:rPr lang="pl-PL" sz="1100" u="none" strike="noStrike">
-                          <a:effectLst/>
-                        </a:rPr>
-                        <a:t>Volatility</a:t>
-                      </a:r>
-                      <a:endParaRPr lang="pl-PL" sz="1100" b="0" i="0" u="none" strike="noStrike">
-                        <a:solidFill>
-                          <a:srgbClr val="000000"/>
-                        </a:solidFill>
-                        <a:effectLst/>
-                        <a:latin typeface="Calibri" panose="020F0502020204030204" pitchFamily="34" charset="0"/>
-                      </a:endParaRPr>
-                    </a:p>
-                  </a:txBody>
-                  <a:tcPr marL="9525" marR="9525" marT="9525" marB="0" anchor="b"/>
-                </a:tc>
-                <a:tc>
-                  <a:txBody>
-                    <a:bodyPr/>
-                    <a:lstStyle/>
-                    <a:p>
-                      <a:pPr algn="r" fontAlgn="b"/>
-                      <a:r>
-                        <a:rPr lang="pl-PL" sz="1100" u="none" strike="noStrike">
-                          <a:effectLst/>
-                        </a:rPr>
-                        <a:t>0,1</a:t>
-                      </a:r>
-                      <a:endParaRPr lang="pl-PL" sz="1100" b="0" i="0" u="none" strike="noStrike">
-                        <a:solidFill>
-                          <a:srgbClr val="000000"/>
-                        </a:solidFill>
-                        <a:effectLst/>
-                        <a:latin typeface="Calibri" panose="020F0502020204030204" pitchFamily="34" charset="0"/>
-                      </a:endParaRPr>
-                    </a:p>
-                  </a:txBody>
-                  <a:tcPr marL="9525" marR="9525" marT="9525" marB="0" anchor="b"/>
-                </a:tc>
-              </a:tr>
-              <a:tr h="190500">
-                <a:tc>
-                  <a:txBody>
-                    <a:bodyPr/>
-                    <a:lstStyle/>
-                    <a:p>
-                      <a:pPr algn="l" fontAlgn="b"/>
-                      <a:r>
-                        <a:rPr lang="pl-PL" sz="1100" u="none" strike="noStrike">
-                          <a:effectLst/>
-                        </a:rPr>
-                        <a:t>Risk free rate</a:t>
-                      </a:r>
-                      <a:endParaRPr lang="pl-PL" sz="1100" b="0" i="0" u="none" strike="noStrike">
-                        <a:solidFill>
-                          <a:srgbClr val="000000"/>
-                        </a:solidFill>
-                        <a:effectLst/>
-                        <a:latin typeface="Calibri" panose="020F0502020204030204" pitchFamily="34" charset="0"/>
-                      </a:endParaRPr>
-                    </a:p>
-                  </a:txBody>
-                  <a:tcPr marL="9525" marR="9525" marT="9525" marB="0" anchor="b"/>
-                </a:tc>
-                <a:tc>
-                  <a:txBody>
-                    <a:bodyPr/>
-                    <a:lstStyle/>
-                    <a:p>
-                      <a:pPr algn="r" fontAlgn="b"/>
-                      <a:r>
-                        <a:rPr lang="pl-PL" sz="1100" u="none" strike="noStrike">
-                          <a:effectLst/>
-                        </a:rPr>
-                        <a:t>0,05</a:t>
-                      </a:r>
-                      <a:endParaRPr lang="pl-PL" sz="1100" b="0" i="0" u="none" strike="noStrike">
-                        <a:solidFill>
-                          <a:srgbClr val="000000"/>
-                        </a:solidFill>
-                        <a:effectLst/>
-                        <a:latin typeface="Calibri" panose="020F0502020204030204" pitchFamily="34" charset="0"/>
-                      </a:endParaRPr>
-                    </a:p>
-                  </a:txBody>
-                  <a:tcPr marL="9525" marR="9525" marT="9525" marB="0" anchor="b"/>
-                </a:tc>
-              </a:tr>
-              <a:tr h="190500">
-                <a:tc>
-                  <a:txBody>
-                    <a:bodyPr/>
-                    <a:lstStyle/>
-                    <a:p>
-                      <a:pPr algn="l" fontAlgn="b"/>
-                      <a:r>
-                        <a:rPr lang="pl-PL" sz="1100" u="none" strike="noStrike">
-                          <a:effectLst/>
-                        </a:rPr>
-                        <a:t>Option Maturity</a:t>
-                      </a:r>
-                      <a:endParaRPr lang="pl-PL" sz="1100" b="0" i="0" u="none" strike="noStrike">
-                        <a:solidFill>
-                          <a:srgbClr val="000000"/>
-                        </a:solidFill>
-                        <a:effectLst/>
-                        <a:latin typeface="Calibri" panose="020F0502020204030204" pitchFamily="34" charset="0"/>
-                      </a:endParaRPr>
-                    </a:p>
-                  </a:txBody>
-                  <a:tcPr marL="9525" marR="9525" marT="9525" marB="0" anchor="b"/>
-                </a:tc>
-                <a:tc>
-                  <a:txBody>
-                    <a:bodyPr/>
-                    <a:lstStyle/>
-                    <a:p>
-                      <a:pPr algn="r" fontAlgn="b"/>
-                      <a:r>
-                        <a:rPr lang="pl-PL" sz="1100" u="none" strike="noStrike">
-                          <a:effectLst/>
-                        </a:rPr>
-                        <a:t>1</a:t>
-                      </a:r>
-                      <a:endParaRPr lang="pl-PL" sz="1100" b="0" i="0" u="none" strike="noStrike">
-                        <a:solidFill>
-                          <a:srgbClr val="000000"/>
-                        </a:solidFill>
-                        <a:effectLst/>
-                        <a:latin typeface="Calibri" panose="020F0502020204030204" pitchFamily="34" charset="0"/>
-                      </a:endParaRPr>
-                    </a:p>
-                  </a:txBody>
-                  <a:tcPr marL="9525" marR="9525" marT="9525" marB="0" anchor="b"/>
-                </a:tc>
-              </a:tr>
-              <a:tr h="190500">
-                <a:tc>
-                  <a:txBody>
-                    <a:bodyPr/>
-                    <a:lstStyle/>
-                    <a:p>
-                      <a:pPr algn="l" fontAlgn="b"/>
-                      <a:r>
-                        <a:rPr lang="pl-PL" sz="1100" u="none" strike="noStrike">
-                          <a:effectLst/>
-                        </a:rPr>
-                        <a:t>TimeSteps</a:t>
-                      </a:r>
-                      <a:endParaRPr lang="pl-PL" sz="1100" b="0" i="0" u="none" strike="noStrike">
-                        <a:solidFill>
-                          <a:srgbClr val="000000"/>
-                        </a:solidFill>
-                        <a:effectLst/>
-                        <a:latin typeface="Calibri" panose="020F0502020204030204" pitchFamily="34" charset="0"/>
-                      </a:endParaRPr>
-                    </a:p>
-                  </a:txBody>
-                  <a:tcPr marL="9525" marR="9525" marT="9525" marB="0" anchor="b"/>
-                </a:tc>
-                <a:tc>
-                  <a:txBody>
-                    <a:bodyPr/>
-                    <a:lstStyle/>
-                    <a:p>
-                      <a:pPr algn="r" fontAlgn="b"/>
-                      <a:r>
-                        <a:rPr lang="pl-PL" sz="1100" u="none" strike="noStrike">
-                          <a:effectLst/>
-                        </a:rPr>
-                        <a:t>1</a:t>
-                      </a:r>
-                      <a:endParaRPr lang="pl-PL" sz="1100" b="0" i="0" u="none" strike="noStrike">
-                        <a:solidFill>
-                          <a:srgbClr val="000000"/>
-                        </a:solidFill>
-                        <a:effectLst/>
-                        <a:latin typeface="Calibri" panose="020F0502020204030204" pitchFamily="34" charset="0"/>
-                      </a:endParaRPr>
-                    </a:p>
-                  </a:txBody>
-                  <a:tcPr marL="9525" marR="9525" marT="9525" marB="0" anchor="b"/>
-                </a:tc>
-              </a:tr>
-              <a:tr h="190500">
-                <a:tc>
-                  <a:txBody>
-                    <a:bodyPr/>
-                    <a:lstStyle/>
-                    <a:p>
-                      <a:pPr algn="l" fontAlgn="b"/>
-                      <a:r>
-                        <a:rPr lang="pl-PL" sz="1100" u="none" strike="noStrike">
-                          <a:effectLst/>
-                        </a:rPr>
-                        <a:t>Number of Paths</a:t>
-                      </a:r>
-                      <a:endParaRPr lang="pl-PL" sz="1100" b="0" i="0" u="none" strike="noStrike">
-                        <a:solidFill>
-                          <a:srgbClr val="000000"/>
-                        </a:solidFill>
-                        <a:effectLst/>
-                        <a:latin typeface="Calibri" panose="020F0502020204030204" pitchFamily="34" charset="0"/>
-                      </a:endParaRPr>
-                    </a:p>
-                  </a:txBody>
-                  <a:tcPr marL="9525" marR="9525" marT="9525" marB="0" anchor="b"/>
-                </a:tc>
-                <a:tc>
-                  <a:txBody>
-                    <a:bodyPr/>
-                    <a:lstStyle/>
-                    <a:p>
-                      <a:pPr algn="r" fontAlgn="b"/>
-                      <a:r>
-                        <a:rPr lang="pl-PL" sz="1100" u="none" strike="noStrike" dirty="0">
-                          <a:effectLst/>
-                        </a:rPr>
-                        <a:t>7000000</a:t>
-                      </a:r>
-                      <a:endParaRPr lang="pl-PL" sz="1100" b="0" i="0" u="none" strike="noStrike" dirty="0">
-                        <a:solidFill>
-                          <a:srgbClr val="000000"/>
-                        </a:solidFill>
-                        <a:effectLst/>
-                        <a:latin typeface="Calibri" panose="020F0502020204030204" pitchFamily="34" charset="0"/>
-                      </a:endParaRPr>
-                    </a:p>
-                  </a:txBody>
-                  <a:tcPr marL="9525" marR="9525" marT="9525" marB="0" anchor="b"/>
-                </a:tc>
-              </a:tr>
-            </a:tbl>
-          </a:graphicData>
-        </a:graphic>
-      </p:graphicFrame>
-      <p:graphicFrame>
-        <p:nvGraphicFramePr>
-          <p:cNvPr id="7" name="Table 6"/>
-          <p:cNvGraphicFramePr>
-            <a:graphicFrameLocks noGrp="1"/>
-          </p:cNvGraphicFramePr>
-          <p:nvPr>
-            <p:extLst>
-              <p:ext uri="{D42A27DB-BD31-4B8C-83A1-F6EECF244321}">
-                <p14:modId xmlns:p14="http://schemas.microsoft.com/office/powerpoint/2010/main" val="218869680"/>
-              </p:ext>
-            </p:extLst>
-          </p:nvPr>
-        </p:nvGraphicFramePr>
-        <p:xfrm>
-          <a:off x="1433355" y="3553285"/>
-          <a:ext cx="5570430" cy="1106805"/>
-        </p:xfrm>
-        <a:graphic>
-          <a:graphicData uri="http://schemas.openxmlformats.org/drawingml/2006/table">
-            <a:tbl>
-              <a:tblPr>
-                <a:tableStyleId>{5C22544A-7EE6-4342-B048-85BDC9FD1C3A}</a:tableStyleId>
-              </a:tblPr>
-              <a:tblGrid>
-                <a:gridCol w="2052264"/>
-                <a:gridCol w="1172722"/>
-                <a:gridCol w="1172722"/>
-                <a:gridCol w="1172722"/>
-              </a:tblGrid>
-              <a:tr h="190500">
-                <a:tc>
-                  <a:txBody>
-                    <a:bodyPr/>
-                    <a:lstStyle/>
-                    <a:p>
-                      <a:pPr algn="l" fontAlgn="b"/>
-                      <a:r>
-                        <a:rPr lang="pl-PL" sz="1100" u="none" strike="noStrike" dirty="0">
-                          <a:effectLst/>
-                        </a:rPr>
-                        <a:t>Technology used</a:t>
-                      </a:r>
-                      <a:endParaRPr lang="pl-PL" sz="1100" b="0" i="0" u="none" strike="noStrike" dirty="0">
-                        <a:solidFill>
-                          <a:srgbClr val="000000"/>
-                        </a:solidFill>
-                        <a:effectLst/>
-                        <a:latin typeface="Calibri" panose="020F0502020204030204" pitchFamily="34" charset="0"/>
-                      </a:endParaRPr>
-                    </a:p>
-                  </a:txBody>
-                  <a:tcPr marL="9525" marR="9525" marT="9525" marB="0" anchor="ctr"/>
-                </a:tc>
-                <a:tc>
-                  <a:txBody>
-                    <a:bodyPr/>
-                    <a:lstStyle/>
-                    <a:p>
-                      <a:pPr algn="ctr" fontAlgn="b"/>
-                      <a:r>
-                        <a:rPr lang="pl-PL" sz="1100" u="none" strike="noStrike" dirty="0">
-                          <a:effectLst/>
-                        </a:rPr>
-                        <a:t>time (ms)</a:t>
-                      </a:r>
-                      <a:endParaRPr lang="pl-PL" sz="1100" b="0" i="0" u="none" strike="noStrike" dirty="0">
-                        <a:solidFill>
-                          <a:srgbClr val="000000"/>
-                        </a:solidFill>
-                        <a:effectLst/>
-                        <a:latin typeface="Calibri" panose="020F0502020204030204" pitchFamily="34" charset="0"/>
-                      </a:endParaRPr>
-                    </a:p>
-                  </a:txBody>
-                  <a:tcPr marL="9525" marR="9525" marT="9525" marB="0" anchor="ctr"/>
-                </a:tc>
-                <a:tc>
-                  <a:txBody>
-                    <a:bodyPr/>
-                    <a:lstStyle/>
-                    <a:p>
-                      <a:pPr algn="ctr" fontAlgn="b"/>
-                      <a:r>
-                        <a:rPr lang="pl-PL" sz="1100" u="none" strike="noStrike">
-                          <a:effectLst/>
-                        </a:rPr>
-                        <a:t>Call price</a:t>
-                      </a:r>
-                      <a:endParaRPr lang="pl-PL" sz="1100" b="0" i="0" u="none" strike="noStrike">
-                        <a:solidFill>
-                          <a:srgbClr val="000000"/>
-                        </a:solidFill>
-                        <a:effectLst/>
-                        <a:latin typeface="Calibri" panose="020F0502020204030204" pitchFamily="34" charset="0"/>
-                      </a:endParaRPr>
-                    </a:p>
-                  </a:txBody>
-                  <a:tcPr marL="9525" marR="9525" marT="9525" marB="0" anchor="ctr"/>
-                </a:tc>
-                <a:tc>
-                  <a:txBody>
-                    <a:bodyPr/>
-                    <a:lstStyle/>
-                    <a:p>
-                      <a:pPr algn="ctr" fontAlgn="b"/>
-                      <a:r>
-                        <a:rPr lang="pl-PL" sz="1100" u="none" strike="noStrike" dirty="0">
-                          <a:effectLst/>
-                        </a:rPr>
-                        <a:t>Put price</a:t>
-                      </a:r>
-                      <a:endParaRPr lang="pl-PL" sz="1100" b="0" i="0" u="none" strike="noStrike" dirty="0">
-                        <a:solidFill>
-                          <a:srgbClr val="000000"/>
-                        </a:solidFill>
-                        <a:effectLst/>
-                        <a:latin typeface="Calibri" panose="020F0502020204030204" pitchFamily="34" charset="0"/>
-                      </a:endParaRPr>
-                    </a:p>
-                  </a:txBody>
-                  <a:tcPr marL="9525" marR="9525" marT="9525" marB="0" anchor="ctr"/>
-                </a:tc>
-              </a:tr>
-              <a:tr h="190500">
-                <a:tc>
-                  <a:txBody>
-                    <a:bodyPr/>
-                    <a:lstStyle/>
-                    <a:p>
-                      <a:pPr algn="l" fontAlgn="b"/>
-                      <a:r>
-                        <a:rPr lang="pl-PL" sz="1100" u="none" strike="noStrike">
-                          <a:effectLst/>
-                        </a:rPr>
-                        <a:t>Excel VBA</a:t>
-                      </a:r>
-                      <a:endParaRPr lang="pl-PL" sz="1100" b="0" i="0" u="none" strike="noStrike">
-                        <a:solidFill>
-                          <a:srgbClr val="000000"/>
-                        </a:solidFill>
-                        <a:effectLst/>
-                        <a:latin typeface="Calibri" panose="020F0502020204030204" pitchFamily="34" charset="0"/>
-                      </a:endParaRPr>
-                    </a:p>
-                  </a:txBody>
-                  <a:tcPr marL="9525" marR="9525" marT="9525" marB="0" anchor="ctr"/>
-                </a:tc>
-                <a:tc>
-                  <a:txBody>
-                    <a:bodyPr/>
-                    <a:lstStyle/>
-                    <a:p>
-                      <a:pPr algn="ctr" fontAlgn="b"/>
-                      <a:r>
-                        <a:rPr lang="pl-PL" sz="1100" u="none" strike="noStrike" dirty="0" smtClean="0">
-                          <a:effectLst/>
-                        </a:rPr>
-                        <a:t>73 265</a:t>
-                      </a:r>
-                      <a:endParaRPr lang="pl-PL" sz="1100" b="0" i="0" u="none" strike="noStrike" dirty="0">
-                        <a:solidFill>
-                          <a:srgbClr val="000000"/>
-                        </a:solidFill>
-                        <a:effectLst/>
-                        <a:latin typeface="Calibri" panose="020F0502020204030204" pitchFamily="34" charset="0"/>
-                      </a:endParaRPr>
-                    </a:p>
-                  </a:txBody>
-                  <a:tcPr marL="9525" marR="9525" marT="9525" marB="0" anchor="ctr"/>
-                </a:tc>
-                <a:tc>
-                  <a:txBody>
-                    <a:bodyPr/>
-                    <a:lstStyle/>
-                    <a:p>
-                      <a:pPr algn="ctr" fontAlgn="b"/>
-                      <a:r>
-                        <a:rPr lang="pl-PL" sz="1100" u="none" strike="noStrike">
-                          <a:effectLst/>
-                        </a:rPr>
-                        <a:t>4.5249</a:t>
-                      </a:r>
-                      <a:endParaRPr lang="pl-PL" sz="1100" b="0" i="0" u="none" strike="noStrike">
-                        <a:solidFill>
-                          <a:srgbClr val="000000"/>
-                        </a:solidFill>
-                        <a:effectLst/>
-                        <a:latin typeface="Calibri" panose="020F0502020204030204" pitchFamily="34" charset="0"/>
-                      </a:endParaRPr>
-                    </a:p>
-                  </a:txBody>
-                  <a:tcPr marL="9525" marR="9525" marT="9525" marB="0" anchor="ctr"/>
-                </a:tc>
-                <a:tc>
-                  <a:txBody>
-                    <a:bodyPr/>
-                    <a:lstStyle/>
-                    <a:p>
-                      <a:pPr algn="ctr" fontAlgn="b"/>
-                      <a:r>
-                        <a:rPr lang="pl-PL" sz="1100" u="none" strike="noStrike">
-                          <a:effectLst/>
-                        </a:rPr>
-                        <a:t>3.4534</a:t>
-                      </a:r>
-                      <a:endParaRPr lang="pl-PL" sz="1100" b="0" i="0" u="none" strike="noStrike">
-                        <a:solidFill>
-                          <a:srgbClr val="000000"/>
-                        </a:solidFill>
-                        <a:effectLst/>
-                        <a:latin typeface="Calibri" panose="020F0502020204030204" pitchFamily="34" charset="0"/>
-                      </a:endParaRPr>
-                    </a:p>
-                  </a:txBody>
-                  <a:tcPr marL="9525" marR="9525" marT="9525" marB="0" anchor="ctr"/>
-                </a:tc>
-              </a:tr>
-              <a:tr h="190500">
-                <a:tc>
-                  <a:txBody>
-                    <a:bodyPr/>
-                    <a:lstStyle/>
-                    <a:p>
-                      <a:pPr algn="l" fontAlgn="b"/>
-                      <a:r>
-                        <a:rPr lang="pl-PL" sz="1100" u="none" strike="noStrike">
-                          <a:effectLst/>
-                        </a:rPr>
-                        <a:t>CPU</a:t>
-                      </a:r>
-                      <a:endParaRPr lang="pl-PL" sz="1100" b="0" i="0" u="none" strike="noStrike">
-                        <a:solidFill>
-                          <a:srgbClr val="000000"/>
-                        </a:solidFill>
-                        <a:effectLst/>
-                        <a:latin typeface="Calibri" panose="020F0502020204030204" pitchFamily="34" charset="0"/>
-                      </a:endParaRPr>
-                    </a:p>
-                  </a:txBody>
-                  <a:tcPr marL="9525" marR="9525" marT="9525" marB="0" anchor="ctr"/>
-                </a:tc>
-                <a:tc>
-                  <a:txBody>
-                    <a:bodyPr/>
-                    <a:lstStyle/>
-                    <a:p>
-                      <a:pPr algn="ctr" fontAlgn="b"/>
-                      <a:r>
-                        <a:rPr lang="pl-PL" sz="1100" u="none" strike="noStrike" dirty="0" smtClean="0">
-                          <a:effectLst/>
-                        </a:rPr>
-                        <a:t>20 848</a:t>
-                      </a:r>
-                      <a:endParaRPr lang="pl-PL" sz="1100" b="0" i="0" u="none" strike="noStrike" dirty="0">
-                        <a:solidFill>
-                          <a:srgbClr val="000000"/>
-                        </a:solidFill>
-                        <a:effectLst/>
-                        <a:latin typeface="Calibri" panose="020F0502020204030204" pitchFamily="34" charset="0"/>
-                      </a:endParaRPr>
-                    </a:p>
-                  </a:txBody>
-                  <a:tcPr marL="9525" marR="9525" marT="9525" marB="0" anchor="ctr"/>
-                </a:tc>
-                <a:tc>
-                  <a:txBody>
-                    <a:bodyPr/>
-                    <a:lstStyle/>
-                    <a:p>
-                      <a:pPr algn="ctr" fontAlgn="b"/>
-                      <a:r>
-                        <a:rPr lang="pl-PL" sz="1100" u="none" strike="noStrike" dirty="0" smtClean="0">
-                          <a:effectLst/>
-                        </a:rPr>
-                        <a:t>4.5222</a:t>
-                      </a:r>
-                      <a:endParaRPr lang="pl-PL" sz="1100" b="0" i="0" u="none" strike="noStrike" dirty="0">
-                        <a:solidFill>
-                          <a:srgbClr val="000000"/>
-                        </a:solidFill>
-                        <a:effectLst/>
-                        <a:latin typeface="Calibri" panose="020F0502020204030204" pitchFamily="34" charset="0"/>
-                      </a:endParaRPr>
-                    </a:p>
-                  </a:txBody>
-                  <a:tcPr marL="9525" marR="9525" marT="9525" marB="0" anchor="ctr"/>
-                </a:tc>
-                <a:tc>
-                  <a:txBody>
-                    <a:bodyPr/>
-                    <a:lstStyle/>
-                    <a:p>
-                      <a:pPr algn="ctr" fontAlgn="b"/>
-                      <a:r>
-                        <a:rPr lang="pl-PL" sz="1100" u="none" strike="noStrike">
-                          <a:effectLst/>
-                        </a:rPr>
-                        <a:t>3.4482</a:t>
-                      </a:r>
-                      <a:endParaRPr lang="pl-PL" sz="1100" b="0" i="0" u="none" strike="noStrike">
-                        <a:solidFill>
-                          <a:srgbClr val="000000"/>
-                        </a:solidFill>
-                        <a:effectLst/>
-                        <a:latin typeface="Calibri" panose="020F0502020204030204" pitchFamily="34" charset="0"/>
-                      </a:endParaRPr>
-                    </a:p>
-                  </a:txBody>
-                  <a:tcPr marL="9525" marR="9525" marT="9525" marB="0" anchor="ctr"/>
-                </a:tc>
-              </a:tr>
-              <a:tr h="190500">
-                <a:tc>
-                  <a:txBody>
-                    <a:bodyPr/>
-                    <a:lstStyle/>
-                    <a:p>
-                      <a:pPr algn="l" fontAlgn="b"/>
-                      <a:r>
-                        <a:rPr lang="en-US" sz="1100" u="none" strike="noStrike">
-                          <a:effectLst/>
-                        </a:rPr>
-                        <a:t>CPU with random variables preallocated and generated by GPU</a:t>
-                      </a:r>
-                      <a:endParaRPr lang="en-US" sz="1100" b="0" i="0" u="none" strike="noStrike">
-                        <a:solidFill>
-                          <a:srgbClr val="000000"/>
-                        </a:solidFill>
-                        <a:effectLst/>
-                        <a:latin typeface="Calibri" panose="020F0502020204030204" pitchFamily="34" charset="0"/>
-                      </a:endParaRPr>
-                    </a:p>
-                  </a:txBody>
-                  <a:tcPr marL="9525" marR="9525" marT="9525" marB="0" anchor="ctr"/>
-                </a:tc>
-                <a:tc>
-                  <a:txBody>
-                    <a:bodyPr/>
-                    <a:lstStyle/>
-                    <a:p>
-                      <a:pPr algn="ctr" fontAlgn="b"/>
-                      <a:r>
-                        <a:rPr lang="pl-PL" sz="1100" u="none" strike="noStrike">
-                          <a:effectLst/>
-                        </a:rPr>
-                        <a:t>186</a:t>
-                      </a:r>
-                      <a:endParaRPr lang="pl-PL" sz="1100" b="0" i="0" u="none" strike="noStrike">
-                        <a:solidFill>
-                          <a:srgbClr val="000000"/>
-                        </a:solidFill>
-                        <a:effectLst/>
-                        <a:latin typeface="Calibri" panose="020F0502020204030204" pitchFamily="34" charset="0"/>
-                      </a:endParaRPr>
-                    </a:p>
-                  </a:txBody>
-                  <a:tcPr marL="9525" marR="9525" marT="9525" marB="0" anchor="ctr"/>
-                </a:tc>
-                <a:tc>
-                  <a:txBody>
-                    <a:bodyPr/>
-                    <a:lstStyle/>
-                    <a:p>
-                      <a:pPr algn="ctr" fontAlgn="b"/>
-                      <a:r>
-                        <a:rPr lang="pl-PL" sz="1100" u="none" strike="noStrike" dirty="0">
-                          <a:effectLst/>
-                        </a:rPr>
-                        <a:t>4.5248</a:t>
-                      </a:r>
-                      <a:endParaRPr lang="pl-PL" sz="1100" b="0" i="0" u="none" strike="noStrike" dirty="0">
-                        <a:solidFill>
-                          <a:srgbClr val="000000"/>
-                        </a:solidFill>
-                        <a:effectLst/>
-                        <a:latin typeface="Calibri" panose="020F0502020204030204" pitchFamily="34" charset="0"/>
-                      </a:endParaRPr>
-                    </a:p>
-                  </a:txBody>
-                  <a:tcPr marL="9525" marR="9525" marT="9525" marB="0" anchor="ctr"/>
-                </a:tc>
-                <a:tc>
-                  <a:txBody>
-                    <a:bodyPr/>
-                    <a:lstStyle/>
-                    <a:p>
-                      <a:pPr algn="ctr" fontAlgn="b"/>
-                      <a:r>
-                        <a:rPr lang="pl-PL" sz="1100" u="none" strike="noStrike" dirty="0">
-                          <a:effectLst/>
-                        </a:rPr>
-                        <a:t>3.4535</a:t>
-                      </a:r>
-                      <a:endParaRPr lang="pl-PL" sz="1100" b="0" i="0" u="none" strike="noStrike" dirty="0">
-                        <a:solidFill>
-                          <a:srgbClr val="000000"/>
-                        </a:solidFill>
-                        <a:effectLst/>
-                        <a:latin typeface="Calibri" panose="020F0502020204030204" pitchFamily="34" charset="0"/>
-                      </a:endParaRPr>
-                    </a:p>
-                  </a:txBody>
-                  <a:tcPr marL="9525" marR="9525" marT="9525" marB="0" anchor="ctr"/>
-                </a:tc>
-              </a:tr>
-              <a:tr h="190500">
-                <a:tc>
-                  <a:txBody>
-                    <a:bodyPr/>
-                    <a:lstStyle/>
-                    <a:p>
-                      <a:pPr algn="l" fontAlgn="b"/>
-                      <a:r>
-                        <a:rPr lang="pl-PL" sz="1100" u="none" strike="noStrike">
-                          <a:effectLst/>
-                        </a:rPr>
-                        <a:t>GPU</a:t>
-                      </a:r>
-                      <a:endParaRPr lang="pl-PL" sz="1100" b="0" i="0" u="none" strike="noStrike">
-                        <a:solidFill>
-                          <a:srgbClr val="000000"/>
-                        </a:solidFill>
-                        <a:effectLst/>
-                        <a:latin typeface="Calibri" panose="020F0502020204030204" pitchFamily="34" charset="0"/>
-                      </a:endParaRPr>
-                    </a:p>
-                  </a:txBody>
-                  <a:tcPr marL="9525" marR="9525" marT="9525" marB="0" anchor="ctr"/>
-                </a:tc>
-                <a:tc>
-                  <a:txBody>
-                    <a:bodyPr/>
-                    <a:lstStyle/>
-                    <a:p>
-                      <a:pPr algn="ctr" fontAlgn="b"/>
-                      <a:r>
-                        <a:rPr lang="pl-PL" sz="1100" u="none" strike="noStrike" dirty="0">
-                          <a:effectLst/>
-                        </a:rPr>
-                        <a:t>63</a:t>
-                      </a:r>
-                      <a:endParaRPr lang="pl-PL" sz="1100" b="0" i="0" u="none" strike="noStrike" dirty="0">
-                        <a:solidFill>
-                          <a:srgbClr val="000000"/>
-                        </a:solidFill>
-                        <a:effectLst/>
-                        <a:latin typeface="Calibri" panose="020F0502020204030204" pitchFamily="34" charset="0"/>
-                      </a:endParaRPr>
-                    </a:p>
-                  </a:txBody>
-                  <a:tcPr marL="9525" marR="9525" marT="9525" marB="0" anchor="ctr">
-                    <a:solidFill>
-                      <a:srgbClr val="92D050"/>
-                    </a:solidFill>
-                  </a:tcPr>
-                </a:tc>
-                <a:tc>
-                  <a:txBody>
-                    <a:bodyPr/>
-                    <a:lstStyle/>
-                    <a:p>
-                      <a:pPr algn="ctr" fontAlgn="b"/>
-                      <a:r>
-                        <a:rPr lang="pl-PL" sz="1100" u="none" strike="noStrike">
-                          <a:effectLst/>
-                        </a:rPr>
-                        <a:t>4.5248</a:t>
-                      </a:r>
-                      <a:endParaRPr lang="pl-PL" sz="1100" b="0" i="0" u="none" strike="noStrike">
-                        <a:solidFill>
-                          <a:srgbClr val="000000"/>
-                        </a:solidFill>
-                        <a:effectLst/>
-                        <a:latin typeface="Calibri" panose="020F0502020204030204" pitchFamily="34" charset="0"/>
-                      </a:endParaRPr>
-                    </a:p>
-                  </a:txBody>
-                  <a:tcPr marL="9525" marR="9525" marT="9525" marB="0" anchor="ctr"/>
-                </a:tc>
-                <a:tc>
-                  <a:txBody>
-                    <a:bodyPr/>
-                    <a:lstStyle/>
-                    <a:p>
-                      <a:pPr algn="ctr" fontAlgn="b"/>
-                      <a:r>
-                        <a:rPr lang="pl-PL" sz="1100" u="none" strike="noStrike" dirty="0">
-                          <a:effectLst/>
-                        </a:rPr>
-                        <a:t>3.4535</a:t>
-                      </a:r>
-                      <a:endParaRPr lang="pl-PL" sz="1100" b="0" i="0" u="none" strike="noStrike" dirty="0">
-                        <a:solidFill>
-                          <a:srgbClr val="000000"/>
-                        </a:solidFill>
-                        <a:effectLst/>
-                        <a:latin typeface="Calibri" panose="020F0502020204030204" pitchFamily="34" charset="0"/>
-                      </a:endParaRPr>
-                    </a:p>
-                  </a:txBody>
-                  <a:tcPr marL="9525" marR="9525" marT="9525" marB="0" anchor="ctr"/>
-                </a:tc>
-              </a:tr>
-            </a:tbl>
-          </a:graphicData>
-        </a:graphic>
-      </p:graphicFrame>
       <p:sp>
         <p:nvSpPr>
           <p:cNvPr id="8" name="Rectangle 7"/>
@@ -12805,6 +11403,2262 @@
           </a:p>
         </p:txBody>
       </p:sp>
+      <p:graphicFrame>
+        <p:nvGraphicFramePr>
+          <p:cNvPr id="5" name="Table 4"/>
+          <p:cNvGraphicFramePr>
+            <a:graphicFrameLocks noGrp="1"/>
+          </p:cNvGraphicFramePr>
+          <p:nvPr>
+            <p:extLst>
+              <p:ext uri="{D42A27DB-BD31-4B8C-83A1-F6EECF244321}">
+                <p14:modId xmlns:p14="http://schemas.microsoft.com/office/powerpoint/2010/main" val="1500713472"/>
+              </p:ext>
+            </p:extLst>
+          </p:nvPr>
+        </p:nvGraphicFramePr>
+        <p:xfrm>
+          <a:off x="1436717" y="3840478"/>
+          <a:ext cx="5504409" cy="2705203"/>
+        </p:xfrm>
+        <a:graphic>
+          <a:graphicData uri="http://schemas.openxmlformats.org/drawingml/2006/table">
+            <a:tbl>
+              <a:tblPr/>
+              <a:tblGrid>
+                <a:gridCol w="1427069"/>
+                <a:gridCol w="815468"/>
+                <a:gridCol w="815468"/>
+                <a:gridCol w="815468"/>
+                <a:gridCol w="815468"/>
+                <a:gridCol w="815468"/>
+              </a:tblGrid>
+              <a:tr h="259498">
+                <a:tc rowSpan="2">
+                  <a:txBody>
+                    <a:bodyPr/>
+                    <a:lstStyle/>
+                    <a:p>
+                      <a:pPr algn="ctr" fontAlgn="ctr"/>
+                      <a:r>
+                        <a:rPr lang="pl-PL" sz="1100" b="0" i="0" u="none" strike="noStrike" dirty="0">
+                          <a:solidFill>
+                            <a:srgbClr val="000000"/>
+                          </a:solidFill>
+                          <a:effectLst/>
+                          <a:latin typeface="Calibri"/>
+                        </a:rPr>
+                        <a:t>Technology used</a:t>
+                      </a:r>
+                    </a:p>
+                  </a:txBody>
+                  <a:tcPr marL="9525" marR="9525" marT="9525" marB="0" anchor="ctr">
+                    <a:lnL w="6350" cap="flat" cmpd="sng" algn="ctr">
+                      <a:solidFill>
+                        <a:srgbClr val="000000"/>
+                      </a:solidFill>
+                      <a:prstDash val="solid"/>
+                      <a:round/>
+                      <a:headEnd type="none" w="med" len="med"/>
+                      <a:tailEnd type="none" w="med" len="med"/>
+                    </a:lnL>
+                    <a:lnR w="6350" cap="flat" cmpd="sng" algn="ctr">
+                      <a:solidFill>
+                        <a:srgbClr val="000000"/>
+                      </a:solidFill>
+                      <a:prstDash val="solid"/>
+                      <a:round/>
+                      <a:headEnd type="none" w="med" len="med"/>
+                      <a:tailEnd type="none" w="med" len="med"/>
+                    </a:lnR>
+                    <a:lnT w="6350" cap="flat" cmpd="sng" algn="ctr">
+                      <a:solidFill>
+                        <a:srgbClr val="000000"/>
+                      </a:solidFill>
+                      <a:prstDash val="solid"/>
+                      <a:round/>
+                      <a:headEnd type="none" w="med" len="med"/>
+                      <a:tailEnd type="none" w="med" len="med"/>
+                    </a:lnT>
+                    <a:lnB w="6350" cap="flat" cmpd="sng" algn="ctr">
+                      <a:solidFill>
+                        <a:srgbClr val="000000"/>
+                      </a:solidFill>
+                      <a:prstDash val="solid"/>
+                      <a:round/>
+                      <a:headEnd type="none" w="med" len="med"/>
+                      <a:tailEnd type="none" w="med" len="med"/>
+                    </a:lnB>
+                  </a:tcPr>
+                </a:tc>
+                <a:tc rowSpan="2">
+                  <a:txBody>
+                    <a:bodyPr/>
+                    <a:lstStyle/>
+                    <a:p>
+                      <a:pPr algn="ctr" fontAlgn="ctr"/>
+                      <a:r>
+                        <a:rPr lang="pl-PL" sz="1100" b="0" i="0" u="none" strike="noStrike">
+                          <a:solidFill>
+                            <a:srgbClr val="000000"/>
+                          </a:solidFill>
+                          <a:effectLst/>
+                          <a:latin typeface="Calibri"/>
+                        </a:rPr>
+                        <a:t>time (ms)</a:t>
+                      </a:r>
+                    </a:p>
+                  </a:txBody>
+                  <a:tcPr marL="9525" marR="9525" marT="9525" marB="0" anchor="ctr">
+                    <a:lnL w="6350" cap="flat" cmpd="sng" algn="ctr">
+                      <a:solidFill>
+                        <a:srgbClr val="000000"/>
+                      </a:solidFill>
+                      <a:prstDash val="solid"/>
+                      <a:round/>
+                      <a:headEnd type="none" w="med" len="med"/>
+                      <a:tailEnd type="none" w="med" len="med"/>
+                    </a:lnL>
+                    <a:lnR w="6350" cap="flat" cmpd="sng" algn="ctr">
+                      <a:solidFill>
+                        <a:srgbClr val="000000"/>
+                      </a:solidFill>
+                      <a:prstDash val="solid"/>
+                      <a:round/>
+                      <a:headEnd type="none" w="med" len="med"/>
+                      <a:tailEnd type="none" w="med" len="med"/>
+                    </a:lnR>
+                    <a:lnT w="6350" cap="flat" cmpd="sng" algn="ctr">
+                      <a:solidFill>
+                        <a:srgbClr val="000000"/>
+                      </a:solidFill>
+                      <a:prstDash val="solid"/>
+                      <a:round/>
+                      <a:headEnd type="none" w="med" len="med"/>
+                      <a:tailEnd type="none" w="med" len="med"/>
+                    </a:lnT>
+                    <a:lnB w="3175" cap="flat" cmpd="sng" algn="ctr">
+                      <a:solidFill>
+                        <a:schemeClr val="tx1"/>
+                      </a:solidFill>
+                      <a:prstDash val="solid"/>
+                      <a:round/>
+                      <a:headEnd type="none" w="med" len="med"/>
+                      <a:tailEnd type="none" w="med" len="med"/>
+                    </a:lnB>
+                  </a:tcPr>
+                </a:tc>
+                <a:tc gridSpan="2">
+                  <a:txBody>
+                    <a:bodyPr/>
+                    <a:lstStyle/>
+                    <a:p>
+                      <a:pPr algn="ctr" fontAlgn="ctr"/>
+                      <a:r>
+                        <a:rPr lang="pl-PL" sz="1100" b="0" i="0" u="none" strike="noStrike">
+                          <a:solidFill>
+                            <a:srgbClr val="000000"/>
+                          </a:solidFill>
+                          <a:effectLst/>
+                          <a:latin typeface="Calibri"/>
+                        </a:rPr>
+                        <a:t>Price</a:t>
+                      </a:r>
+                    </a:p>
+                  </a:txBody>
+                  <a:tcPr marL="9525" marR="9525" marT="9525" marB="0" anchor="ctr">
+                    <a:lnL w="6350" cap="flat" cmpd="sng" algn="ctr">
+                      <a:solidFill>
+                        <a:srgbClr val="000000"/>
+                      </a:solidFill>
+                      <a:prstDash val="solid"/>
+                      <a:round/>
+                      <a:headEnd type="none" w="med" len="med"/>
+                      <a:tailEnd type="none" w="med" len="med"/>
+                    </a:lnL>
+                    <a:lnR>
+                      <a:noFill/>
+                    </a:lnR>
+                    <a:lnT w="6350" cap="flat" cmpd="sng" algn="ctr">
+                      <a:solidFill>
+                        <a:srgbClr val="000000"/>
+                      </a:solidFill>
+                      <a:prstDash val="solid"/>
+                      <a:round/>
+                      <a:headEnd type="none" w="med" len="med"/>
+                      <a:tailEnd type="none" w="med" len="med"/>
+                    </a:lnT>
+                    <a:lnB w="6350" cap="flat" cmpd="sng" algn="ctr">
+                      <a:solidFill>
+                        <a:srgbClr val="000000"/>
+                      </a:solidFill>
+                      <a:prstDash val="solid"/>
+                      <a:round/>
+                      <a:headEnd type="none" w="med" len="med"/>
+                      <a:tailEnd type="none" w="med" len="med"/>
+                    </a:lnB>
+                  </a:tcPr>
+                </a:tc>
+                <a:tc hMerge="1">
+                  <a:txBody>
+                    <a:bodyPr/>
+                    <a:lstStyle/>
+                    <a:p>
+                      <a:endParaRPr lang="pl-PL"/>
+                    </a:p>
+                  </a:txBody>
+                  <a:tcPr/>
+                </a:tc>
+                <a:tc gridSpan="2">
+                  <a:txBody>
+                    <a:bodyPr/>
+                    <a:lstStyle/>
+                    <a:p>
+                      <a:pPr algn="ctr" fontAlgn="ctr"/>
+                      <a:r>
+                        <a:rPr lang="pl-PL" sz="1100" b="0" i="0" u="none" strike="noStrike" dirty="0" smtClean="0">
+                          <a:solidFill>
+                            <a:srgbClr val="000000"/>
+                          </a:solidFill>
+                          <a:effectLst/>
+                          <a:latin typeface="Calibri"/>
+                        </a:rPr>
+                        <a:t>Confidence</a:t>
+                      </a:r>
+                    </a:p>
+                    <a:p>
+                      <a:pPr algn="ctr" fontAlgn="ctr"/>
+                      <a:r>
+                        <a:rPr lang="pl-PL" sz="1100" b="0" i="0" u="none" strike="noStrike" dirty="0" smtClean="0">
+                          <a:solidFill>
+                            <a:srgbClr val="000000"/>
+                          </a:solidFill>
+                          <a:effectLst/>
+                          <a:latin typeface="Calibri"/>
+                        </a:rPr>
+                        <a:t>(half of the interval,</a:t>
+                      </a:r>
+                    </a:p>
+                    <a:p>
+                      <a:pPr algn="ctr" fontAlgn="ctr"/>
+                      <a:r>
+                        <a:rPr lang="pl-PL" sz="1100" b="0" i="0" u="none" strike="noStrike" dirty="0" smtClean="0">
+                          <a:solidFill>
+                            <a:srgbClr val="000000"/>
+                          </a:solidFill>
+                          <a:effectLst/>
+                          <a:latin typeface="+mn-lt"/>
+                        </a:rPr>
+                        <a:t>1 – alpha = 0.95</a:t>
+                      </a:r>
+                      <a:r>
+                        <a:rPr lang="pl-PL" sz="1100" b="0" i="0" u="none" strike="noStrike" dirty="0" smtClean="0">
+                          <a:solidFill>
+                            <a:srgbClr val="000000"/>
+                          </a:solidFill>
+                          <a:effectLst/>
+                          <a:latin typeface="Calibri"/>
+                        </a:rPr>
+                        <a:t>)</a:t>
+                      </a:r>
+                      <a:endParaRPr lang="pl-PL" sz="1100" b="0" i="0" u="none" strike="noStrike" dirty="0">
+                        <a:solidFill>
+                          <a:srgbClr val="000000"/>
+                        </a:solidFill>
+                        <a:effectLst/>
+                        <a:latin typeface="Calibri"/>
+                      </a:endParaRPr>
+                    </a:p>
+                  </a:txBody>
+                  <a:tcPr marL="9525" marR="9525" marT="9525" marB="0" anchor="ctr">
+                    <a:lnL>
+                      <a:noFill/>
+                    </a:lnL>
+                    <a:lnR w="6350" cap="flat" cmpd="sng" algn="ctr">
+                      <a:solidFill>
+                        <a:srgbClr val="000000"/>
+                      </a:solidFill>
+                      <a:prstDash val="solid"/>
+                      <a:round/>
+                      <a:headEnd type="none" w="med" len="med"/>
+                      <a:tailEnd type="none" w="med" len="med"/>
+                    </a:lnR>
+                    <a:lnT w="6350" cap="flat" cmpd="sng" algn="ctr">
+                      <a:solidFill>
+                        <a:srgbClr val="000000"/>
+                      </a:solidFill>
+                      <a:prstDash val="solid"/>
+                      <a:round/>
+                      <a:headEnd type="none" w="med" len="med"/>
+                      <a:tailEnd type="none" w="med" len="med"/>
+                    </a:lnT>
+                    <a:lnB w="6350" cap="flat" cmpd="sng" algn="ctr">
+                      <a:solidFill>
+                        <a:srgbClr val="000000"/>
+                      </a:solidFill>
+                      <a:prstDash val="solid"/>
+                      <a:round/>
+                      <a:headEnd type="none" w="med" len="med"/>
+                      <a:tailEnd type="none" w="med" len="med"/>
+                    </a:lnB>
+                  </a:tcPr>
+                </a:tc>
+                <a:tc hMerge="1">
+                  <a:txBody>
+                    <a:bodyPr/>
+                    <a:lstStyle/>
+                    <a:p>
+                      <a:endParaRPr lang="pl-PL"/>
+                    </a:p>
+                  </a:txBody>
+                  <a:tcPr/>
+                </a:tc>
+              </a:tr>
+              <a:tr h="259498">
+                <a:tc vMerge="1">
+                  <a:txBody>
+                    <a:bodyPr/>
+                    <a:lstStyle/>
+                    <a:p>
+                      <a:endParaRPr lang="pl-PL"/>
+                    </a:p>
+                  </a:txBody>
+                  <a:tcPr/>
+                </a:tc>
+                <a:tc vMerge="1">
+                  <a:txBody>
+                    <a:bodyPr/>
+                    <a:lstStyle/>
+                    <a:p>
+                      <a:endParaRPr lang="pl-PL"/>
+                    </a:p>
+                  </a:txBody>
+                  <a:tcPr/>
+                </a:tc>
+                <a:tc>
+                  <a:txBody>
+                    <a:bodyPr/>
+                    <a:lstStyle/>
+                    <a:p>
+                      <a:pPr algn="ctr" fontAlgn="ctr"/>
+                      <a:r>
+                        <a:rPr lang="pl-PL" sz="1100" b="0" i="0" u="none" strike="noStrike">
+                          <a:solidFill>
+                            <a:srgbClr val="000000"/>
+                          </a:solidFill>
+                          <a:effectLst/>
+                          <a:latin typeface="Calibri"/>
+                        </a:rPr>
+                        <a:t>Call</a:t>
+                      </a:r>
+                    </a:p>
+                  </a:txBody>
+                  <a:tcPr marL="9525" marR="9525" marT="9525" marB="0" anchor="ctr">
+                    <a:lnL w="6350" cap="flat" cmpd="sng" algn="ctr">
+                      <a:solidFill>
+                        <a:srgbClr val="000000"/>
+                      </a:solidFill>
+                      <a:prstDash val="solid"/>
+                      <a:round/>
+                      <a:headEnd type="none" w="med" len="med"/>
+                      <a:tailEnd type="none" w="med" len="med"/>
+                    </a:lnL>
+                    <a:lnR>
+                      <a:noFill/>
+                    </a:lnR>
+                    <a:lnT w="6350" cap="flat" cmpd="sng" algn="ctr">
+                      <a:solidFill>
+                        <a:srgbClr val="000000"/>
+                      </a:solidFill>
+                      <a:prstDash val="solid"/>
+                      <a:round/>
+                      <a:headEnd type="none" w="med" len="med"/>
+                      <a:tailEnd type="none" w="med" len="med"/>
+                    </a:lnT>
+                    <a:lnB w="6350" cap="flat" cmpd="sng" algn="ctr">
+                      <a:solidFill>
+                        <a:srgbClr val="000000"/>
+                      </a:solidFill>
+                      <a:prstDash val="solid"/>
+                      <a:round/>
+                      <a:headEnd type="none" w="med" len="med"/>
+                      <a:tailEnd type="none" w="med" len="med"/>
+                    </a:lnB>
+                  </a:tcPr>
+                </a:tc>
+                <a:tc>
+                  <a:txBody>
+                    <a:bodyPr/>
+                    <a:lstStyle/>
+                    <a:p>
+                      <a:pPr algn="ctr" fontAlgn="ctr"/>
+                      <a:r>
+                        <a:rPr lang="pl-PL" sz="1100" b="0" i="0" u="none" strike="noStrike">
+                          <a:solidFill>
+                            <a:srgbClr val="000000"/>
+                          </a:solidFill>
+                          <a:effectLst/>
+                          <a:latin typeface="Calibri"/>
+                        </a:rPr>
+                        <a:t>Put</a:t>
+                      </a:r>
+                    </a:p>
+                  </a:txBody>
+                  <a:tcPr marL="9525" marR="9525" marT="9525" marB="0" anchor="ctr">
+                    <a:lnL>
+                      <a:noFill/>
+                    </a:lnL>
+                    <a:lnR>
+                      <a:noFill/>
+                    </a:lnR>
+                    <a:lnT w="6350" cap="flat" cmpd="sng" algn="ctr">
+                      <a:solidFill>
+                        <a:srgbClr val="000000"/>
+                      </a:solidFill>
+                      <a:prstDash val="solid"/>
+                      <a:round/>
+                      <a:headEnd type="none" w="med" len="med"/>
+                      <a:tailEnd type="none" w="med" len="med"/>
+                    </a:lnT>
+                    <a:lnB w="6350" cap="flat" cmpd="sng" algn="ctr">
+                      <a:solidFill>
+                        <a:srgbClr val="000000"/>
+                      </a:solidFill>
+                      <a:prstDash val="solid"/>
+                      <a:round/>
+                      <a:headEnd type="none" w="med" len="med"/>
+                      <a:tailEnd type="none" w="med" len="med"/>
+                    </a:lnB>
+                  </a:tcPr>
+                </a:tc>
+                <a:tc>
+                  <a:txBody>
+                    <a:bodyPr/>
+                    <a:lstStyle/>
+                    <a:p>
+                      <a:pPr algn="ctr" fontAlgn="ctr"/>
+                      <a:r>
+                        <a:rPr lang="pl-PL" sz="1100" b="0" i="0" u="none" strike="noStrike">
+                          <a:solidFill>
+                            <a:srgbClr val="000000"/>
+                          </a:solidFill>
+                          <a:effectLst/>
+                          <a:latin typeface="Calibri"/>
+                        </a:rPr>
+                        <a:t>Call</a:t>
+                      </a:r>
+                    </a:p>
+                  </a:txBody>
+                  <a:tcPr marL="9525" marR="9525" marT="9525" marB="0" anchor="ctr">
+                    <a:lnL>
+                      <a:noFill/>
+                    </a:lnL>
+                    <a:lnR>
+                      <a:noFill/>
+                    </a:lnR>
+                    <a:lnT w="6350" cap="flat" cmpd="sng" algn="ctr">
+                      <a:solidFill>
+                        <a:srgbClr val="000000"/>
+                      </a:solidFill>
+                      <a:prstDash val="solid"/>
+                      <a:round/>
+                      <a:headEnd type="none" w="med" len="med"/>
+                      <a:tailEnd type="none" w="med" len="med"/>
+                    </a:lnT>
+                    <a:lnB w="6350" cap="flat" cmpd="sng" algn="ctr">
+                      <a:solidFill>
+                        <a:srgbClr val="000000"/>
+                      </a:solidFill>
+                      <a:prstDash val="solid"/>
+                      <a:round/>
+                      <a:headEnd type="none" w="med" len="med"/>
+                      <a:tailEnd type="none" w="med" len="med"/>
+                    </a:lnB>
+                  </a:tcPr>
+                </a:tc>
+                <a:tc>
+                  <a:txBody>
+                    <a:bodyPr/>
+                    <a:lstStyle/>
+                    <a:p>
+                      <a:pPr algn="ctr" fontAlgn="ctr"/>
+                      <a:r>
+                        <a:rPr lang="pl-PL" sz="1100" b="0" i="0" u="none" strike="noStrike">
+                          <a:solidFill>
+                            <a:srgbClr val="000000"/>
+                          </a:solidFill>
+                          <a:effectLst/>
+                          <a:latin typeface="Calibri"/>
+                        </a:rPr>
+                        <a:t>Put</a:t>
+                      </a:r>
+                    </a:p>
+                  </a:txBody>
+                  <a:tcPr marL="9525" marR="9525" marT="9525" marB="0" anchor="ctr">
+                    <a:lnL>
+                      <a:noFill/>
+                    </a:lnL>
+                    <a:lnR w="6350" cap="flat" cmpd="sng" algn="ctr">
+                      <a:solidFill>
+                        <a:srgbClr val="000000"/>
+                      </a:solidFill>
+                      <a:prstDash val="solid"/>
+                      <a:round/>
+                      <a:headEnd type="none" w="med" len="med"/>
+                      <a:tailEnd type="none" w="med" len="med"/>
+                    </a:lnR>
+                    <a:lnT w="6350" cap="flat" cmpd="sng" algn="ctr">
+                      <a:solidFill>
+                        <a:srgbClr val="000000"/>
+                      </a:solidFill>
+                      <a:prstDash val="solid"/>
+                      <a:round/>
+                      <a:headEnd type="none" w="med" len="med"/>
+                      <a:tailEnd type="none" w="med" len="med"/>
+                    </a:lnT>
+                    <a:lnB w="6350" cap="flat" cmpd="sng" algn="ctr">
+                      <a:solidFill>
+                        <a:srgbClr val="000000"/>
+                      </a:solidFill>
+                      <a:prstDash val="solid"/>
+                      <a:round/>
+                      <a:headEnd type="none" w="med" len="med"/>
+                      <a:tailEnd type="none" w="med" len="med"/>
+                    </a:lnB>
+                  </a:tcPr>
+                </a:tc>
+              </a:tr>
+              <a:tr h="259498">
+                <a:tc>
+                  <a:txBody>
+                    <a:bodyPr/>
+                    <a:lstStyle/>
+                    <a:p>
+                      <a:pPr algn="ctr" fontAlgn="ctr"/>
+                      <a:r>
+                        <a:rPr lang="pl-PL" sz="1100" b="0" i="0" u="none" strike="noStrike" dirty="0" smtClean="0">
+                          <a:solidFill>
+                            <a:srgbClr val="000000"/>
+                          </a:solidFill>
+                          <a:effectLst/>
+                          <a:latin typeface="Calibri"/>
+                        </a:rPr>
+                        <a:t>CPU,</a:t>
+                      </a:r>
+                      <a:r>
+                        <a:rPr lang="pl-PL" sz="1100" b="0" i="0" u="none" strike="noStrike" baseline="0" dirty="0" smtClean="0">
+                          <a:solidFill>
+                            <a:srgbClr val="000000"/>
+                          </a:solidFill>
+                          <a:effectLst/>
+                          <a:latin typeface="Calibri"/>
+                        </a:rPr>
+                        <a:t> </a:t>
+                      </a:r>
+                      <a:r>
+                        <a:rPr lang="pl-PL" sz="1100" b="0" i="0" u="none" strike="noStrike" dirty="0" smtClean="0">
+                          <a:solidFill>
+                            <a:srgbClr val="000000"/>
+                          </a:solidFill>
+                          <a:effectLst/>
+                          <a:latin typeface="Calibri"/>
+                        </a:rPr>
+                        <a:t>Excel VBA</a:t>
+                      </a:r>
+                      <a:endParaRPr lang="pl-PL" sz="1100" b="0" i="0" u="none" strike="noStrike" dirty="0">
+                        <a:solidFill>
+                          <a:srgbClr val="000000"/>
+                        </a:solidFill>
+                        <a:effectLst/>
+                        <a:latin typeface="Calibri"/>
+                      </a:endParaRPr>
+                    </a:p>
+                  </a:txBody>
+                  <a:tcPr marL="9525" marR="9525" marT="9525" marB="0" anchor="ctr">
+                    <a:lnL w="6350" cap="flat" cmpd="sng" algn="ctr">
+                      <a:solidFill>
+                        <a:srgbClr val="000000"/>
+                      </a:solidFill>
+                      <a:prstDash val="solid"/>
+                      <a:round/>
+                      <a:headEnd type="none" w="med" len="med"/>
+                      <a:tailEnd type="none" w="med" len="med"/>
+                    </a:lnL>
+                    <a:lnR w="3175" cap="flat" cmpd="sng" algn="ctr">
+                      <a:solidFill>
+                        <a:schemeClr val="tx1"/>
+                      </a:solidFill>
+                      <a:prstDash val="solid"/>
+                      <a:round/>
+                      <a:headEnd type="none" w="med" len="med"/>
+                      <a:tailEnd type="none" w="med" len="med"/>
+                    </a:lnR>
+                    <a:lnT w="6350" cap="flat" cmpd="sng" algn="ctr">
+                      <a:solidFill>
+                        <a:srgbClr val="000000"/>
+                      </a:solidFill>
+                      <a:prstDash val="solid"/>
+                      <a:round/>
+                      <a:headEnd type="none" w="med" len="med"/>
+                      <a:tailEnd type="none" w="med" len="med"/>
+                    </a:lnT>
+                    <a:lnB>
+                      <a:noFill/>
+                    </a:lnB>
+                  </a:tcPr>
+                </a:tc>
+                <a:tc>
+                  <a:txBody>
+                    <a:bodyPr/>
+                    <a:lstStyle/>
+                    <a:p>
+                      <a:pPr algn="ctr" fontAlgn="ctr"/>
+                      <a:r>
+                        <a:rPr lang="pl-PL" sz="1100" b="0" i="0" u="none" strike="noStrike" dirty="0">
+                          <a:solidFill>
+                            <a:srgbClr val="000000"/>
+                          </a:solidFill>
+                          <a:effectLst/>
+                          <a:latin typeface="Calibri"/>
+                        </a:rPr>
+                        <a:t>183 547</a:t>
+                      </a:r>
+                    </a:p>
+                  </a:txBody>
+                  <a:tcPr marL="9525" marR="9525" marT="9525" marB="0" anchor="ctr">
+                    <a:lnL w="3175" cap="flat" cmpd="sng" algn="ctr">
+                      <a:solidFill>
+                        <a:schemeClr val="tx1"/>
+                      </a:solidFill>
+                      <a:prstDash val="solid"/>
+                      <a:round/>
+                      <a:headEnd type="none" w="med" len="med"/>
+                      <a:tailEnd type="none" w="med" len="med"/>
+                    </a:lnL>
+                    <a:lnR w="3175" cap="flat" cmpd="sng" algn="ctr">
+                      <a:solidFill>
+                        <a:schemeClr val="tx1"/>
+                      </a:solidFill>
+                      <a:prstDash val="solid"/>
+                      <a:round/>
+                      <a:headEnd type="none" w="med" len="med"/>
+                      <a:tailEnd type="none" w="med" len="med"/>
+                    </a:lnR>
+                    <a:lnT w="3175" cap="flat" cmpd="sng" algn="ctr">
+                      <a:solidFill>
+                        <a:schemeClr val="tx1"/>
+                      </a:solidFill>
+                      <a:prstDash val="solid"/>
+                      <a:round/>
+                      <a:headEnd type="none" w="med" len="med"/>
+                      <a:tailEnd type="none" w="med" len="med"/>
+                    </a:lnT>
+                    <a:lnB>
+                      <a:noFill/>
+                    </a:lnB>
+                  </a:tcPr>
+                </a:tc>
+                <a:tc>
+                  <a:txBody>
+                    <a:bodyPr/>
+                    <a:lstStyle/>
+                    <a:p>
+                      <a:pPr algn="ctr" fontAlgn="ctr"/>
+                      <a:r>
+                        <a:rPr lang="pl-PL" sz="1100" b="0" i="0" u="none" strike="noStrike">
+                          <a:solidFill>
+                            <a:srgbClr val="000000"/>
+                          </a:solidFill>
+                          <a:effectLst/>
+                          <a:latin typeface="Calibri"/>
+                        </a:rPr>
+                        <a:t>4.5252</a:t>
+                      </a:r>
+                    </a:p>
+                  </a:txBody>
+                  <a:tcPr marL="9525" marR="9525" marT="9525" marB="0" anchor="ctr">
+                    <a:lnL w="3175" cap="flat" cmpd="sng" algn="ctr">
+                      <a:solidFill>
+                        <a:schemeClr val="tx1"/>
+                      </a:solidFill>
+                      <a:prstDash val="solid"/>
+                      <a:round/>
+                      <a:headEnd type="none" w="med" len="med"/>
+                      <a:tailEnd type="none" w="med" len="med"/>
+                    </a:lnL>
+                    <a:lnR>
+                      <a:noFill/>
+                    </a:lnR>
+                    <a:lnT w="6350" cap="flat" cmpd="sng" algn="ctr">
+                      <a:solidFill>
+                        <a:srgbClr val="000000"/>
+                      </a:solidFill>
+                      <a:prstDash val="solid"/>
+                      <a:round/>
+                      <a:headEnd type="none" w="med" len="med"/>
+                      <a:tailEnd type="none" w="med" len="med"/>
+                    </a:lnT>
+                    <a:lnB>
+                      <a:noFill/>
+                    </a:lnB>
+                  </a:tcPr>
+                </a:tc>
+                <a:tc>
+                  <a:txBody>
+                    <a:bodyPr/>
+                    <a:lstStyle/>
+                    <a:p>
+                      <a:pPr algn="ctr" fontAlgn="ctr"/>
+                      <a:r>
+                        <a:rPr lang="pl-PL" sz="1100" b="0" i="0" u="none" strike="noStrike">
+                          <a:solidFill>
+                            <a:srgbClr val="000000"/>
+                          </a:solidFill>
+                          <a:effectLst/>
+                          <a:latin typeface="Calibri"/>
+                        </a:rPr>
+                        <a:t>3.4539</a:t>
+                      </a:r>
+                    </a:p>
+                  </a:txBody>
+                  <a:tcPr marL="9525" marR="9525" marT="9525" marB="0" anchor="ctr">
+                    <a:lnL>
+                      <a:noFill/>
+                    </a:lnL>
+                    <a:lnR>
+                      <a:noFill/>
+                    </a:lnR>
+                    <a:lnT w="6350" cap="flat" cmpd="sng" algn="ctr">
+                      <a:solidFill>
+                        <a:srgbClr val="000000"/>
+                      </a:solidFill>
+                      <a:prstDash val="solid"/>
+                      <a:round/>
+                      <a:headEnd type="none" w="med" len="med"/>
+                      <a:tailEnd type="none" w="med" len="med"/>
+                    </a:lnT>
+                    <a:lnB>
+                      <a:noFill/>
+                    </a:lnB>
+                  </a:tcPr>
+                </a:tc>
+                <a:tc>
+                  <a:txBody>
+                    <a:bodyPr/>
+                    <a:lstStyle/>
+                    <a:p>
+                      <a:pPr algn="ctr" fontAlgn="ctr"/>
+                      <a:r>
+                        <a:rPr lang="pl-PL" sz="1100" b="0" i="0" u="none" strike="noStrike">
+                          <a:solidFill>
+                            <a:srgbClr val="000000"/>
+                          </a:solidFill>
+                          <a:effectLst/>
+                          <a:latin typeface="Calibri"/>
+                        </a:rPr>
+                        <a:t>0.0049</a:t>
+                      </a:r>
+                    </a:p>
+                  </a:txBody>
+                  <a:tcPr marL="9525" marR="9525" marT="9525" marB="0" anchor="ctr">
+                    <a:lnL>
+                      <a:noFill/>
+                    </a:lnL>
+                    <a:lnR>
+                      <a:noFill/>
+                    </a:lnR>
+                    <a:lnT w="6350" cap="flat" cmpd="sng" algn="ctr">
+                      <a:solidFill>
+                        <a:srgbClr val="000000"/>
+                      </a:solidFill>
+                      <a:prstDash val="solid"/>
+                      <a:round/>
+                      <a:headEnd type="none" w="med" len="med"/>
+                      <a:tailEnd type="none" w="med" len="med"/>
+                    </a:lnT>
+                    <a:lnB>
+                      <a:noFill/>
+                    </a:lnB>
+                  </a:tcPr>
+                </a:tc>
+                <a:tc>
+                  <a:txBody>
+                    <a:bodyPr/>
+                    <a:lstStyle/>
+                    <a:p>
+                      <a:pPr algn="ctr" fontAlgn="ctr"/>
+                      <a:r>
+                        <a:rPr lang="pl-PL" sz="1100" b="0" i="0" u="none" strike="noStrike">
+                          <a:solidFill>
+                            <a:srgbClr val="000000"/>
+                          </a:solidFill>
+                          <a:effectLst/>
+                          <a:latin typeface="Calibri"/>
+                        </a:rPr>
+                        <a:t>0.0038</a:t>
+                      </a:r>
+                    </a:p>
+                  </a:txBody>
+                  <a:tcPr marL="9525" marR="9525" marT="9525" marB="0" anchor="ctr">
+                    <a:lnL>
+                      <a:noFill/>
+                    </a:lnL>
+                    <a:lnR w="6350" cap="flat" cmpd="sng" algn="ctr">
+                      <a:solidFill>
+                        <a:srgbClr val="000000"/>
+                      </a:solidFill>
+                      <a:prstDash val="solid"/>
+                      <a:round/>
+                      <a:headEnd type="none" w="med" len="med"/>
+                      <a:tailEnd type="none" w="med" len="med"/>
+                    </a:lnR>
+                    <a:lnT w="6350" cap="flat" cmpd="sng" algn="ctr">
+                      <a:solidFill>
+                        <a:srgbClr val="000000"/>
+                      </a:solidFill>
+                      <a:prstDash val="solid"/>
+                      <a:round/>
+                      <a:headEnd type="none" w="med" len="med"/>
+                      <a:tailEnd type="none" w="med" len="med"/>
+                    </a:lnT>
+                    <a:lnB>
+                      <a:noFill/>
+                    </a:lnB>
+                  </a:tcPr>
+                </a:tc>
+              </a:tr>
+              <a:tr h="259498">
+                <a:tc>
+                  <a:txBody>
+                    <a:bodyPr/>
+                    <a:lstStyle/>
+                    <a:p>
+                      <a:pPr algn="ctr" fontAlgn="ctr"/>
+                      <a:r>
+                        <a:rPr lang="pl-PL" sz="1100" b="0" i="0" u="none" strike="noStrike" dirty="0" smtClean="0">
+                          <a:solidFill>
+                            <a:srgbClr val="000000"/>
+                          </a:solidFill>
+                          <a:effectLst/>
+                          <a:latin typeface="Calibri"/>
+                        </a:rPr>
+                        <a:t>CPU,</a:t>
+                      </a:r>
+                      <a:r>
+                        <a:rPr lang="pl-PL" sz="1100" b="0" i="0" u="none" strike="noStrike" baseline="0" dirty="0" smtClean="0">
+                          <a:solidFill>
+                            <a:srgbClr val="000000"/>
+                          </a:solidFill>
+                          <a:effectLst/>
+                          <a:latin typeface="Calibri"/>
+                        </a:rPr>
+                        <a:t> </a:t>
+                      </a:r>
+                      <a:r>
+                        <a:rPr lang="pl-PL" sz="1100" b="0" i="0" u="none" strike="noStrike" dirty="0" smtClean="0">
+                          <a:solidFill>
+                            <a:srgbClr val="000000"/>
+                          </a:solidFill>
+                          <a:effectLst/>
+                          <a:latin typeface="Calibri"/>
+                        </a:rPr>
+                        <a:t>C++, 4 threads</a:t>
+                      </a:r>
+                      <a:endParaRPr lang="pl-PL" sz="1100" b="0" i="0" u="none" strike="noStrike" dirty="0">
+                        <a:solidFill>
+                          <a:srgbClr val="000000"/>
+                        </a:solidFill>
+                        <a:effectLst/>
+                        <a:latin typeface="Calibri"/>
+                      </a:endParaRPr>
+                    </a:p>
+                  </a:txBody>
+                  <a:tcPr marL="9525" marR="9525" marT="9525" marB="0" anchor="ctr">
+                    <a:lnL w="6350" cap="flat" cmpd="sng" algn="ctr">
+                      <a:solidFill>
+                        <a:srgbClr val="000000"/>
+                      </a:solidFill>
+                      <a:prstDash val="solid"/>
+                      <a:round/>
+                      <a:headEnd type="none" w="med" len="med"/>
+                      <a:tailEnd type="none" w="med" len="med"/>
+                    </a:lnL>
+                    <a:lnR w="3175" cap="flat" cmpd="sng" algn="ctr">
+                      <a:solidFill>
+                        <a:schemeClr val="tx1"/>
+                      </a:solidFill>
+                      <a:prstDash val="solid"/>
+                      <a:round/>
+                      <a:headEnd type="none" w="med" len="med"/>
+                      <a:tailEnd type="none" w="med" len="med"/>
+                    </a:lnR>
+                    <a:lnT>
+                      <a:noFill/>
+                    </a:lnT>
+                    <a:lnB>
+                      <a:noFill/>
+                    </a:lnB>
+                  </a:tcPr>
+                </a:tc>
+                <a:tc>
+                  <a:txBody>
+                    <a:bodyPr/>
+                    <a:lstStyle/>
+                    <a:p>
+                      <a:pPr algn="ctr" fontAlgn="ctr"/>
+                      <a:r>
+                        <a:rPr lang="pl-PL" sz="1100" b="0" i="0" u="none" strike="noStrike" dirty="0">
+                          <a:solidFill>
+                            <a:srgbClr val="000000"/>
+                          </a:solidFill>
+                          <a:effectLst/>
+                          <a:latin typeface="Calibri"/>
+                        </a:rPr>
+                        <a:t>21 342</a:t>
+                      </a:r>
+                    </a:p>
+                  </a:txBody>
+                  <a:tcPr marL="9525" marR="9525" marT="9525" marB="0" anchor="ctr">
+                    <a:lnL w="3175" cap="flat" cmpd="sng" algn="ctr">
+                      <a:solidFill>
+                        <a:schemeClr val="tx1"/>
+                      </a:solidFill>
+                      <a:prstDash val="solid"/>
+                      <a:round/>
+                      <a:headEnd type="none" w="med" len="med"/>
+                      <a:tailEnd type="none" w="med" len="med"/>
+                    </a:lnL>
+                    <a:lnR w="3175" cap="flat" cmpd="sng" algn="ctr">
+                      <a:solidFill>
+                        <a:schemeClr val="tx1"/>
+                      </a:solidFill>
+                      <a:prstDash val="solid"/>
+                      <a:round/>
+                      <a:headEnd type="none" w="med" len="med"/>
+                      <a:tailEnd type="none" w="med" len="med"/>
+                    </a:lnR>
+                    <a:lnT>
+                      <a:noFill/>
+                    </a:lnT>
+                    <a:lnB>
+                      <a:noFill/>
+                    </a:lnB>
+                  </a:tcPr>
+                </a:tc>
+                <a:tc>
+                  <a:txBody>
+                    <a:bodyPr/>
+                    <a:lstStyle/>
+                    <a:p>
+                      <a:pPr algn="ctr" fontAlgn="ctr"/>
+                      <a:r>
+                        <a:rPr lang="pl-PL" sz="1100" b="0" i="0" u="none" strike="noStrike">
+                          <a:solidFill>
+                            <a:srgbClr val="000000"/>
+                          </a:solidFill>
+                          <a:effectLst/>
+                          <a:latin typeface="Calibri"/>
+                        </a:rPr>
+                        <a:t>4.5271</a:t>
+                      </a:r>
+                    </a:p>
+                  </a:txBody>
+                  <a:tcPr marL="9525" marR="9525" marT="9525" marB="0" anchor="ctr">
+                    <a:lnL w="3175" cap="flat" cmpd="sng" algn="ctr">
+                      <a:solidFill>
+                        <a:schemeClr val="tx1"/>
+                      </a:solidFill>
+                      <a:prstDash val="solid"/>
+                      <a:round/>
+                      <a:headEnd type="none" w="med" len="med"/>
+                      <a:tailEnd type="none" w="med" len="med"/>
+                    </a:lnL>
+                    <a:lnR>
+                      <a:noFill/>
+                    </a:lnR>
+                    <a:lnT>
+                      <a:noFill/>
+                    </a:lnT>
+                    <a:lnB>
+                      <a:noFill/>
+                    </a:lnB>
+                  </a:tcPr>
+                </a:tc>
+                <a:tc>
+                  <a:txBody>
+                    <a:bodyPr/>
+                    <a:lstStyle/>
+                    <a:p>
+                      <a:pPr algn="ctr" fontAlgn="ctr"/>
+                      <a:r>
+                        <a:rPr lang="pl-PL" sz="1100" b="0" i="0" u="none" strike="noStrike">
+                          <a:solidFill>
+                            <a:srgbClr val="000000"/>
+                          </a:solidFill>
+                          <a:effectLst/>
+                          <a:latin typeface="Calibri"/>
+                        </a:rPr>
+                        <a:t>3.4519</a:t>
+                      </a:r>
+                    </a:p>
+                  </a:txBody>
+                  <a:tcPr marL="9525" marR="9525" marT="9525" marB="0" anchor="ctr">
+                    <a:lnL>
+                      <a:noFill/>
+                    </a:lnL>
+                    <a:lnR>
+                      <a:noFill/>
+                    </a:lnR>
+                    <a:lnT>
+                      <a:noFill/>
+                    </a:lnT>
+                    <a:lnB>
+                      <a:noFill/>
+                    </a:lnB>
+                  </a:tcPr>
+                </a:tc>
+                <a:tc>
+                  <a:txBody>
+                    <a:bodyPr/>
+                    <a:lstStyle/>
+                    <a:p>
+                      <a:pPr algn="ctr" fontAlgn="ctr"/>
+                      <a:r>
+                        <a:rPr lang="pl-PL" sz="1100" b="0" i="0" u="none" strike="noStrike">
+                          <a:solidFill>
+                            <a:srgbClr val="000000"/>
+                          </a:solidFill>
+                          <a:effectLst/>
+                          <a:latin typeface="Calibri"/>
+                        </a:rPr>
+                        <a:t>0.0097</a:t>
+                      </a:r>
+                    </a:p>
+                  </a:txBody>
+                  <a:tcPr marL="9525" marR="9525" marT="9525" marB="0" anchor="ctr">
+                    <a:lnL>
+                      <a:noFill/>
+                    </a:lnL>
+                    <a:lnR>
+                      <a:noFill/>
+                    </a:lnR>
+                    <a:lnT>
+                      <a:noFill/>
+                    </a:lnT>
+                    <a:lnB>
+                      <a:noFill/>
+                    </a:lnB>
+                  </a:tcPr>
+                </a:tc>
+                <a:tc>
+                  <a:txBody>
+                    <a:bodyPr/>
+                    <a:lstStyle/>
+                    <a:p>
+                      <a:pPr algn="ctr" fontAlgn="ctr"/>
+                      <a:r>
+                        <a:rPr lang="pl-PL" sz="1100" b="0" i="0" u="none" strike="noStrike">
+                          <a:solidFill>
+                            <a:srgbClr val="000000"/>
+                          </a:solidFill>
+                          <a:effectLst/>
+                          <a:latin typeface="Calibri"/>
+                        </a:rPr>
+                        <a:t>0.0076</a:t>
+                      </a:r>
+                    </a:p>
+                  </a:txBody>
+                  <a:tcPr marL="9525" marR="9525" marT="9525" marB="0" anchor="ctr">
+                    <a:lnL>
+                      <a:noFill/>
+                    </a:lnL>
+                    <a:lnR w="6350" cap="flat" cmpd="sng" algn="ctr">
+                      <a:solidFill>
+                        <a:srgbClr val="000000"/>
+                      </a:solidFill>
+                      <a:prstDash val="solid"/>
+                      <a:round/>
+                      <a:headEnd type="none" w="med" len="med"/>
+                      <a:tailEnd type="none" w="med" len="med"/>
+                    </a:lnR>
+                    <a:lnT>
+                      <a:noFill/>
+                    </a:lnT>
+                    <a:lnB>
+                      <a:noFill/>
+                    </a:lnB>
+                  </a:tcPr>
+                </a:tc>
+              </a:tr>
+              <a:tr h="1154766">
+                <a:tc>
+                  <a:txBody>
+                    <a:bodyPr/>
+                    <a:lstStyle/>
+                    <a:p>
+                      <a:pPr algn="ctr" fontAlgn="ctr"/>
+                      <a:r>
+                        <a:rPr lang="en-US" sz="1100" b="0" i="0" u="none" strike="noStrike" dirty="0" smtClean="0">
+                          <a:solidFill>
+                            <a:srgbClr val="000000"/>
+                          </a:solidFill>
+                          <a:effectLst/>
+                          <a:latin typeface="Calibri"/>
+                        </a:rPr>
+                        <a:t>CPU</a:t>
+                      </a:r>
+                      <a:r>
+                        <a:rPr lang="pl-PL" sz="1100" b="0" i="0" u="none" strike="noStrike" dirty="0" smtClean="0">
+                          <a:solidFill>
+                            <a:srgbClr val="000000"/>
+                          </a:solidFill>
+                          <a:effectLst/>
+                          <a:latin typeface="Calibri"/>
+                        </a:rPr>
+                        <a:t>,</a:t>
+                      </a:r>
+                      <a:r>
+                        <a:rPr lang="pl-PL" sz="1100" b="0" i="0" u="none" strike="noStrike" baseline="0" dirty="0" smtClean="0">
+                          <a:solidFill>
+                            <a:srgbClr val="000000"/>
+                          </a:solidFill>
+                          <a:effectLst/>
+                          <a:latin typeface="Calibri"/>
+                        </a:rPr>
+                        <a:t> </a:t>
+                      </a:r>
+                      <a:r>
+                        <a:rPr lang="pl-PL" sz="1100" b="0" i="0" u="none" strike="noStrike" dirty="0" smtClean="0">
+                          <a:solidFill>
+                            <a:srgbClr val="000000"/>
+                          </a:solidFill>
+                          <a:effectLst/>
+                          <a:latin typeface="Calibri"/>
+                        </a:rPr>
+                        <a:t>C++ </a:t>
+                      </a:r>
+                      <a:r>
+                        <a:rPr lang="en-US" sz="1100" b="0" i="0" u="none" strike="noStrike" dirty="0" smtClean="0">
+                          <a:solidFill>
+                            <a:srgbClr val="000000"/>
+                          </a:solidFill>
+                          <a:effectLst/>
+                          <a:latin typeface="Calibri"/>
+                        </a:rPr>
+                        <a:t>(single </a:t>
+                      </a:r>
+                      <a:r>
+                        <a:rPr lang="en-US" sz="1100" b="0" i="0" u="none" strike="noStrike" dirty="0">
+                          <a:solidFill>
+                            <a:srgbClr val="000000"/>
+                          </a:solidFill>
+                          <a:effectLst/>
+                          <a:latin typeface="Calibri"/>
+                        </a:rPr>
+                        <a:t>thread) with random variables </a:t>
+                      </a:r>
+                      <a:r>
+                        <a:rPr lang="en-US" sz="1100" b="0" i="0" u="none" strike="noStrike" dirty="0" smtClean="0">
+                          <a:solidFill>
+                            <a:srgbClr val="000000"/>
+                          </a:solidFill>
+                          <a:effectLst/>
+                          <a:latin typeface="Calibri"/>
+                        </a:rPr>
+                        <a:t>pre</a:t>
+                      </a:r>
+                      <a:r>
+                        <a:rPr lang="pl-PL" sz="1100" b="0" i="0" u="none" strike="noStrike" dirty="0" smtClean="0">
+                          <a:solidFill>
+                            <a:srgbClr val="000000"/>
+                          </a:solidFill>
+                          <a:effectLst/>
+                          <a:latin typeface="Calibri"/>
+                        </a:rPr>
+                        <a:t>-</a:t>
+                      </a:r>
+                      <a:r>
+                        <a:rPr lang="en-US" sz="1100" b="0" i="0" u="none" strike="noStrike" dirty="0" smtClean="0">
+                          <a:solidFill>
+                            <a:srgbClr val="000000"/>
+                          </a:solidFill>
+                          <a:effectLst/>
+                          <a:latin typeface="Calibri"/>
+                        </a:rPr>
+                        <a:t>allocated </a:t>
+                      </a:r>
+                      <a:r>
+                        <a:rPr lang="en-US" sz="1100" b="0" i="0" u="none" strike="noStrike" dirty="0">
+                          <a:solidFill>
+                            <a:srgbClr val="000000"/>
+                          </a:solidFill>
+                          <a:effectLst/>
+                          <a:latin typeface="Calibri"/>
+                        </a:rPr>
+                        <a:t>and </a:t>
+                      </a:r>
+                      <a:r>
+                        <a:rPr lang="pl-PL" sz="1100" b="0" i="0" u="none" strike="noStrike" dirty="0" smtClean="0">
+                          <a:solidFill>
+                            <a:srgbClr val="000000"/>
+                          </a:solidFill>
+                          <a:effectLst/>
+                          <a:latin typeface="Calibri"/>
+                        </a:rPr>
+                        <a:t>pre-</a:t>
+                      </a:r>
+                      <a:r>
+                        <a:rPr lang="en-US" sz="1100" b="0" i="0" u="none" strike="noStrike" dirty="0" smtClean="0">
+                          <a:solidFill>
+                            <a:srgbClr val="000000"/>
+                          </a:solidFill>
+                          <a:effectLst/>
+                          <a:latin typeface="Calibri"/>
+                        </a:rPr>
+                        <a:t>generated </a:t>
+                      </a:r>
+                      <a:r>
+                        <a:rPr lang="en-US" sz="1100" b="0" i="0" u="none" strike="noStrike" dirty="0">
+                          <a:solidFill>
+                            <a:srgbClr val="000000"/>
+                          </a:solidFill>
+                          <a:effectLst/>
+                          <a:latin typeface="Calibri"/>
+                        </a:rPr>
+                        <a:t>by GPU</a:t>
+                      </a:r>
+                    </a:p>
+                  </a:txBody>
+                  <a:tcPr marL="9525" marR="9525" marT="9525" marB="0" anchor="ctr">
+                    <a:lnL w="6350" cap="flat" cmpd="sng" algn="ctr">
+                      <a:solidFill>
+                        <a:srgbClr val="000000"/>
+                      </a:solidFill>
+                      <a:prstDash val="solid"/>
+                      <a:round/>
+                      <a:headEnd type="none" w="med" len="med"/>
+                      <a:tailEnd type="none" w="med" len="med"/>
+                    </a:lnL>
+                    <a:lnR w="3175" cap="flat" cmpd="sng" algn="ctr">
+                      <a:solidFill>
+                        <a:schemeClr val="tx1"/>
+                      </a:solidFill>
+                      <a:prstDash val="solid"/>
+                      <a:round/>
+                      <a:headEnd type="none" w="med" len="med"/>
+                      <a:tailEnd type="none" w="med" len="med"/>
+                    </a:lnR>
+                    <a:lnT>
+                      <a:noFill/>
+                    </a:lnT>
+                    <a:lnB>
+                      <a:noFill/>
+                    </a:lnB>
+                  </a:tcPr>
+                </a:tc>
+                <a:tc>
+                  <a:txBody>
+                    <a:bodyPr/>
+                    <a:lstStyle/>
+                    <a:p>
+                      <a:pPr algn="ctr" fontAlgn="ctr"/>
+                      <a:r>
+                        <a:rPr lang="pl-PL" sz="1100" b="0" i="0" u="none" strike="noStrike" dirty="0">
+                          <a:solidFill>
+                            <a:srgbClr val="000000"/>
+                          </a:solidFill>
+                          <a:effectLst/>
+                          <a:latin typeface="Calibri"/>
+                        </a:rPr>
+                        <a:t>189</a:t>
+                      </a:r>
+                    </a:p>
+                  </a:txBody>
+                  <a:tcPr marL="9525" marR="9525" marT="9525" marB="0" anchor="ctr">
+                    <a:lnL w="3175" cap="flat" cmpd="sng" algn="ctr">
+                      <a:solidFill>
+                        <a:schemeClr val="tx1"/>
+                      </a:solidFill>
+                      <a:prstDash val="solid"/>
+                      <a:round/>
+                      <a:headEnd type="none" w="med" len="med"/>
+                      <a:tailEnd type="none" w="med" len="med"/>
+                    </a:lnL>
+                    <a:lnR w="3175" cap="flat" cmpd="sng" algn="ctr">
+                      <a:solidFill>
+                        <a:schemeClr val="tx1"/>
+                      </a:solidFill>
+                      <a:prstDash val="solid"/>
+                      <a:round/>
+                      <a:headEnd type="none" w="med" len="med"/>
+                      <a:tailEnd type="none" w="med" len="med"/>
+                    </a:lnR>
+                    <a:lnT>
+                      <a:noFill/>
+                    </a:lnT>
+                    <a:lnB>
+                      <a:noFill/>
+                    </a:lnB>
+                  </a:tcPr>
+                </a:tc>
+                <a:tc>
+                  <a:txBody>
+                    <a:bodyPr/>
+                    <a:lstStyle/>
+                    <a:p>
+                      <a:pPr algn="ctr" fontAlgn="ctr"/>
+                      <a:r>
+                        <a:rPr lang="pl-PL" sz="1100" b="0" i="0" u="none" strike="noStrike">
+                          <a:solidFill>
+                            <a:srgbClr val="000000"/>
+                          </a:solidFill>
+                          <a:effectLst/>
+                          <a:latin typeface="Calibri"/>
+                        </a:rPr>
+                        <a:t>4.5253</a:t>
+                      </a:r>
+                    </a:p>
+                  </a:txBody>
+                  <a:tcPr marL="9525" marR="9525" marT="9525" marB="0" anchor="ctr">
+                    <a:lnL w="3175" cap="flat" cmpd="sng" algn="ctr">
+                      <a:solidFill>
+                        <a:schemeClr val="tx1"/>
+                      </a:solidFill>
+                      <a:prstDash val="solid"/>
+                      <a:round/>
+                      <a:headEnd type="none" w="med" len="med"/>
+                      <a:tailEnd type="none" w="med" len="med"/>
+                    </a:lnL>
+                    <a:lnR>
+                      <a:noFill/>
+                    </a:lnR>
+                    <a:lnT>
+                      <a:noFill/>
+                    </a:lnT>
+                    <a:lnB>
+                      <a:noFill/>
+                    </a:lnB>
+                  </a:tcPr>
+                </a:tc>
+                <a:tc>
+                  <a:txBody>
+                    <a:bodyPr/>
+                    <a:lstStyle/>
+                    <a:p>
+                      <a:pPr algn="ctr" fontAlgn="ctr"/>
+                      <a:r>
+                        <a:rPr lang="pl-PL" sz="1100" b="0" i="0" u="none" strike="noStrike" dirty="0">
+                          <a:solidFill>
+                            <a:srgbClr val="000000"/>
+                          </a:solidFill>
+                          <a:effectLst/>
+                          <a:latin typeface="Calibri"/>
+                        </a:rPr>
+                        <a:t>3.4557</a:t>
+                      </a:r>
+                    </a:p>
+                  </a:txBody>
+                  <a:tcPr marL="9525" marR="9525" marT="9525" marB="0" anchor="ctr">
+                    <a:lnL>
+                      <a:noFill/>
+                    </a:lnL>
+                    <a:lnR>
+                      <a:noFill/>
+                    </a:lnR>
+                    <a:lnT>
+                      <a:noFill/>
+                    </a:lnT>
+                    <a:lnB>
+                      <a:noFill/>
+                    </a:lnB>
+                  </a:tcPr>
+                </a:tc>
+                <a:tc>
+                  <a:txBody>
+                    <a:bodyPr/>
+                    <a:lstStyle/>
+                    <a:p>
+                      <a:pPr algn="ctr" fontAlgn="ctr"/>
+                      <a:r>
+                        <a:rPr lang="pl-PL" sz="1100" b="0" i="0" u="none" strike="noStrike">
+                          <a:solidFill>
+                            <a:srgbClr val="000000"/>
+                          </a:solidFill>
+                          <a:effectLst/>
+                          <a:latin typeface="Calibri"/>
+                        </a:rPr>
+                        <a:t>0.0049</a:t>
+                      </a:r>
+                    </a:p>
+                  </a:txBody>
+                  <a:tcPr marL="9525" marR="9525" marT="9525" marB="0" anchor="ctr">
+                    <a:lnL>
+                      <a:noFill/>
+                    </a:lnL>
+                    <a:lnR>
+                      <a:noFill/>
+                    </a:lnR>
+                    <a:lnT>
+                      <a:noFill/>
+                    </a:lnT>
+                    <a:lnB>
+                      <a:noFill/>
+                    </a:lnB>
+                  </a:tcPr>
+                </a:tc>
+                <a:tc>
+                  <a:txBody>
+                    <a:bodyPr/>
+                    <a:lstStyle/>
+                    <a:p>
+                      <a:pPr algn="ctr" fontAlgn="ctr"/>
+                      <a:r>
+                        <a:rPr lang="pl-PL" sz="1100" b="0" i="0" u="none" strike="noStrike">
+                          <a:solidFill>
+                            <a:srgbClr val="000000"/>
+                          </a:solidFill>
+                          <a:effectLst/>
+                          <a:latin typeface="Calibri"/>
+                        </a:rPr>
+                        <a:t>0.0038</a:t>
+                      </a:r>
+                    </a:p>
+                  </a:txBody>
+                  <a:tcPr marL="9525" marR="9525" marT="9525" marB="0" anchor="ctr">
+                    <a:lnL>
+                      <a:noFill/>
+                    </a:lnL>
+                    <a:lnR w="6350" cap="flat" cmpd="sng" algn="ctr">
+                      <a:solidFill>
+                        <a:srgbClr val="000000"/>
+                      </a:solidFill>
+                      <a:prstDash val="solid"/>
+                      <a:round/>
+                      <a:headEnd type="none" w="med" len="med"/>
+                      <a:tailEnd type="none" w="med" len="med"/>
+                    </a:lnR>
+                    <a:lnT>
+                      <a:noFill/>
+                    </a:lnT>
+                    <a:lnB>
+                      <a:noFill/>
+                    </a:lnB>
+                  </a:tcPr>
+                </a:tc>
+              </a:tr>
+              <a:tr h="259498">
+                <a:tc>
+                  <a:txBody>
+                    <a:bodyPr/>
+                    <a:lstStyle/>
+                    <a:p>
+                      <a:pPr algn="ctr" fontAlgn="ctr"/>
+                      <a:r>
+                        <a:rPr lang="pl-PL" sz="1100" b="0" i="0" u="none" strike="noStrike" dirty="0" smtClean="0">
+                          <a:solidFill>
+                            <a:srgbClr val="000000"/>
+                          </a:solidFill>
+                          <a:effectLst/>
+                          <a:latin typeface="Calibri"/>
+                        </a:rPr>
+                        <a:t>GPU,</a:t>
+                      </a:r>
+                      <a:r>
+                        <a:rPr lang="pl-PL" sz="1100" b="0" i="0" u="none" strike="noStrike" baseline="0" dirty="0" smtClean="0">
+                          <a:solidFill>
+                            <a:srgbClr val="000000"/>
+                          </a:solidFill>
+                          <a:effectLst/>
+                          <a:latin typeface="Calibri"/>
+                        </a:rPr>
+                        <a:t> </a:t>
+                      </a:r>
+                      <a:r>
+                        <a:rPr lang="pl-PL" sz="1100" b="0" i="0" u="none" strike="noStrike" dirty="0" smtClean="0">
+                          <a:solidFill>
+                            <a:srgbClr val="000000"/>
+                          </a:solidFill>
+                          <a:effectLst/>
+                          <a:latin typeface="Calibri"/>
+                        </a:rPr>
+                        <a:t>C++</a:t>
+                      </a:r>
+                      <a:endParaRPr lang="pl-PL" sz="1100" b="0" i="0" u="none" strike="noStrike" dirty="0">
+                        <a:solidFill>
+                          <a:srgbClr val="000000"/>
+                        </a:solidFill>
+                        <a:effectLst/>
+                        <a:latin typeface="Calibri"/>
+                      </a:endParaRPr>
+                    </a:p>
+                  </a:txBody>
+                  <a:tcPr marL="9525" marR="9525" marT="9525" marB="0" anchor="ctr">
+                    <a:lnL w="6350" cap="flat" cmpd="sng" algn="ctr">
+                      <a:solidFill>
+                        <a:srgbClr val="000000"/>
+                      </a:solidFill>
+                      <a:prstDash val="solid"/>
+                      <a:round/>
+                      <a:headEnd type="none" w="med" len="med"/>
+                      <a:tailEnd type="none" w="med" len="med"/>
+                    </a:lnL>
+                    <a:lnR w="3175" cap="flat" cmpd="sng" algn="ctr">
+                      <a:solidFill>
+                        <a:schemeClr val="tx1"/>
+                      </a:solidFill>
+                      <a:prstDash val="solid"/>
+                      <a:round/>
+                      <a:headEnd type="none" w="med" len="med"/>
+                      <a:tailEnd type="none" w="med" len="med"/>
+                    </a:lnR>
+                    <a:lnT>
+                      <a:noFill/>
+                    </a:lnT>
+                    <a:lnB w="6350" cap="flat" cmpd="sng" algn="ctr">
+                      <a:solidFill>
+                        <a:srgbClr val="000000"/>
+                      </a:solidFill>
+                      <a:prstDash val="solid"/>
+                      <a:round/>
+                      <a:headEnd type="none" w="med" len="med"/>
+                      <a:tailEnd type="none" w="med" len="med"/>
+                    </a:lnB>
+                  </a:tcPr>
+                </a:tc>
+                <a:tc>
+                  <a:txBody>
+                    <a:bodyPr/>
+                    <a:lstStyle/>
+                    <a:p>
+                      <a:pPr algn="ctr" fontAlgn="ctr"/>
+                      <a:r>
+                        <a:rPr lang="pl-PL" sz="1100" b="0" i="0" u="none" strike="noStrike" dirty="0">
+                          <a:solidFill>
+                            <a:srgbClr val="000000"/>
+                          </a:solidFill>
+                          <a:effectLst/>
+                          <a:latin typeface="Calibri"/>
+                        </a:rPr>
+                        <a:t>63</a:t>
+                      </a:r>
+                    </a:p>
+                  </a:txBody>
+                  <a:tcPr marL="9525" marR="9525" marT="9525" marB="0" anchor="ctr">
+                    <a:lnL w="3175" cap="flat" cmpd="sng" algn="ctr">
+                      <a:solidFill>
+                        <a:schemeClr val="tx1"/>
+                      </a:solidFill>
+                      <a:prstDash val="solid"/>
+                      <a:round/>
+                      <a:headEnd type="none" w="med" len="med"/>
+                      <a:tailEnd type="none" w="med" len="med"/>
+                    </a:lnL>
+                    <a:lnR w="3175" cap="flat" cmpd="sng" algn="ctr">
+                      <a:solidFill>
+                        <a:schemeClr val="tx1"/>
+                      </a:solidFill>
+                      <a:prstDash val="solid"/>
+                      <a:round/>
+                      <a:headEnd type="none" w="med" len="med"/>
+                      <a:tailEnd type="none" w="med" len="med"/>
+                    </a:lnR>
+                    <a:lnT>
+                      <a:noFill/>
+                    </a:lnT>
+                    <a:lnB w="3175" cap="flat" cmpd="sng" algn="ctr">
+                      <a:solidFill>
+                        <a:schemeClr val="tx1"/>
+                      </a:solidFill>
+                      <a:prstDash val="solid"/>
+                      <a:round/>
+                      <a:headEnd type="none" w="med" len="med"/>
+                      <a:tailEnd type="none" w="med" len="med"/>
+                    </a:lnB>
+                    <a:solidFill>
+                      <a:srgbClr val="92D050"/>
+                    </a:solidFill>
+                  </a:tcPr>
+                </a:tc>
+                <a:tc>
+                  <a:txBody>
+                    <a:bodyPr/>
+                    <a:lstStyle/>
+                    <a:p>
+                      <a:pPr algn="ctr" fontAlgn="ctr"/>
+                      <a:r>
+                        <a:rPr lang="pl-PL" sz="1100" b="0" i="0" u="none" strike="noStrike" dirty="0">
+                          <a:solidFill>
+                            <a:srgbClr val="000000"/>
+                          </a:solidFill>
+                          <a:effectLst/>
+                          <a:latin typeface="Calibri"/>
+                        </a:rPr>
+                        <a:t>4.5253</a:t>
+                      </a:r>
+                    </a:p>
+                  </a:txBody>
+                  <a:tcPr marL="9525" marR="9525" marT="9525" marB="0" anchor="ctr">
+                    <a:lnL w="3175" cap="flat" cmpd="sng" algn="ctr">
+                      <a:solidFill>
+                        <a:schemeClr val="tx1"/>
+                      </a:solidFill>
+                      <a:prstDash val="solid"/>
+                      <a:round/>
+                      <a:headEnd type="none" w="med" len="med"/>
+                      <a:tailEnd type="none" w="med" len="med"/>
+                    </a:lnL>
+                    <a:lnR>
+                      <a:noFill/>
+                    </a:lnR>
+                    <a:lnT>
+                      <a:noFill/>
+                    </a:lnT>
+                    <a:lnB w="6350" cap="flat" cmpd="sng" algn="ctr">
+                      <a:solidFill>
+                        <a:srgbClr val="000000"/>
+                      </a:solidFill>
+                      <a:prstDash val="solid"/>
+                      <a:round/>
+                      <a:headEnd type="none" w="med" len="med"/>
+                      <a:tailEnd type="none" w="med" len="med"/>
+                    </a:lnB>
+                  </a:tcPr>
+                </a:tc>
+                <a:tc>
+                  <a:txBody>
+                    <a:bodyPr/>
+                    <a:lstStyle/>
+                    <a:p>
+                      <a:pPr algn="ctr" fontAlgn="ctr"/>
+                      <a:r>
+                        <a:rPr lang="pl-PL" sz="1100" b="0" i="0" u="none" strike="noStrike">
+                          <a:solidFill>
+                            <a:srgbClr val="000000"/>
+                          </a:solidFill>
+                          <a:effectLst/>
+                          <a:latin typeface="Calibri"/>
+                        </a:rPr>
+                        <a:t>3.4557</a:t>
+                      </a:r>
+                    </a:p>
+                  </a:txBody>
+                  <a:tcPr marL="9525" marR="9525" marT="9525" marB="0" anchor="ctr">
+                    <a:lnL>
+                      <a:noFill/>
+                    </a:lnL>
+                    <a:lnR>
+                      <a:noFill/>
+                    </a:lnR>
+                    <a:lnT>
+                      <a:noFill/>
+                    </a:lnT>
+                    <a:lnB w="6350" cap="flat" cmpd="sng" algn="ctr">
+                      <a:solidFill>
+                        <a:srgbClr val="000000"/>
+                      </a:solidFill>
+                      <a:prstDash val="solid"/>
+                      <a:round/>
+                      <a:headEnd type="none" w="med" len="med"/>
+                      <a:tailEnd type="none" w="med" len="med"/>
+                    </a:lnB>
+                  </a:tcPr>
+                </a:tc>
+                <a:tc>
+                  <a:txBody>
+                    <a:bodyPr/>
+                    <a:lstStyle/>
+                    <a:p>
+                      <a:pPr algn="ctr" fontAlgn="ctr"/>
+                      <a:r>
+                        <a:rPr lang="pl-PL" sz="1100" b="0" i="0" u="none" strike="noStrike" dirty="0">
+                          <a:solidFill>
+                            <a:srgbClr val="000000"/>
+                          </a:solidFill>
+                          <a:effectLst/>
+                          <a:latin typeface="Calibri"/>
+                        </a:rPr>
+                        <a:t>0.0049</a:t>
+                      </a:r>
+                    </a:p>
+                  </a:txBody>
+                  <a:tcPr marL="9525" marR="9525" marT="9525" marB="0" anchor="ctr">
+                    <a:lnL>
+                      <a:noFill/>
+                    </a:lnL>
+                    <a:lnR>
+                      <a:noFill/>
+                    </a:lnR>
+                    <a:lnT>
+                      <a:noFill/>
+                    </a:lnT>
+                    <a:lnB w="6350" cap="flat" cmpd="sng" algn="ctr">
+                      <a:solidFill>
+                        <a:srgbClr val="000000"/>
+                      </a:solidFill>
+                      <a:prstDash val="solid"/>
+                      <a:round/>
+                      <a:headEnd type="none" w="med" len="med"/>
+                      <a:tailEnd type="none" w="med" len="med"/>
+                    </a:lnB>
+                  </a:tcPr>
+                </a:tc>
+                <a:tc>
+                  <a:txBody>
+                    <a:bodyPr/>
+                    <a:lstStyle/>
+                    <a:p>
+                      <a:pPr algn="ctr" fontAlgn="ctr"/>
+                      <a:r>
+                        <a:rPr lang="pl-PL" sz="1100" b="0" i="0" u="none" strike="noStrike" dirty="0">
+                          <a:solidFill>
+                            <a:srgbClr val="000000"/>
+                          </a:solidFill>
+                          <a:effectLst/>
+                          <a:latin typeface="Calibri"/>
+                        </a:rPr>
+                        <a:t>0.0038</a:t>
+                      </a:r>
+                    </a:p>
+                  </a:txBody>
+                  <a:tcPr marL="9525" marR="9525" marT="9525" marB="0" anchor="ctr">
+                    <a:lnL>
+                      <a:noFill/>
+                    </a:lnL>
+                    <a:lnR w="6350" cap="flat" cmpd="sng" algn="ctr">
+                      <a:solidFill>
+                        <a:srgbClr val="000000"/>
+                      </a:solidFill>
+                      <a:prstDash val="solid"/>
+                      <a:round/>
+                      <a:headEnd type="none" w="med" len="med"/>
+                      <a:tailEnd type="none" w="med" len="med"/>
+                    </a:lnR>
+                    <a:lnT>
+                      <a:noFill/>
+                    </a:lnT>
+                    <a:lnB w="6350" cap="flat" cmpd="sng" algn="ctr">
+                      <a:solidFill>
+                        <a:srgbClr val="000000"/>
+                      </a:solidFill>
+                      <a:prstDash val="solid"/>
+                      <a:round/>
+                      <a:headEnd type="none" w="med" len="med"/>
+                      <a:tailEnd type="none" w="med" len="med"/>
+                    </a:lnB>
+                  </a:tcPr>
+                </a:tc>
+              </a:tr>
+            </a:tbl>
+          </a:graphicData>
+        </a:graphic>
+      </p:graphicFrame>
+      <p:graphicFrame>
+        <p:nvGraphicFramePr>
+          <p:cNvPr id="10" name="Content Placeholder 9"/>
+          <p:cNvGraphicFramePr>
+            <a:graphicFrameLocks noGrp="1"/>
+          </p:cNvGraphicFramePr>
+          <p:nvPr>
+            <p:ph sz="quarter" idx="4"/>
+            <p:extLst>
+              <p:ext uri="{D42A27DB-BD31-4B8C-83A1-F6EECF244321}">
+                <p14:modId xmlns:p14="http://schemas.microsoft.com/office/powerpoint/2010/main" val="2743238590"/>
+              </p:ext>
+            </p:extLst>
+          </p:nvPr>
+        </p:nvGraphicFramePr>
+        <p:xfrm>
+          <a:off x="1434393" y="2392146"/>
+          <a:ext cx="1790700" cy="1333500"/>
+        </p:xfrm>
+        <a:graphic>
+          <a:graphicData uri="http://schemas.openxmlformats.org/drawingml/2006/table">
+            <a:tbl>
+              <a:tblPr/>
+              <a:tblGrid>
+                <a:gridCol w="1181100"/>
+                <a:gridCol w="609600"/>
+              </a:tblGrid>
+              <a:tr h="190500">
+                <a:tc>
+                  <a:txBody>
+                    <a:bodyPr/>
+                    <a:lstStyle/>
+                    <a:p>
+                      <a:pPr algn="l" fontAlgn="b"/>
+                      <a:r>
+                        <a:rPr lang="pl-PL" sz="1100" b="0" i="0" u="none" strike="noStrike">
+                          <a:solidFill>
+                            <a:srgbClr val="000000"/>
+                          </a:solidFill>
+                          <a:effectLst/>
+                          <a:latin typeface="Calibri"/>
+                        </a:rPr>
+                        <a:t>Spot Price</a:t>
+                      </a:r>
+                    </a:p>
+                  </a:txBody>
+                  <a:tcPr marL="9525" marR="9525" marT="9525" marB="0" anchor="b">
+                    <a:lnL>
+                      <a:noFill/>
+                    </a:lnL>
+                    <a:lnR>
+                      <a:noFill/>
+                    </a:lnR>
+                    <a:lnT>
+                      <a:noFill/>
+                    </a:lnT>
+                    <a:lnB>
+                      <a:noFill/>
+                    </a:lnB>
+                  </a:tcPr>
+                </a:tc>
+                <a:tc>
+                  <a:txBody>
+                    <a:bodyPr/>
+                    <a:lstStyle/>
+                    <a:p>
+                      <a:pPr algn="r" fontAlgn="b"/>
+                      <a:r>
+                        <a:rPr lang="pl-PL" sz="1100" b="0" i="0" u="none" strike="noStrike">
+                          <a:solidFill>
+                            <a:srgbClr val="000000"/>
+                          </a:solidFill>
+                          <a:effectLst/>
+                          <a:latin typeface="Calibri"/>
+                        </a:rPr>
+                        <a:t>100</a:t>
+                      </a:r>
+                    </a:p>
+                  </a:txBody>
+                  <a:tcPr marL="9525" marR="9525" marT="9525" marB="0" anchor="b">
+                    <a:lnL>
+                      <a:noFill/>
+                    </a:lnL>
+                    <a:lnR>
+                      <a:noFill/>
+                    </a:lnR>
+                    <a:lnT>
+                      <a:noFill/>
+                    </a:lnT>
+                    <a:lnB>
+                      <a:noFill/>
+                    </a:lnB>
+                  </a:tcPr>
+                </a:tc>
+              </a:tr>
+              <a:tr h="190500">
+                <a:tc>
+                  <a:txBody>
+                    <a:bodyPr/>
+                    <a:lstStyle/>
+                    <a:p>
+                      <a:pPr algn="l" fontAlgn="b"/>
+                      <a:r>
+                        <a:rPr lang="pl-PL" sz="1100" b="0" i="0" u="none" strike="noStrike">
+                          <a:solidFill>
+                            <a:srgbClr val="000000"/>
+                          </a:solidFill>
+                          <a:effectLst/>
+                          <a:latin typeface="Calibri"/>
+                        </a:rPr>
+                        <a:t>Strike</a:t>
+                      </a:r>
+                    </a:p>
+                  </a:txBody>
+                  <a:tcPr marL="9525" marR="9525" marT="9525" marB="0" anchor="b">
+                    <a:lnL>
+                      <a:noFill/>
+                    </a:lnL>
+                    <a:lnR>
+                      <a:noFill/>
+                    </a:lnR>
+                    <a:lnT>
+                      <a:noFill/>
+                    </a:lnT>
+                    <a:lnB>
+                      <a:noFill/>
+                    </a:lnB>
+                  </a:tcPr>
+                </a:tc>
+                <a:tc>
+                  <a:txBody>
+                    <a:bodyPr/>
+                    <a:lstStyle/>
+                    <a:p>
+                      <a:pPr algn="r" fontAlgn="b"/>
+                      <a:r>
+                        <a:rPr lang="pl-PL" sz="1100" b="0" i="0" u="none" strike="noStrike">
+                          <a:solidFill>
+                            <a:srgbClr val="000000"/>
+                          </a:solidFill>
+                          <a:effectLst/>
+                          <a:latin typeface="Calibri"/>
+                        </a:rPr>
+                        <a:t>104</a:t>
+                      </a:r>
+                    </a:p>
+                  </a:txBody>
+                  <a:tcPr marL="9525" marR="9525" marT="9525" marB="0" anchor="b">
+                    <a:lnL>
+                      <a:noFill/>
+                    </a:lnL>
+                    <a:lnR>
+                      <a:noFill/>
+                    </a:lnR>
+                    <a:lnT>
+                      <a:noFill/>
+                    </a:lnT>
+                    <a:lnB>
+                      <a:noFill/>
+                    </a:lnB>
+                  </a:tcPr>
+                </a:tc>
+              </a:tr>
+              <a:tr h="190500">
+                <a:tc>
+                  <a:txBody>
+                    <a:bodyPr/>
+                    <a:lstStyle/>
+                    <a:p>
+                      <a:pPr algn="l" fontAlgn="b"/>
+                      <a:r>
+                        <a:rPr lang="pl-PL" sz="1100" b="0" i="0" u="none" strike="noStrike">
+                          <a:solidFill>
+                            <a:srgbClr val="000000"/>
+                          </a:solidFill>
+                          <a:effectLst/>
+                          <a:latin typeface="Calibri"/>
+                        </a:rPr>
+                        <a:t>Volatility</a:t>
+                      </a:r>
+                    </a:p>
+                  </a:txBody>
+                  <a:tcPr marL="9525" marR="9525" marT="9525" marB="0" anchor="b">
+                    <a:lnL>
+                      <a:noFill/>
+                    </a:lnL>
+                    <a:lnR>
+                      <a:noFill/>
+                    </a:lnR>
+                    <a:lnT>
+                      <a:noFill/>
+                    </a:lnT>
+                    <a:lnB>
+                      <a:noFill/>
+                    </a:lnB>
+                  </a:tcPr>
+                </a:tc>
+                <a:tc>
+                  <a:txBody>
+                    <a:bodyPr/>
+                    <a:lstStyle/>
+                    <a:p>
+                      <a:pPr algn="r" fontAlgn="b"/>
+                      <a:r>
+                        <a:rPr lang="pl-PL" sz="1100" b="0" i="0" u="none" strike="noStrike">
+                          <a:solidFill>
+                            <a:srgbClr val="000000"/>
+                          </a:solidFill>
+                          <a:effectLst/>
+                          <a:latin typeface="Calibri"/>
+                        </a:rPr>
+                        <a:t>0,1</a:t>
+                      </a:r>
+                    </a:p>
+                  </a:txBody>
+                  <a:tcPr marL="9525" marR="9525" marT="9525" marB="0" anchor="b">
+                    <a:lnL>
+                      <a:noFill/>
+                    </a:lnL>
+                    <a:lnR>
+                      <a:noFill/>
+                    </a:lnR>
+                    <a:lnT>
+                      <a:noFill/>
+                    </a:lnT>
+                    <a:lnB>
+                      <a:noFill/>
+                    </a:lnB>
+                  </a:tcPr>
+                </a:tc>
+              </a:tr>
+              <a:tr h="190500">
+                <a:tc>
+                  <a:txBody>
+                    <a:bodyPr/>
+                    <a:lstStyle/>
+                    <a:p>
+                      <a:pPr algn="l" fontAlgn="b"/>
+                      <a:r>
+                        <a:rPr lang="pl-PL" sz="1100" b="0" i="0" u="none" strike="noStrike">
+                          <a:solidFill>
+                            <a:srgbClr val="000000"/>
+                          </a:solidFill>
+                          <a:effectLst/>
+                          <a:latin typeface="Calibri"/>
+                        </a:rPr>
+                        <a:t>Risk free rate</a:t>
+                      </a:r>
+                    </a:p>
+                  </a:txBody>
+                  <a:tcPr marL="9525" marR="9525" marT="9525" marB="0" anchor="b">
+                    <a:lnL>
+                      <a:noFill/>
+                    </a:lnL>
+                    <a:lnR>
+                      <a:noFill/>
+                    </a:lnR>
+                    <a:lnT>
+                      <a:noFill/>
+                    </a:lnT>
+                    <a:lnB>
+                      <a:noFill/>
+                    </a:lnB>
+                  </a:tcPr>
+                </a:tc>
+                <a:tc>
+                  <a:txBody>
+                    <a:bodyPr/>
+                    <a:lstStyle/>
+                    <a:p>
+                      <a:pPr algn="r" fontAlgn="b"/>
+                      <a:r>
+                        <a:rPr lang="pl-PL" sz="1100" b="0" i="0" u="none" strike="noStrike">
+                          <a:solidFill>
+                            <a:srgbClr val="000000"/>
+                          </a:solidFill>
+                          <a:effectLst/>
+                          <a:latin typeface="Calibri"/>
+                        </a:rPr>
+                        <a:t>0,05</a:t>
+                      </a:r>
+                    </a:p>
+                  </a:txBody>
+                  <a:tcPr marL="9525" marR="9525" marT="9525" marB="0" anchor="b">
+                    <a:lnL>
+                      <a:noFill/>
+                    </a:lnL>
+                    <a:lnR>
+                      <a:noFill/>
+                    </a:lnR>
+                    <a:lnT>
+                      <a:noFill/>
+                    </a:lnT>
+                    <a:lnB>
+                      <a:noFill/>
+                    </a:lnB>
+                  </a:tcPr>
+                </a:tc>
+              </a:tr>
+              <a:tr h="190500">
+                <a:tc>
+                  <a:txBody>
+                    <a:bodyPr/>
+                    <a:lstStyle/>
+                    <a:p>
+                      <a:pPr algn="l" fontAlgn="b"/>
+                      <a:r>
+                        <a:rPr lang="pl-PL" sz="1100" b="0" i="0" u="none" strike="noStrike">
+                          <a:solidFill>
+                            <a:srgbClr val="000000"/>
+                          </a:solidFill>
+                          <a:effectLst/>
+                          <a:latin typeface="Calibri"/>
+                        </a:rPr>
+                        <a:t>Option Maturity</a:t>
+                      </a:r>
+                    </a:p>
+                  </a:txBody>
+                  <a:tcPr marL="9525" marR="9525" marT="9525" marB="0" anchor="b">
+                    <a:lnL>
+                      <a:noFill/>
+                    </a:lnL>
+                    <a:lnR>
+                      <a:noFill/>
+                    </a:lnR>
+                    <a:lnT>
+                      <a:noFill/>
+                    </a:lnT>
+                    <a:lnB>
+                      <a:noFill/>
+                    </a:lnB>
+                  </a:tcPr>
+                </a:tc>
+                <a:tc>
+                  <a:txBody>
+                    <a:bodyPr/>
+                    <a:lstStyle/>
+                    <a:p>
+                      <a:pPr algn="r" fontAlgn="b"/>
+                      <a:r>
+                        <a:rPr lang="pl-PL" sz="1100" b="0" i="0" u="none" strike="noStrike">
+                          <a:solidFill>
+                            <a:srgbClr val="000000"/>
+                          </a:solidFill>
+                          <a:effectLst/>
+                          <a:latin typeface="Calibri"/>
+                        </a:rPr>
+                        <a:t>1</a:t>
+                      </a:r>
+                    </a:p>
+                  </a:txBody>
+                  <a:tcPr marL="9525" marR="9525" marT="9525" marB="0" anchor="b">
+                    <a:lnL>
+                      <a:noFill/>
+                    </a:lnL>
+                    <a:lnR>
+                      <a:noFill/>
+                    </a:lnR>
+                    <a:lnT>
+                      <a:noFill/>
+                    </a:lnT>
+                    <a:lnB>
+                      <a:noFill/>
+                    </a:lnB>
+                  </a:tcPr>
+                </a:tc>
+              </a:tr>
+              <a:tr h="190500">
+                <a:tc>
+                  <a:txBody>
+                    <a:bodyPr/>
+                    <a:lstStyle/>
+                    <a:p>
+                      <a:pPr algn="l" fontAlgn="b"/>
+                      <a:r>
+                        <a:rPr lang="pl-PL" sz="1100" b="0" i="0" u="none" strike="noStrike">
+                          <a:solidFill>
+                            <a:srgbClr val="000000"/>
+                          </a:solidFill>
+                          <a:effectLst/>
+                          <a:latin typeface="Calibri"/>
+                        </a:rPr>
+                        <a:t>TimeSteps</a:t>
+                      </a:r>
+                    </a:p>
+                  </a:txBody>
+                  <a:tcPr marL="9525" marR="9525" marT="9525" marB="0" anchor="b">
+                    <a:lnL>
+                      <a:noFill/>
+                    </a:lnL>
+                    <a:lnR>
+                      <a:noFill/>
+                    </a:lnR>
+                    <a:lnT>
+                      <a:noFill/>
+                    </a:lnT>
+                    <a:lnB>
+                      <a:noFill/>
+                    </a:lnB>
+                  </a:tcPr>
+                </a:tc>
+                <a:tc>
+                  <a:txBody>
+                    <a:bodyPr/>
+                    <a:lstStyle/>
+                    <a:p>
+                      <a:pPr algn="r" fontAlgn="b"/>
+                      <a:r>
+                        <a:rPr lang="pl-PL" sz="1100" b="0" i="0" u="none" strike="noStrike">
+                          <a:solidFill>
+                            <a:srgbClr val="000000"/>
+                          </a:solidFill>
+                          <a:effectLst/>
+                          <a:latin typeface="Calibri"/>
+                        </a:rPr>
+                        <a:t>1</a:t>
+                      </a:r>
+                    </a:p>
+                  </a:txBody>
+                  <a:tcPr marL="9525" marR="9525" marT="9525" marB="0" anchor="b">
+                    <a:lnL>
+                      <a:noFill/>
+                    </a:lnL>
+                    <a:lnR>
+                      <a:noFill/>
+                    </a:lnR>
+                    <a:lnT>
+                      <a:noFill/>
+                    </a:lnT>
+                    <a:lnB>
+                      <a:noFill/>
+                    </a:lnB>
+                  </a:tcPr>
+                </a:tc>
+              </a:tr>
+              <a:tr h="190500">
+                <a:tc>
+                  <a:txBody>
+                    <a:bodyPr/>
+                    <a:lstStyle/>
+                    <a:p>
+                      <a:pPr algn="l" fontAlgn="b"/>
+                      <a:r>
+                        <a:rPr lang="pl-PL" sz="1100" b="0" i="0" u="none" strike="noStrike">
+                          <a:solidFill>
+                            <a:srgbClr val="000000"/>
+                          </a:solidFill>
+                          <a:effectLst/>
+                          <a:latin typeface="Calibri"/>
+                        </a:rPr>
+                        <a:t>Number of Paths</a:t>
+                      </a:r>
+                    </a:p>
+                  </a:txBody>
+                  <a:tcPr marL="9525" marR="9525" marT="9525" marB="0" anchor="b">
+                    <a:lnL>
+                      <a:noFill/>
+                    </a:lnL>
+                    <a:lnR>
+                      <a:noFill/>
+                    </a:lnR>
+                    <a:lnT>
+                      <a:noFill/>
+                    </a:lnT>
+                    <a:lnB>
+                      <a:noFill/>
+                    </a:lnB>
+                  </a:tcPr>
+                </a:tc>
+                <a:tc>
+                  <a:txBody>
+                    <a:bodyPr/>
+                    <a:lstStyle/>
+                    <a:p>
+                      <a:pPr algn="r" fontAlgn="b"/>
+                      <a:r>
+                        <a:rPr lang="pl-PL" sz="1100" b="0" i="0" u="none" strike="noStrike" dirty="0">
+                          <a:solidFill>
+                            <a:srgbClr val="000000"/>
+                          </a:solidFill>
+                          <a:effectLst/>
+                          <a:latin typeface="Calibri"/>
+                        </a:rPr>
+                        <a:t>7000000</a:t>
+                      </a:r>
+                    </a:p>
+                  </a:txBody>
+                  <a:tcPr marL="9525" marR="9525" marT="9525" marB="0" anchor="b">
+                    <a:lnL>
+                      <a:noFill/>
+                    </a:lnL>
+                    <a:lnR>
+                      <a:noFill/>
+                    </a:lnR>
+                    <a:lnT>
+                      <a:noFill/>
+                    </a:lnT>
+                    <a:lnB>
+                      <a:noFill/>
+                    </a:lnB>
+                  </a:tcPr>
+                </a:tc>
+              </a:tr>
+            </a:tbl>
+          </a:graphicData>
+        </a:graphic>
+      </p:graphicFrame>
     </p:spTree>
     <p:extLst>
       <p:ext uri="{BB962C8B-B14F-4D97-AF65-F5344CB8AC3E}">
@@ -12868,7 +13722,7 @@
     </a:clrScheme>
     <a:fontScheme name="Office">
       <a:majorFont>
-        <a:latin typeface="Calibri Light" panose="020F0302020204030204"/>
+        <a:latin typeface="Calibri Light"/>
         <a:ea typeface=""/>
         <a:cs typeface=""/>
         <a:font script="Jpan" typeface="ＭＳ Ｐゴシック"/>
@@ -12903,7 +13757,7 @@
         <a:font script="Geor" typeface="Sylfaen"/>
       </a:majorFont>
       <a:minorFont>
-        <a:latin typeface="Calibri" panose="020F0502020204030204"/>
+        <a:latin typeface="Calibri"/>
         <a:ea typeface=""/>
         <a:cs typeface=""/>
         <a:font script="Jpan" typeface="ＭＳ Ｐゴシック"/>
@@ -13080,7 +13934,7 @@
   <a:extraClrSchemeLst/>
   <a:extLst>
     <a:ext uri="{05A4C25C-085E-4340-85A3-A5531E510DB2}">
-      <thm15:themeFamily xmlns:thm15="http://schemas.microsoft.com/office/thememl/2012/main" name="Office Theme" id="{62F939B6-93AF-4DB8-9C6B-D6C7DFDC589F}" vid="{4A3C46E8-61CC-4603-A589-7422A47A8E4A}"/>
+      <thm15:themeFamily xmlns="" xmlns:thm15="http://schemas.microsoft.com/office/thememl/2012/main" name="Office Theme" id="{62F939B6-93AF-4DB8-9C6B-D6C7DFDC589F}" vid="{4A3C46E8-61CC-4603-A589-7422A47A8E4A}"/>
     </a:ext>
   </a:extLst>
 </a:theme>

--- a/masters_defense/gregor75663mgr.pptx
+++ b/masters_defense/gregor75663mgr.pptx
@@ -217,11 +217,11 @@
           <c:showBubbleSize val="0"/>
         </c:dLbls>
         <c:gapWidth val="150"/>
-        <c:axId val="154362624"/>
-        <c:axId val="154364160"/>
+        <c:axId val="106643840"/>
+        <c:axId val="106645376"/>
       </c:barChart>
       <c:catAx>
-        <c:axId val="154362624"/>
+        <c:axId val="106643840"/>
         <c:scaling>
           <c:orientation val="minMax"/>
         </c:scaling>
@@ -243,7 +243,7 @@
             <a:endParaRPr lang="pl-PL"/>
           </a:p>
         </c:txPr>
-        <c:crossAx val="154364160"/>
+        <c:crossAx val="106645376"/>
         <c:crosses val="autoZero"/>
         <c:auto val="1"/>
         <c:lblAlgn val="ctr"/>
@@ -251,7 +251,7 @@
         <c:noMultiLvlLbl val="0"/>
       </c:catAx>
       <c:valAx>
-        <c:axId val="154364160"/>
+        <c:axId val="106645376"/>
         <c:scaling>
           <c:logBase val="10"/>
           <c:orientation val="minMax"/>
@@ -295,7 +295,7 @@
         <c:majorTickMark val="out"/>
         <c:minorTickMark val="none"/>
         <c:tickLblPos val="nextTo"/>
-        <c:crossAx val="154362624"/>
+        <c:crossAx val="106643840"/>
         <c:crosses val="autoZero"/>
         <c:crossBetween val="between"/>
       </c:valAx>
@@ -402,11 +402,11 @@
           <c:showBubbleSize val="0"/>
         </c:dLbls>
         <c:gapWidth val="150"/>
-        <c:axId val="73795840"/>
-        <c:axId val="73822208"/>
+        <c:axId val="106833792"/>
+        <c:axId val="106835328"/>
       </c:barChart>
       <c:catAx>
-        <c:axId val="73795840"/>
+        <c:axId val="106833792"/>
         <c:scaling>
           <c:orientation val="minMax"/>
         </c:scaling>
@@ -428,7 +428,7 @@
             <a:endParaRPr lang="pl-PL"/>
           </a:p>
         </c:txPr>
-        <c:crossAx val="73822208"/>
+        <c:crossAx val="106835328"/>
         <c:crosses val="autoZero"/>
         <c:auto val="1"/>
         <c:lblAlgn val="ctr"/>
@@ -436,7 +436,7 @@
         <c:noMultiLvlLbl val="0"/>
       </c:catAx>
       <c:valAx>
-        <c:axId val="73822208"/>
+        <c:axId val="106835328"/>
         <c:scaling>
           <c:logBase val="10"/>
           <c:orientation val="minMax"/>
@@ -480,7 +480,7 @@
         <c:majorTickMark val="out"/>
         <c:minorTickMark val="none"/>
         <c:tickLblPos val="nextTo"/>
-        <c:crossAx val="73795840"/>
+        <c:crossAx val="106833792"/>
         <c:crosses val="autoZero"/>
         <c:crossBetween val="between"/>
       </c:valAx>
@@ -3814,15 +3814,7 @@
                 <a:ea typeface="+mj-ea"/>
                 <a:cs typeface="Times New Roman" panose="02020603050405020304" pitchFamily="18" charset="0"/>
               </a:rPr>
-              <a:t>Symulacje Monte Carlo z wykorzystaniem CPU oraz </a:t>
-            </a:r>
-            <a:r>
-              <a:rPr lang="pl-PL" sz="1000" dirty="0" smtClean="0">
-                <a:latin typeface="Times New Roman" panose="02020603050405020304" pitchFamily="18" charset="0"/>
-                <a:ea typeface="+mj-ea"/>
-                <a:cs typeface="Times New Roman" panose="02020603050405020304" pitchFamily="18" charset="0"/>
-              </a:rPr>
-              <a:t>GPU, rezultaty</a:t>
+              <a:t>Symulacje Monte Carlo z wykorzystaniem CPU oraz GPU, rezultaty</a:t>
             </a:r>
             <a:endParaRPr lang="pl-PL" sz="1000" dirty="0">
               <a:latin typeface="Times New Roman" panose="02020603050405020304" pitchFamily="18" charset="0"/>
@@ -3834,35 +3826,37 @@
       </p:sp>
       <p:graphicFrame>
         <p:nvGraphicFramePr>
-          <p:cNvPr id="5" name="Table 4"/>
+          <p:cNvPr id="4" name="Content Placeholder 3"/>
           <p:cNvGraphicFramePr>
             <a:graphicFrameLocks noGrp="1"/>
           </p:cNvGraphicFramePr>
           <p:nvPr>
+            <p:ph sz="quarter" idx="4"/>
             <p:extLst>
               <p:ext uri="{D42A27DB-BD31-4B8C-83A1-F6EECF244321}">
-                <p14:modId xmlns:p14="http://schemas.microsoft.com/office/powerpoint/2010/main" val="3856113492"/>
+                <p14:modId xmlns:p14="http://schemas.microsoft.com/office/powerpoint/2010/main" val="233473596"/>
               </p:ext>
             </p:extLst>
           </p:nvPr>
         </p:nvGraphicFramePr>
         <p:xfrm>
-          <a:off x="3461308" y="2632161"/>
-          <a:ext cx="5504409" cy="2705203"/>
+          <a:off x="3281697" y="2803277"/>
+          <a:ext cx="5699018" cy="2126939"/>
         </p:xfrm>
         <a:graphic>
           <a:graphicData uri="http://schemas.openxmlformats.org/drawingml/2006/table">
             <a:tbl>
               <a:tblPr/>
               <a:tblGrid>
-                <a:gridCol w="1427069"/>
-                <a:gridCol w="815468"/>
-                <a:gridCol w="815468"/>
-                <a:gridCol w="815468"/>
-                <a:gridCol w="815468"/>
-                <a:gridCol w="815468"/>
+                <a:gridCol w="1085528"/>
+                <a:gridCol w="620301"/>
+                <a:gridCol w="620301"/>
+                <a:gridCol w="620301"/>
+                <a:gridCol w="620301"/>
+                <a:gridCol w="620301"/>
+                <a:gridCol w="1511985"/>
               </a:tblGrid>
-              <a:tr h="259498">
+              <a:tr h="225073">
                 <a:tc rowSpan="2">
                   <a:txBody>
                     <a:bodyPr/>
@@ -3870,7 +3864,7 @@
                     <a:p>
                       <a:pPr algn="ctr" fontAlgn="ctr"/>
                       <a:r>
-                        <a:rPr lang="pl-PL" sz="1100" b="0" i="0" u="none" strike="noStrike" dirty="0">
+                        <a:rPr lang="pl-PL" sz="1000" b="0" i="0" u="none" strike="noStrike">
                           <a:solidFill>
                             <a:srgbClr val="000000"/>
                           </a:solidFill>
@@ -3881,7 +3875,7 @@
                       </a:r>
                     </a:p>
                   </a:txBody>
-                  <a:tcPr marL="9525" marR="9525" marT="9525" marB="0" anchor="ctr">
+                  <a:tcPr marL="8815" marR="8815" marT="8815" marB="0" anchor="ctr">
                     <a:lnL w="6350" cap="flat" cmpd="sng" algn="ctr">
                       <a:solidFill>
                         <a:srgbClr val="000000"/>
@@ -3927,7 +3921,7 @@
                     <a:p>
                       <a:pPr algn="ctr" fontAlgn="ctr"/>
                       <a:r>
-                        <a:rPr lang="pl-PL" sz="1100" b="0" i="0" u="none" strike="noStrike" dirty="0">
+                        <a:rPr lang="pl-PL" sz="1000" b="0" i="0" u="none" strike="noStrike">
                           <a:solidFill>
                             <a:srgbClr val="000000"/>
                           </a:solidFill>
@@ -3938,7 +3932,7 @@
                       </a:r>
                     </a:p>
                   </a:txBody>
-                  <a:tcPr marL="9525" marR="9525" marT="9525" marB="0" anchor="ctr">
+                  <a:tcPr marL="8815" marR="8815" marT="8815" marB="0" anchor="ctr">
                     <a:lnL w="6350" cap="flat" cmpd="sng" algn="ctr">
                       <a:solidFill>
                         <a:srgbClr val="000000"/>
@@ -3966,9 +3960,9 @@
                       <a:headEnd type="none" w="med" len="med"/>
                       <a:tailEnd type="none" w="med" len="med"/>
                     </a:lnT>
-                    <a:lnB w="3175" cap="flat" cmpd="sng" algn="ctr">
+                    <a:lnB w="6350" cap="flat" cmpd="sng" algn="ctr">
                       <a:solidFill>
-                        <a:schemeClr val="tx1"/>
+                        <a:srgbClr val="000000"/>
                       </a:solidFill>
                       <a:prstDash val="solid"/>
                       <a:round/>
@@ -3984,7 +3978,7 @@
                     <a:p>
                       <a:pPr algn="ctr" fontAlgn="ctr"/>
                       <a:r>
-                        <a:rPr lang="pl-PL" sz="1100" b="0" i="0" u="none" strike="noStrike" dirty="0">
+                        <a:rPr lang="pl-PL" sz="1000" b="0" i="0" u="none" strike="noStrike">
                           <a:solidFill>
                             <a:srgbClr val="000000"/>
                           </a:solidFill>
@@ -3995,7 +3989,7 @@
                       </a:r>
                     </a:p>
                   </a:txBody>
-                  <a:tcPr marL="9525" marR="9525" marT="9525" marB="0" anchor="ctr">
+                  <a:tcPr marL="8815" marR="8815" marT="8815" marB="0" anchor="ctr">
                     <a:lnL w="6350" cap="flat" cmpd="sng" algn="ctr">
                       <a:solidFill>
                         <a:srgbClr val="000000"/>
@@ -4045,7 +4039,7 @@
                     <a:p>
                       <a:pPr algn="ctr" fontAlgn="ctr"/>
                       <a:r>
-                        <a:rPr lang="pl-PL" sz="1100" b="0" i="0" u="none" strike="noStrike" dirty="0" smtClean="0">
+                        <a:rPr lang="pl-PL" sz="1000" b="0" i="0" u="none" strike="noStrike">
                           <a:solidFill>
                             <a:srgbClr val="000000"/>
                           </a:solidFill>
@@ -4055,51 +4049,8 @@
                         <a:t>Confidence</a:t>
                       </a:r>
                     </a:p>
-                    <a:p>
-                      <a:pPr algn="ctr" fontAlgn="ctr"/>
-                      <a:r>
-                        <a:rPr lang="pl-PL" sz="1100" b="0" i="0" u="none" strike="noStrike" dirty="0" smtClean="0">
-                          <a:solidFill>
-                            <a:srgbClr val="000000"/>
-                          </a:solidFill>
-                          <a:effectLst/>
-                          <a:latin typeface="Calibri"/>
-                        </a:rPr>
-                        <a:t>(half of the interval,</a:t>
-                      </a:r>
-                    </a:p>
-                    <a:p>
-                      <a:pPr algn="ctr" fontAlgn="ctr"/>
-                      <a:r>
-                        <a:rPr lang="pl-PL" sz="1100" b="0" i="0" u="none" strike="noStrike" dirty="0" smtClean="0">
-                          <a:solidFill>
-                            <a:srgbClr val="000000"/>
-                          </a:solidFill>
-                          <a:effectLst/>
-                          <a:latin typeface="+mn-lt"/>
-                        </a:rPr>
-                        <a:t>1 – alpha = 0.95</a:t>
-                      </a:r>
-                      <a:r>
-                        <a:rPr lang="pl-PL" sz="1100" b="0" i="0" u="none" strike="noStrike" dirty="0" smtClean="0">
-                          <a:solidFill>
-                            <a:srgbClr val="000000"/>
-                          </a:solidFill>
-                          <a:effectLst/>
-                          <a:latin typeface="Calibri"/>
-                        </a:rPr>
-                        <a:t>)</a:t>
-                      </a:r>
-                      <a:endParaRPr lang="pl-PL" sz="1100" b="0" i="0" u="none" strike="noStrike" dirty="0">
-                        <a:solidFill>
-                          <a:srgbClr val="000000"/>
-                        </a:solidFill>
-                        <a:effectLst/>
-                        <a:latin typeface="Calibri"/>
-                      </a:endParaRPr>
-                    </a:p>
                   </a:txBody>
-                  <a:tcPr marL="9525" marR="9525" marT="9525" marB="0" anchor="ctr">
+                  <a:tcPr marL="8815" marR="8815" marT="8815" marB="0" anchor="ctr">
                     <a:lnL>
                       <a:noFill/>
                     </a:lnL>
@@ -4142,8 +4093,59 @@
                   </a:txBody>
                   <a:tcPr/>
                 </a:tc>
+                <a:tc>
+                  <a:txBody>
+                    <a:bodyPr/>
+                    <a:lstStyle/>
+                    <a:p>
+                      <a:pPr algn="ctr" fontAlgn="b"/>
+                      <a:r>
+                        <a:rPr lang="pl-PL" sz="1000" b="0" i="0" u="none" strike="noStrike">
+                          <a:solidFill>
+                            <a:srgbClr val="000000"/>
+                          </a:solidFill>
+                          <a:effectLst/>
+                          <a:latin typeface="Calibri"/>
+                        </a:rPr>
+                        <a:t>Speed up in time</a:t>
+                      </a:r>
+                    </a:p>
+                  </a:txBody>
+                  <a:tcPr marL="8815" marR="8815" marT="8815" marB="0" anchor="b">
+                    <a:lnL w="6350" cap="flat" cmpd="sng" algn="ctr">
+                      <a:solidFill>
+                        <a:srgbClr val="000000"/>
+                      </a:solidFill>
+                      <a:prstDash val="solid"/>
+                      <a:round/>
+                      <a:headEnd type="none" w="med" len="med"/>
+                      <a:tailEnd type="none" w="med" len="med"/>
+                    </a:lnL>
+                    <a:lnR w="6350" cap="flat" cmpd="sng" algn="ctr">
+                      <a:solidFill>
+                        <a:srgbClr val="000000"/>
+                      </a:solidFill>
+                      <a:prstDash val="solid"/>
+                      <a:round/>
+                      <a:headEnd type="none" w="med" len="med"/>
+                      <a:tailEnd type="none" w="med" len="med"/>
+                    </a:lnR>
+                    <a:lnT w="6350" cap="flat" cmpd="sng" algn="ctr">
+                      <a:solidFill>
+                        <a:srgbClr val="000000"/>
+                      </a:solidFill>
+                      <a:prstDash val="solid"/>
+                      <a:round/>
+                      <a:headEnd type="none" w="med" len="med"/>
+                      <a:tailEnd type="none" w="med" len="med"/>
+                    </a:lnT>
+                    <a:lnB>
+                      <a:noFill/>
+                    </a:lnB>
+                  </a:tcPr>
+                </a:tc>
               </a:tr>
-              <a:tr h="259498">
+              <a:tr h="225073">
                 <a:tc vMerge="1">
                   <a:txBody>
                     <a:bodyPr/>
@@ -4171,7 +4173,7 @@
                     <a:p>
                       <a:pPr algn="ctr" fontAlgn="ctr"/>
                       <a:r>
-                        <a:rPr lang="pl-PL" sz="1100" b="0" i="0" u="none" strike="noStrike">
+                        <a:rPr lang="pl-PL" sz="1000" b="0" i="0" u="none" strike="noStrike">
                           <a:solidFill>
                             <a:srgbClr val="000000"/>
                           </a:solidFill>
@@ -4182,7 +4184,7 @@
                       </a:r>
                     </a:p>
                   </a:txBody>
-                  <a:tcPr marL="9525" marR="9525" marT="9525" marB="0" anchor="ctr">
+                  <a:tcPr marL="8815" marR="8815" marT="8815" marB="0" anchor="ctr">
                     <a:lnL w="6350" cap="flat" cmpd="sng" algn="ctr">
                       <a:solidFill>
                         <a:srgbClr val="000000"/>
@@ -4222,7 +4224,7 @@
                     <a:p>
                       <a:pPr algn="ctr" fontAlgn="ctr"/>
                       <a:r>
-                        <a:rPr lang="pl-PL" sz="1100" b="0" i="0" u="none" strike="noStrike">
+                        <a:rPr lang="pl-PL" sz="1000" b="0" i="0" u="none" strike="noStrike">
                           <a:solidFill>
                             <a:srgbClr val="000000"/>
                           </a:solidFill>
@@ -4233,7 +4235,7 @@
                       </a:r>
                     </a:p>
                   </a:txBody>
-                  <a:tcPr marL="9525" marR="9525" marT="9525" marB="0" anchor="ctr">
+                  <a:tcPr marL="8815" marR="8815" marT="8815" marB="0" anchor="ctr">
                     <a:lnL>
                       <a:noFill/>
                     </a:lnL>
@@ -4267,7 +4269,7 @@
                     <a:p>
                       <a:pPr algn="ctr" fontAlgn="ctr"/>
                       <a:r>
-                        <a:rPr lang="pl-PL" sz="1100" b="0" i="0" u="none" strike="noStrike">
+                        <a:rPr lang="pl-PL" sz="1000" b="0" i="0" u="none" strike="noStrike">
                           <a:solidFill>
                             <a:srgbClr val="000000"/>
                           </a:solidFill>
@@ -4278,7 +4280,7 @@
                       </a:r>
                     </a:p>
                   </a:txBody>
-                  <a:tcPr marL="9525" marR="9525" marT="9525" marB="0" anchor="ctr">
+                  <a:tcPr marL="8815" marR="8815" marT="8815" marB="0" anchor="ctr">
                     <a:lnL>
                       <a:noFill/>
                     </a:lnL>
@@ -4312,7 +4314,7 @@
                     <a:p>
                       <a:pPr algn="ctr" fontAlgn="ctr"/>
                       <a:r>
-                        <a:rPr lang="pl-PL" sz="1100" b="0" i="0" u="none" strike="noStrike">
+                        <a:rPr lang="pl-PL" sz="1000" b="0" i="0" u="none" strike="noStrike">
                           <a:solidFill>
                             <a:srgbClr val="000000"/>
                           </a:solidFill>
@@ -4323,7 +4325,7 @@
                       </a:r>
                     </a:p>
                   </a:txBody>
-                  <a:tcPr marL="9525" marR="9525" marT="9525" marB="0" anchor="ctr">
+                  <a:tcPr marL="8815" marR="8815" marT="8815" marB="0" anchor="ctr">
                     <a:lnL>
                       <a:noFill/>
                     </a:lnL>
@@ -4356,8 +4358,6 @@
                     </a:lnB>
                   </a:tcPr>
                 </a:tc>
-              </a:tr>
-              <a:tr h="259498">
                 <a:tc>
                   <a:txBody>
                     <a:bodyPr/>
@@ -4365,45 +4365,18 @@
                     <a:p>
                       <a:pPr algn="ctr" fontAlgn="ctr"/>
                       <a:r>
-                        <a:rPr lang="pl-PL" sz="1100" b="0" i="0" u="none" strike="noStrike" dirty="0" smtClean="0">
+                        <a:rPr lang="pl-PL" sz="1000" b="0" i="0" u="none" strike="noStrike">
                           <a:solidFill>
                             <a:srgbClr val="000000"/>
                           </a:solidFill>
                           <a:effectLst/>
                           <a:latin typeface="Calibri"/>
                         </a:rPr>
-                        <a:t>CPU,</a:t>
+                        <a:t>base = CPU 4 threads</a:t>
                       </a:r>
-                      <a:r>
-                        <a:rPr lang="pl-PL" sz="1100" b="0" i="0" u="none" strike="noStrike" baseline="0" dirty="0" smtClean="0">
-                          <a:solidFill>
-                            <a:srgbClr val="000000"/>
-                          </a:solidFill>
-                          <a:effectLst/>
-                          <a:latin typeface="Calibri"/>
-                        </a:rPr>
-                        <a:t> </a:t>
-                      </a:r>
-                      <a:r>
-                        <a:rPr lang="pl-PL" sz="1100" b="0" i="0" u="none" strike="noStrike" dirty="0" smtClean="0">
-                          <a:solidFill>
-                            <a:srgbClr val="000000"/>
-                          </a:solidFill>
-                          <a:effectLst/>
-                          <a:latin typeface="Calibri"/>
-                        </a:rPr>
-                        <a:t>Excel VBA</a:t>
-                      </a:r>
-                      <a:endParaRPr lang="pl-PL" sz="1100" b="0" i="0" u="none" strike="noStrike" dirty="0">
-                        <a:solidFill>
-                          <a:srgbClr val="000000"/>
-                        </a:solidFill>
-                        <a:effectLst/>
-                        <a:latin typeface="Calibri"/>
-                      </a:endParaRPr>
                     </a:p>
                   </a:txBody>
-                  <a:tcPr marL="9525" marR="9525" marT="9525" marB="0" anchor="ctr">
+                  <a:tcPr marL="8815" marR="8815" marT="8815" marB="0" anchor="ctr">
                     <a:lnL w="6350" cap="flat" cmpd="sng" algn="ctr">
                       <a:solidFill>
                         <a:srgbClr val="000000"/>
@@ -4413,9 +4386,62 @@
                       <a:headEnd type="none" w="med" len="med"/>
                       <a:tailEnd type="none" w="med" len="med"/>
                     </a:lnL>
-                    <a:lnR w="3175" cap="flat" cmpd="sng" algn="ctr">
+                    <a:lnR w="6350" cap="flat" cmpd="sng" algn="ctr">
                       <a:solidFill>
-                        <a:schemeClr val="tx1"/>
+                        <a:srgbClr val="000000"/>
+                      </a:solidFill>
+                      <a:prstDash val="solid"/>
+                      <a:round/>
+                      <a:headEnd type="none" w="med" len="med"/>
+                      <a:tailEnd type="none" w="med" len="med"/>
+                    </a:lnR>
+                    <a:lnT>
+                      <a:noFill/>
+                    </a:lnT>
+                    <a:lnB w="6350" cap="flat" cmpd="sng" algn="ctr">
+                      <a:solidFill>
+                        <a:srgbClr val="000000"/>
+                      </a:solidFill>
+                      <a:prstDash val="solid"/>
+                      <a:round/>
+                      <a:headEnd type="none" w="med" len="med"/>
+                      <a:tailEnd type="none" w="med" len="med"/>
+                    </a:lnB>
+                  </a:tcPr>
+                </a:tc>
+              </a:tr>
+              <a:tr h="225073">
+                <a:tc>
+                  <a:txBody>
+                    <a:bodyPr/>
+                    <a:lstStyle/>
+                    <a:p>
+                      <a:pPr algn="ctr" fontAlgn="ctr"/>
+                      <a:r>
+                        <a:rPr lang="pl-PL" sz="1000" b="0" i="0" u="none" strike="noStrike">
+                          <a:solidFill>
+                            <a:srgbClr val="000000"/>
+                          </a:solidFill>
+                          <a:effectLst/>
+                          <a:latin typeface="Calibri"/>
+                        </a:rPr>
+                        <a:t>Excel VBA</a:t>
+                      </a:r>
+                    </a:p>
+                  </a:txBody>
+                  <a:tcPr marL="8815" marR="8815" marT="8815" marB="0" anchor="ctr">
+                    <a:lnL w="6350" cap="flat" cmpd="sng" algn="ctr">
+                      <a:solidFill>
+                        <a:srgbClr val="000000"/>
+                      </a:solidFill>
+                      <a:prstDash val="solid"/>
+                      <a:round/>
+                      <a:headEnd type="none" w="med" len="med"/>
+                      <a:tailEnd type="none" w="med" len="med"/>
+                    </a:lnL>
+                    <a:lnR w="6350" cap="flat" cmpd="sng" algn="ctr">
+                      <a:solidFill>
+                        <a:srgbClr val="000000"/>
                       </a:solidFill>
                       <a:prstDash val="solid"/>
                       <a:round/>
@@ -4443,7 +4469,7 @@
                     <a:p>
                       <a:pPr algn="ctr" fontAlgn="ctr"/>
                       <a:r>
-                        <a:rPr lang="pl-PL" sz="1100" b="0" i="0" u="none" strike="noStrike" dirty="0">
+                        <a:rPr lang="pl-PL" sz="1000" b="0" i="0" u="none" strike="noStrike">
                           <a:solidFill>
                             <a:srgbClr val="000000"/>
                           </a:solidFill>
@@ -4454,28 +4480,28 @@
                       </a:r>
                     </a:p>
                   </a:txBody>
-                  <a:tcPr marL="9525" marR="9525" marT="9525" marB="0" anchor="ctr">
-                    <a:lnL w="3175" cap="flat" cmpd="sng" algn="ctr">
+                  <a:tcPr marL="8815" marR="8815" marT="8815" marB="0" anchor="ctr">
+                    <a:lnL w="6350" cap="flat" cmpd="sng" algn="ctr">
                       <a:solidFill>
-                        <a:schemeClr val="tx1"/>
+                        <a:srgbClr val="000000"/>
                       </a:solidFill>
                       <a:prstDash val="solid"/>
                       <a:round/>
                       <a:headEnd type="none" w="med" len="med"/>
                       <a:tailEnd type="none" w="med" len="med"/>
                     </a:lnL>
-                    <a:lnR w="3175" cap="flat" cmpd="sng" algn="ctr">
+                    <a:lnR w="6350" cap="flat" cmpd="sng" algn="ctr">
                       <a:solidFill>
-                        <a:schemeClr val="tx1"/>
+                        <a:srgbClr val="000000"/>
                       </a:solidFill>
                       <a:prstDash val="solid"/>
                       <a:round/>
                       <a:headEnd type="none" w="med" len="med"/>
                       <a:tailEnd type="none" w="med" len="med"/>
                     </a:lnR>
-                    <a:lnT w="3175" cap="flat" cmpd="sng" algn="ctr">
+                    <a:lnT w="6350" cap="flat" cmpd="sng" algn="ctr">
                       <a:solidFill>
-                        <a:schemeClr val="tx1"/>
+                        <a:srgbClr val="000000"/>
                       </a:solidFill>
                       <a:prstDash val="solid"/>
                       <a:round/>
@@ -4494,7 +4520,7 @@
                     <a:p>
                       <a:pPr algn="ctr" fontAlgn="ctr"/>
                       <a:r>
-                        <a:rPr lang="pl-PL" sz="1100" b="0" i="0" u="none" strike="noStrike">
+                        <a:rPr lang="pl-PL" sz="1000" b="0" i="0" u="none" strike="noStrike">
                           <a:solidFill>
                             <a:srgbClr val="000000"/>
                           </a:solidFill>
@@ -4505,10 +4531,10 @@
                       </a:r>
                     </a:p>
                   </a:txBody>
-                  <a:tcPr marL="9525" marR="9525" marT="9525" marB="0" anchor="ctr">
-                    <a:lnL w="3175" cap="flat" cmpd="sng" algn="ctr">
+                  <a:tcPr marL="8815" marR="8815" marT="8815" marB="0" anchor="ctr">
+                    <a:lnL w="6350" cap="flat" cmpd="sng" algn="ctr">
                       <a:solidFill>
-                        <a:schemeClr val="tx1"/>
+                        <a:srgbClr val="000000"/>
                       </a:solidFill>
                       <a:prstDash val="solid"/>
                       <a:round/>
@@ -4539,7 +4565,7 @@
                     <a:p>
                       <a:pPr algn="ctr" fontAlgn="ctr"/>
                       <a:r>
-                        <a:rPr lang="pl-PL" sz="1100" b="0" i="0" u="none" strike="noStrike">
+                        <a:rPr lang="pl-PL" sz="1000" b="0" i="0" u="none" strike="noStrike">
                           <a:solidFill>
                             <a:srgbClr val="000000"/>
                           </a:solidFill>
@@ -4550,7 +4576,7 @@
                       </a:r>
                     </a:p>
                   </a:txBody>
-                  <a:tcPr marL="9525" marR="9525" marT="9525" marB="0" anchor="ctr">
+                  <a:tcPr marL="8815" marR="8815" marT="8815" marB="0" anchor="ctr">
                     <a:lnL>
                       <a:noFill/>
                     </a:lnL>
@@ -4578,7 +4604,7 @@
                     <a:p>
                       <a:pPr algn="ctr" fontAlgn="ctr"/>
                       <a:r>
-                        <a:rPr lang="pl-PL" sz="1100" b="0" i="0" u="none" strike="noStrike">
+                        <a:rPr lang="pl-PL" sz="1000" b="0" i="0" u="none" strike="noStrike">
                           <a:solidFill>
                             <a:srgbClr val="000000"/>
                           </a:solidFill>
@@ -4589,7 +4615,7 @@
                       </a:r>
                     </a:p>
                   </a:txBody>
-                  <a:tcPr marL="9525" marR="9525" marT="9525" marB="0" anchor="ctr">
+                  <a:tcPr marL="8815" marR="8815" marT="8815" marB="0" anchor="ctr">
                     <a:lnL>
                       <a:noFill/>
                     </a:lnL>
@@ -4617,7 +4643,7 @@
                     <a:p>
                       <a:pPr algn="ctr" fontAlgn="ctr"/>
                       <a:r>
-                        <a:rPr lang="pl-PL" sz="1100" b="0" i="0" u="none" strike="noStrike">
+                        <a:rPr lang="pl-PL" sz="1000" b="0" i="0" u="none" strike="noStrike">
                           <a:solidFill>
                             <a:srgbClr val="000000"/>
                           </a:solidFill>
@@ -4628,7 +4654,7 @@
                       </a:r>
                     </a:p>
                   </a:txBody>
-                  <a:tcPr marL="9525" marR="9525" marT="9525" marB="0" anchor="ctr">
+                  <a:tcPr marL="8815" marR="8815" marT="8815" marB="0" anchor="ctr">
                     <a:lnL>
                       <a:noFill/>
                     </a:lnL>
@@ -4655,8 +4681,6 @@
                     </a:lnB>
                   </a:tcPr>
                 </a:tc>
-              </a:tr>
-              <a:tr h="259498">
                 <a:tc>
                   <a:txBody>
                     <a:bodyPr/>
@@ -4664,45 +4688,18 @@
                     <a:p>
                       <a:pPr algn="ctr" fontAlgn="ctr"/>
                       <a:r>
-                        <a:rPr lang="pl-PL" sz="1100" b="0" i="0" u="none" strike="noStrike" dirty="0" smtClean="0">
+                        <a:rPr lang="pl-PL" sz="1000" b="0" i="0" u="none" strike="noStrike">
                           <a:solidFill>
                             <a:srgbClr val="000000"/>
                           </a:solidFill>
                           <a:effectLst/>
                           <a:latin typeface="Calibri"/>
                         </a:rPr>
-                        <a:t>CPU,</a:t>
+                        <a:t>N/A</a:t>
                       </a:r>
-                      <a:r>
-                        <a:rPr lang="pl-PL" sz="1100" b="0" i="0" u="none" strike="noStrike" baseline="0" dirty="0" smtClean="0">
-                          <a:solidFill>
-                            <a:srgbClr val="000000"/>
-                          </a:solidFill>
-                          <a:effectLst/>
-                          <a:latin typeface="Calibri"/>
-                        </a:rPr>
-                        <a:t> </a:t>
-                      </a:r>
-                      <a:r>
-                        <a:rPr lang="pl-PL" sz="1100" b="0" i="0" u="none" strike="noStrike" dirty="0" smtClean="0">
-                          <a:solidFill>
-                            <a:srgbClr val="000000"/>
-                          </a:solidFill>
-                          <a:effectLst/>
-                          <a:latin typeface="Calibri"/>
-                        </a:rPr>
-                        <a:t>C++, 4 threads</a:t>
-                      </a:r>
-                      <a:endParaRPr lang="pl-PL" sz="1100" b="0" i="0" u="none" strike="noStrike" dirty="0">
-                        <a:solidFill>
-                          <a:srgbClr val="000000"/>
-                        </a:solidFill>
-                        <a:effectLst/>
-                        <a:latin typeface="Calibri"/>
-                      </a:endParaRPr>
                     </a:p>
                   </a:txBody>
-                  <a:tcPr marL="9525" marR="9525" marT="9525" marB="0" anchor="ctr">
+                  <a:tcPr marL="8815" marR="8815" marT="8815" marB="0" anchor="ctr">
                     <a:lnL w="6350" cap="flat" cmpd="sng" algn="ctr">
                       <a:solidFill>
                         <a:srgbClr val="000000"/>
@@ -4712,9 +4709,62 @@
                       <a:headEnd type="none" w="med" len="med"/>
                       <a:tailEnd type="none" w="med" len="med"/>
                     </a:lnL>
-                    <a:lnR w="3175" cap="flat" cmpd="sng" algn="ctr">
+                    <a:lnR w="6350" cap="flat" cmpd="sng" algn="ctr">
                       <a:solidFill>
-                        <a:schemeClr val="tx1"/>
+                        <a:srgbClr val="000000"/>
+                      </a:solidFill>
+                      <a:prstDash val="solid"/>
+                      <a:round/>
+                      <a:headEnd type="none" w="med" len="med"/>
+                      <a:tailEnd type="none" w="med" len="med"/>
+                    </a:lnR>
+                    <a:lnT w="6350" cap="flat" cmpd="sng" algn="ctr">
+                      <a:solidFill>
+                        <a:srgbClr val="000000"/>
+                      </a:solidFill>
+                      <a:prstDash val="solid"/>
+                      <a:round/>
+                      <a:headEnd type="none" w="med" len="med"/>
+                      <a:tailEnd type="none" w="med" len="med"/>
+                    </a:lnT>
+                    <a:lnB>
+                      <a:noFill/>
+                    </a:lnB>
+                  </a:tcPr>
+                </a:tc>
+              </a:tr>
+              <a:tr h="225073">
+                <a:tc>
+                  <a:txBody>
+                    <a:bodyPr/>
+                    <a:lstStyle/>
+                    <a:p>
+                      <a:pPr algn="ctr" fontAlgn="ctr"/>
+                      <a:r>
+                        <a:rPr lang="pl-PL" sz="1000" b="0" i="0" u="none" strike="noStrike">
+                          <a:solidFill>
+                            <a:srgbClr val="000000"/>
+                          </a:solidFill>
+                          <a:effectLst/>
+                          <a:latin typeface="Calibri"/>
+                        </a:rPr>
+                        <a:t>CPU (4 threads)</a:t>
+                      </a:r>
+                    </a:p>
+                  </a:txBody>
+                  <a:tcPr marL="8815" marR="8815" marT="8815" marB="0" anchor="ctr">
+                    <a:lnL w="6350" cap="flat" cmpd="sng" algn="ctr">
+                      <a:solidFill>
+                        <a:srgbClr val="000000"/>
+                      </a:solidFill>
+                      <a:prstDash val="solid"/>
+                      <a:round/>
+                      <a:headEnd type="none" w="med" len="med"/>
+                      <a:tailEnd type="none" w="med" len="med"/>
+                    </a:lnL>
+                    <a:lnR w="6350" cap="flat" cmpd="sng" algn="ctr">
+                      <a:solidFill>
+                        <a:srgbClr val="000000"/>
                       </a:solidFill>
                       <a:prstDash val="solid"/>
                       <a:round/>
@@ -4736,7 +4786,7 @@
                     <a:p>
                       <a:pPr algn="ctr" fontAlgn="ctr"/>
                       <a:r>
-                        <a:rPr lang="pl-PL" sz="1100" b="0" i="0" u="none" strike="noStrike" dirty="0" smtClean="0">
+                        <a:rPr lang="pl-PL" sz="1000" b="0" i="0" u="none" strike="noStrike">
                           <a:solidFill>
                             <a:srgbClr val="000000"/>
                           </a:solidFill>
@@ -4745,28 +4795,21 @@
                         </a:rPr>
                         <a:t>18 240</a:t>
                       </a:r>
-                      <a:endParaRPr lang="pl-PL" sz="1100" b="0" i="0" u="none" strike="noStrike" dirty="0">
-                        <a:solidFill>
-                          <a:srgbClr val="000000"/>
-                        </a:solidFill>
-                        <a:effectLst/>
-                        <a:latin typeface="Calibri"/>
-                      </a:endParaRPr>
                     </a:p>
                   </a:txBody>
-                  <a:tcPr marL="9525" marR="9525" marT="9525" marB="0" anchor="ctr">
-                    <a:lnL w="3175" cap="flat" cmpd="sng" algn="ctr">
+                  <a:tcPr marL="8815" marR="8815" marT="8815" marB="0" anchor="ctr">
+                    <a:lnL w="6350" cap="flat" cmpd="sng" algn="ctr">
                       <a:solidFill>
-                        <a:schemeClr val="tx1"/>
+                        <a:srgbClr val="000000"/>
                       </a:solidFill>
                       <a:prstDash val="solid"/>
                       <a:round/>
                       <a:headEnd type="none" w="med" len="med"/>
                       <a:tailEnd type="none" w="med" len="med"/>
                     </a:lnL>
-                    <a:lnR w="3175" cap="flat" cmpd="sng" algn="ctr">
+                    <a:lnR w="6350" cap="flat" cmpd="sng" algn="ctr">
                       <a:solidFill>
-                        <a:schemeClr val="tx1"/>
+                        <a:srgbClr val="000000"/>
                       </a:solidFill>
                       <a:prstDash val="solid"/>
                       <a:round/>
@@ -4788,7 +4831,7 @@
                     <a:p>
                       <a:pPr algn="ctr" fontAlgn="ctr"/>
                       <a:r>
-                        <a:rPr lang="pl-PL" sz="1100" b="0" i="0" u="none" strike="noStrike">
+                        <a:rPr lang="pl-PL" sz="1000" b="0" i="0" u="none" strike="noStrike">
                           <a:solidFill>
                             <a:srgbClr val="000000"/>
                           </a:solidFill>
@@ -4799,10 +4842,10 @@
                       </a:r>
                     </a:p>
                   </a:txBody>
-                  <a:tcPr marL="9525" marR="9525" marT="9525" marB="0" anchor="ctr">
-                    <a:lnL w="3175" cap="flat" cmpd="sng" algn="ctr">
+                  <a:tcPr marL="8815" marR="8815" marT="8815" marB="0" anchor="ctr">
+                    <a:lnL w="6350" cap="flat" cmpd="sng" algn="ctr">
                       <a:solidFill>
-                        <a:schemeClr val="tx1"/>
+                        <a:srgbClr val="000000"/>
                       </a:solidFill>
                       <a:prstDash val="solid"/>
                       <a:round/>
@@ -4827,7 +4870,7 @@
                     <a:p>
                       <a:pPr algn="ctr" fontAlgn="ctr"/>
                       <a:r>
-                        <a:rPr lang="pl-PL" sz="1100" b="0" i="0" u="none" strike="noStrike" dirty="0">
+                        <a:rPr lang="pl-PL" sz="1000" b="0" i="0" u="none" strike="noStrike">
                           <a:solidFill>
                             <a:srgbClr val="000000"/>
                           </a:solidFill>
@@ -4838,7 +4881,7 @@
                       </a:r>
                     </a:p>
                   </a:txBody>
-                  <a:tcPr marL="9525" marR="9525" marT="9525" marB="0" anchor="ctr">
+                  <a:tcPr marL="8815" marR="8815" marT="8815" marB="0" anchor="ctr">
                     <a:lnL>
                       <a:noFill/>
                     </a:lnL>
@@ -4860,7 +4903,7 @@
                     <a:p>
                       <a:pPr algn="ctr" fontAlgn="ctr"/>
                       <a:r>
-                        <a:rPr lang="pl-PL" sz="1100" b="0" i="0" u="none" strike="noStrike" dirty="0" smtClean="0">
+                        <a:rPr lang="pl-PL" sz="1000" b="0" i="0" u="none" strike="noStrike">
                           <a:solidFill>
                             <a:srgbClr val="000000"/>
                           </a:solidFill>
@@ -4869,16 +4912,9 @@
                         </a:rPr>
                         <a:t>0.0049</a:t>
                       </a:r>
-                      <a:endParaRPr lang="pl-PL" sz="1100" b="0" i="0" u="none" strike="noStrike" dirty="0">
-                        <a:solidFill>
-                          <a:srgbClr val="000000"/>
-                        </a:solidFill>
-                        <a:effectLst/>
-                        <a:latin typeface="Calibri"/>
-                      </a:endParaRPr>
                     </a:p>
                   </a:txBody>
-                  <a:tcPr marL="9525" marR="9525" marT="9525" marB="0" anchor="ctr">
+                  <a:tcPr marL="8815" marR="8815" marT="8815" marB="0" anchor="ctr">
                     <a:lnL>
                       <a:noFill/>
                     </a:lnL>
@@ -4900,7 +4936,7 @@
                     <a:p>
                       <a:pPr algn="ctr" fontAlgn="ctr"/>
                       <a:r>
-                        <a:rPr lang="pl-PL" sz="1100" b="0" i="0" u="none" strike="noStrike" dirty="0" smtClean="0">
+                        <a:rPr lang="pl-PL" sz="1000" b="0" i="0" u="none" strike="noStrike">
                           <a:solidFill>
                             <a:srgbClr val="000000"/>
                           </a:solidFill>
@@ -4909,189 +4945,15 @@
                         </a:rPr>
                         <a:t>0.0038</a:t>
                       </a:r>
-                      <a:endParaRPr lang="pl-PL" sz="1100" b="0" i="0" u="none" strike="noStrike" dirty="0">
-                        <a:solidFill>
-                          <a:srgbClr val="000000"/>
-                        </a:solidFill>
-                        <a:effectLst/>
-                        <a:latin typeface="Calibri"/>
-                      </a:endParaRPr>
                     </a:p>
                   </a:txBody>
-                  <a:tcPr marL="9525" marR="9525" marT="9525" marB="0" anchor="ctr">
+                  <a:tcPr marL="8815" marR="8815" marT="8815" marB="0" anchor="ctr">
                     <a:lnL>
                       <a:noFill/>
                     </a:lnL>
                     <a:lnR w="6350" cap="flat" cmpd="sng" algn="ctr">
                       <a:solidFill>
                         <a:srgbClr val="000000"/>
-                      </a:solidFill>
-                      <a:prstDash val="solid"/>
-                      <a:round/>
-                      <a:headEnd type="none" w="med" len="med"/>
-                      <a:tailEnd type="none" w="med" len="med"/>
-                    </a:lnR>
-                    <a:lnT>
-                      <a:noFill/>
-                    </a:lnT>
-                    <a:lnB>
-                      <a:noFill/>
-                    </a:lnB>
-                  </a:tcPr>
-                </a:tc>
-              </a:tr>
-              <a:tr h="1154766">
-                <a:tc>
-                  <a:txBody>
-                    <a:bodyPr/>
-                    <a:lstStyle/>
-                    <a:p>
-                      <a:pPr algn="ctr" fontAlgn="ctr"/>
-                      <a:r>
-                        <a:rPr lang="en-US" sz="1100" b="0" i="0" u="none" strike="noStrike" dirty="0" smtClean="0">
-                          <a:solidFill>
-                            <a:srgbClr val="000000"/>
-                          </a:solidFill>
-                          <a:effectLst/>
-                          <a:latin typeface="Calibri"/>
-                        </a:rPr>
-                        <a:t>CPU</a:t>
-                      </a:r>
-                      <a:r>
-                        <a:rPr lang="pl-PL" sz="1100" b="0" i="0" u="none" strike="noStrike" dirty="0" smtClean="0">
-                          <a:solidFill>
-                            <a:srgbClr val="000000"/>
-                          </a:solidFill>
-                          <a:effectLst/>
-                          <a:latin typeface="Calibri"/>
-                        </a:rPr>
-                        <a:t>,</a:t>
-                      </a:r>
-                      <a:r>
-                        <a:rPr lang="pl-PL" sz="1100" b="0" i="0" u="none" strike="noStrike" baseline="0" dirty="0" smtClean="0">
-                          <a:solidFill>
-                            <a:srgbClr val="000000"/>
-                          </a:solidFill>
-                          <a:effectLst/>
-                          <a:latin typeface="Calibri"/>
-                        </a:rPr>
-                        <a:t> </a:t>
-                      </a:r>
-                      <a:r>
-                        <a:rPr lang="pl-PL" sz="1100" b="0" i="0" u="none" strike="noStrike" dirty="0" smtClean="0">
-                          <a:solidFill>
-                            <a:srgbClr val="000000"/>
-                          </a:solidFill>
-                          <a:effectLst/>
-                          <a:latin typeface="Calibri"/>
-                        </a:rPr>
-                        <a:t>C++ </a:t>
-                      </a:r>
-                      <a:r>
-                        <a:rPr lang="en-US" sz="1100" b="0" i="0" u="none" strike="noStrike" dirty="0" smtClean="0">
-                          <a:solidFill>
-                            <a:srgbClr val="000000"/>
-                          </a:solidFill>
-                          <a:effectLst/>
-                          <a:latin typeface="Calibri"/>
-                        </a:rPr>
-                        <a:t>(single </a:t>
-                      </a:r>
-                      <a:r>
-                        <a:rPr lang="en-US" sz="1100" b="0" i="0" u="none" strike="noStrike" dirty="0">
-                          <a:solidFill>
-                            <a:srgbClr val="000000"/>
-                          </a:solidFill>
-                          <a:effectLst/>
-                          <a:latin typeface="Calibri"/>
-                        </a:rPr>
-                        <a:t>thread) with random variables </a:t>
-                      </a:r>
-                      <a:r>
-                        <a:rPr lang="en-US" sz="1100" b="0" i="0" u="none" strike="noStrike" dirty="0" smtClean="0">
-                          <a:solidFill>
-                            <a:srgbClr val="000000"/>
-                          </a:solidFill>
-                          <a:effectLst/>
-                          <a:latin typeface="Calibri"/>
-                        </a:rPr>
-                        <a:t>pre</a:t>
-                      </a:r>
-                      <a:r>
-                        <a:rPr lang="pl-PL" sz="1100" b="0" i="0" u="none" strike="noStrike" dirty="0" smtClean="0">
-                          <a:solidFill>
-                            <a:srgbClr val="000000"/>
-                          </a:solidFill>
-                          <a:effectLst/>
-                          <a:latin typeface="Calibri"/>
-                        </a:rPr>
-                        <a:t>-</a:t>
-                      </a:r>
-                      <a:r>
-                        <a:rPr lang="en-US" sz="1100" b="0" i="0" u="none" strike="noStrike" dirty="0" smtClean="0">
-                          <a:solidFill>
-                            <a:srgbClr val="000000"/>
-                          </a:solidFill>
-                          <a:effectLst/>
-                          <a:latin typeface="Calibri"/>
-                        </a:rPr>
-                        <a:t>allocated </a:t>
-                      </a:r>
-                      <a:r>
-                        <a:rPr lang="en-US" sz="1100" b="0" i="0" u="none" strike="noStrike" dirty="0">
-                          <a:solidFill>
-                            <a:srgbClr val="000000"/>
-                          </a:solidFill>
-                          <a:effectLst/>
-                          <a:latin typeface="Calibri"/>
-                        </a:rPr>
-                        <a:t>and </a:t>
-                      </a:r>
-                      <a:r>
-                        <a:rPr lang="pl-PL" sz="1100" b="0" i="0" u="none" strike="noStrike" dirty="0" smtClean="0">
-                          <a:solidFill>
-                            <a:srgbClr val="000000"/>
-                          </a:solidFill>
-                          <a:effectLst/>
-                          <a:latin typeface="Calibri"/>
-                        </a:rPr>
-                        <a:t>pre-</a:t>
-                      </a:r>
-                      <a:r>
-                        <a:rPr lang="en-US" sz="1100" b="0" i="0" u="none" strike="noStrike" dirty="0" smtClean="0">
-                          <a:solidFill>
-                            <a:srgbClr val="000000"/>
-                          </a:solidFill>
-                          <a:effectLst/>
-                          <a:latin typeface="Calibri"/>
-                        </a:rPr>
-                        <a:t>generated </a:t>
-                      </a:r>
-                      <a:r>
-                        <a:rPr lang="en-US" sz="1100" b="0" i="0" u="none" strike="noStrike" dirty="0">
-                          <a:solidFill>
-                            <a:srgbClr val="000000"/>
-                          </a:solidFill>
-                          <a:effectLst/>
-                          <a:latin typeface="Calibri"/>
-                        </a:rPr>
-                        <a:t>by GPU</a:t>
-                      </a:r>
-                    </a:p>
-                  </a:txBody>
-                  <a:tcPr marL="9525" marR="9525" marT="9525" marB="0" anchor="ctr">
-                    <a:lnL w="6350" cap="flat" cmpd="sng" algn="ctr">
-                      <a:solidFill>
-                        <a:srgbClr val="000000"/>
-                      </a:solidFill>
-                      <a:prstDash val="solid"/>
-                      <a:round/>
-                      <a:headEnd type="none" w="med" len="med"/>
-                      <a:tailEnd type="none" w="med" len="med"/>
-                    </a:lnL>
-                    <a:lnR w="3175" cap="flat" cmpd="sng" algn="ctr">
-                      <a:solidFill>
-                        <a:schemeClr val="tx1"/>
                       </a:solidFill>
                       <a:prstDash val="solid"/>
                       <a:round/>
@@ -5113,30 +4975,77 @@
                     <a:p>
                       <a:pPr algn="ctr" fontAlgn="ctr"/>
                       <a:r>
-                        <a:rPr lang="pl-PL" sz="1100" b="0" i="0" u="none" strike="noStrike" dirty="0">
+                        <a:rPr lang="pl-PL" sz="1000" b="0" i="0" u="none" strike="noStrike">
                           <a:solidFill>
                             <a:srgbClr val="000000"/>
                           </a:solidFill>
                           <a:effectLst/>
                           <a:latin typeface="Calibri"/>
                         </a:rPr>
-                        <a:t>189</a:t>
+                        <a:t>1.0</a:t>
                       </a:r>
                     </a:p>
                   </a:txBody>
-                  <a:tcPr marL="9525" marR="9525" marT="9525" marB="0" anchor="ctr">
-                    <a:lnL w="3175" cap="flat" cmpd="sng" algn="ctr">
+                  <a:tcPr marL="8815" marR="8815" marT="8815" marB="0" anchor="ctr">
+                    <a:lnL w="6350" cap="flat" cmpd="sng" algn="ctr">
                       <a:solidFill>
-                        <a:schemeClr val="tx1"/>
+                        <a:srgbClr val="000000"/>
                       </a:solidFill>
                       <a:prstDash val="solid"/>
                       <a:round/>
                       <a:headEnd type="none" w="med" len="med"/>
                       <a:tailEnd type="none" w="med" len="med"/>
                     </a:lnL>
-                    <a:lnR w="3175" cap="flat" cmpd="sng" algn="ctr">
+                    <a:lnR w="6350" cap="flat" cmpd="sng" algn="ctr">
                       <a:solidFill>
-                        <a:schemeClr val="tx1"/>
+                        <a:srgbClr val="000000"/>
+                      </a:solidFill>
+                      <a:prstDash val="solid"/>
+                      <a:round/>
+                      <a:headEnd type="none" w="med" len="med"/>
+                      <a:tailEnd type="none" w="med" len="med"/>
+                    </a:lnR>
+                    <a:lnT>
+                      <a:noFill/>
+                    </a:lnT>
+                    <a:lnB>
+                      <a:noFill/>
+                    </a:lnB>
+                  </a:tcPr>
+                </a:tc>
+              </a:tr>
+              <a:tr h="1001574">
+                <a:tc>
+                  <a:txBody>
+                    <a:bodyPr/>
+                    <a:lstStyle/>
+                    <a:p>
+                      <a:pPr algn="ctr" fontAlgn="ctr"/>
+                      <a:r>
+                        <a:rPr lang="en-US" sz="1000" b="0" i="0" u="none" strike="noStrike">
+                          <a:solidFill>
+                            <a:srgbClr val="000000"/>
+                          </a:solidFill>
+                          <a:effectLst/>
+                          <a:latin typeface="Calibri"/>
+                        </a:rPr>
+                        <a:t>CPU (single thread) with random variables preallocated and generated by GPU</a:t>
+                      </a:r>
+                    </a:p>
+                  </a:txBody>
+                  <a:tcPr marL="8815" marR="8815" marT="8815" marB="0" anchor="ctr">
+                    <a:lnL w="6350" cap="flat" cmpd="sng" algn="ctr">
+                      <a:solidFill>
+                        <a:srgbClr val="000000"/>
+                      </a:solidFill>
+                      <a:prstDash val="solid"/>
+                      <a:round/>
+                      <a:headEnd type="none" w="med" len="med"/>
+                      <a:tailEnd type="none" w="med" len="med"/>
+                    </a:lnL>
+                    <a:lnR w="6350" cap="flat" cmpd="sng" algn="ctr">
+                      <a:solidFill>
+                        <a:srgbClr val="000000"/>
                       </a:solidFill>
                       <a:prstDash val="solid"/>
                       <a:round/>
@@ -5158,7 +5067,52 @@
                     <a:p>
                       <a:pPr algn="ctr" fontAlgn="ctr"/>
                       <a:r>
-                        <a:rPr lang="pl-PL" sz="1100" b="0" i="0" u="none" strike="noStrike">
+                        <a:rPr lang="pl-PL" sz="1000" b="0" i="0" u="none" strike="noStrike">
+                          <a:solidFill>
+                            <a:srgbClr val="000000"/>
+                          </a:solidFill>
+                          <a:effectLst/>
+                          <a:latin typeface="Calibri"/>
+                        </a:rPr>
+                        <a:t>189</a:t>
+                      </a:r>
+                    </a:p>
+                  </a:txBody>
+                  <a:tcPr marL="8815" marR="8815" marT="8815" marB="0" anchor="ctr">
+                    <a:lnL w="6350" cap="flat" cmpd="sng" algn="ctr">
+                      <a:solidFill>
+                        <a:srgbClr val="000000"/>
+                      </a:solidFill>
+                      <a:prstDash val="solid"/>
+                      <a:round/>
+                      <a:headEnd type="none" w="med" len="med"/>
+                      <a:tailEnd type="none" w="med" len="med"/>
+                    </a:lnL>
+                    <a:lnR w="6350" cap="flat" cmpd="sng" algn="ctr">
+                      <a:solidFill>
+                        <a:srgbClr val="000000"/>
+                      </a:solidFill>
+                      <a:prstDash val="solid"/>
+                      <a:round/>
+                      <a:headEnd type="none" w="med" len="med"/>
+                      <a:tailEnd type="none" w="med" len="med"/>
+                    </a:lnR>
+                    <a:lnT>
+                      <a:noFill/>
+                    </a:lnT>
+                    <a:lnB>
+                      <a:noFill/>
+                    </a:lnB>
+                  </a:tcPr>
+                </a:tc>
+                <a:tc>
+                  <a:txBody>
+                    <a:bodyPr/>
+                    <a:lstStyle/>
+                    <a:p>
+                      <a:pPr algn="ctr" fontAlgn="ctr"/>
+                      <a:r>
+                        <a:rPr lang="pl-PL" sz="1000" b="0" i="0" u="none" strike="noStrike">
                           <a:solidFill>
                             <a:srgbClr val="000000"/>
                           </a:solidFill>
@@ -5169,10 +5123,10 @@
                       </a:r>
                     </a:p>
                   </a:txBody>
-                  <a:tcPr marL="9525" marR="9525" marT="9525" marB="0" anchor="ctr">
-                    <a:lnL w="3175" cap="flat" cmpd="sng" algn="ctr">
+                  <a:tcPr marL="8815" marR="8815" marT="8815" marB="0" anchor="ctr">
+                    <a:lnL w="6350" cap="flat" cmpd="sng" algn="ctr">
                       <a:solidFill>
-                        <a:schemeClr val="tx1"/>
+                        <a:srgbClr val="000000"/>
                       </a:solidFill>
                       <a:prstDash val="solid"/>
                       <a:round/>
@@ -5197,7 +5151,7 @@
                     <a:p>
                       <a:pPr algn="ctr" fontAlgn="ctr"/>
                       <a:r>
-                        <a:rPr lang="pl-PL" sz="1100" b="0" i="0" u="none" strike="noStrike" dirty="0">
+                        <a:rPr lang="pl-PL" sz="1000" b="0" i="0" u="none" strike="noStrike">
                           <a:solidFill>
                             <a:srgbClr val="000000"/>
                           </a:solidFill>
@@ -5208,7 +5162,7 @@
                       </a:r>
                     </a:p>
                   </a:txBody>
-                  <a:tcPr marL="9525" marR="9525" marT="9525" marB="0" anchor="ctr">
+                  <a:tcPr marL="8815" marR="8815" marT="8815" marB="0" anchor="ctr">
                     <a:lnL>
                       <a:noFill/>
                     </a:lnL>
@@ -5230,7 +5184,7 @@
                     <a:p>
                       <a:pPr algn="ctr" fontAlgn="ctr"/>
                       <a:r>
-                        <a:rPr lang="pl-PL" sz="1100" b="0" i="0" u="none" strike="noStrike">
+                        <a:rPr lang="pl-PL" sz="1000" b="0" i="0" u="none" strike="noStrike">
                           <a:solidFill>
                             <a:srgbClr val="000000"/>
                           </a:solidFill>
@@ -5241,7 +5195,7 @@
                       </a:r>
                     </a:p>
                   </a:txBody>
-                  <a:tcPr marL="9525" marR="9525" marT="9525" marB="0" anchor="ctr">
+                  <a:tcPr marL="8815" marR="8815" marT="8815" marB="0" anchor="ctr">
                     <a:lnL>
                       <a:noFill/>
                     </a:lnL>
@@ -5263,7 +5217,7 @@
                     <a:p>
                       <a:pPr algn="ctr" fontAlgn="ctr"/>
                       <a:r>
-                        <a:rPr lang="pl-PL" sz="1100" b="0" i="0" u="none" strike="noStrike">
+                        <a:rPr lang="pl-PL" sz="1000" b="0" i="0" u="none" strike="noStrike">
                           <a:solidFill>
                             <a:srgbClr val="000000"/>
                           </a:solidFill>
@@ -5274,7 +5228,7 @@
                       </a:r>
                     </a:p>
                   </a:txBody>
-                  <a:tcPr marL="9525" marR="9525" marT="9525" marB="0" anchor="ctr">
+                  <a:tcPr marL="8815" marR="8815" marT="8815" marB="0" anchor="ctr">
                     <a:lnL>
                       <a:noFill/>
                     </a:lnL>
@@ -5295,8 +5249,6 @@
                     </a:lnB>
                   </a:tcPr>
                 </a:tc>
-              </a:tr>
-              <a:tr h="259498">
                 <a:tc>
                   <a:txBody>
                     <a:bodyPr/>
@@ -5304,45 +5256,18 @@
                     <a:p>
                       <a:pPr algn="ctr" fontAlgn="ctr"/>
                       <a:r>
-                        <a:rPr lang="pl-PL" sz="1100" b="0" i="0" u="none" strike="noStrike" dirty="0" smtClean="0">
+                        <a:rPr lang="pl-PL" sz="1000" b="0" i="0" u="none" strike="noStrike">
                           <a:solidFill>
                             <a:srgbClr val="000000"/>
                           </a:solidFill>
                           <a:effectLst/>
                           <a:latin typeface="Calibri"/>
                         </a:rPr>
-                        <a:t>GPU,</a:t>
+                        <a:t>96.51</a:t>
                       </a:r>
-                      <a:r>
-                        <a:rPr lang="pl-PL" sz="1100" b="0" i="0" u="none" strike="noStrike" baseline="0" dirty="0" smtClean="0">
-                          <a:solidFill>
-                            <a:srgbClr val="000000"/>
-                          </a:solidFill>
-                          <a:effectLst/>
-                          <a:latin typeface="Calibri"/>
-                        </a:rPr>
-                        <a:t> </a:t>
-                      </a:r>
-                      <a:r>
-                        <a:rPr lang="pl-PL" sz="1100" b="0" i="0" u="none" strike="noStrike" dirty="0" smtClean="0">
-                          <a:solidFill>
-                            <a:srgbClr val="000000"/>
-                          </a:solidFill>
-                          <a:effectLst/>
-                          <a:latin typeface="Calibri"/>
-                        </a:rPr>
-                        <a:t>C++</a:t>
-                      </a:r>
-                      <a:endParaRPr lang="pl-PL" sz="1100" b="0" i="0" u="none" strike="noStrike" dirty="0">
-                        <a:solidFill>
-                          <a:srgbClr val="000000"/>
-                        </a:solidFill>
-                        <a:effectLst/>
-                        <a:latin typeface="Calibri"/>
-                      </a:endParaRPr>
                     </a:p>
                   </a:txBody>
-                  <a:tcPr marL="9525" marR="9525" marT="9525" marB="0" anchor="ctr">
+                  <a:tcPr marL="8815" marR="8815" marT="8815" marB="0" anchor="ctr">
                     <a:lnL w="6350" cap="flat" cmpd="sng" algn="ctr">
                       <a:solidFill>
                         <a:srgbClr val="000000"/>
@@ -5352,9 +5277,56 @@
                       <a:headEnd type="none" w="med" len="med"/>
                       <a:tailEnd type="none" w="med" len="med"/>
                     </a:lnL>
-                    <a:lnR w="3175" cap="flat" cmpd="sng" algn="ctr">
+                    <a:lnR w="6350" cap="flat" cmpd="sng" algn="ctr">
                       <a:solidFill>
-                        <a:schemeClr val="tx1"/>
+                        <a:srgbClr val="000000"/>
+                      </a:solidFill>
+                      <a:prstDash val="solid"/>
+                      <a:round/>
+                      <a:headEnd type="none" w="med" len="med"/>
+                      <a:tailEnd type="none" w="med" len="med"/>
+                    </a:lnR>
+                    <a:lnT>
+                      <a:noFill/>
+                    </a:lnT>
+                    <a:lnB>
+                      <a:noFill/>
+                    </a:lnB>
+                  </a:tcPr>
+                </a:tc>
+              </a:tr>
+              <a:tr h="225073">
+                <a:tc>
+                  <a:txBody>
+                    <a:bodyPr/>
+                    <a:lstStyle/>
+                    <a:p>
+                      <a:pPr algn="ctr" fontAlgn="ctr"/>
+                      <a:r>
+                        <a:rPr lang="pl-PL" sz="1000" b="0" i="0" u="none" strike="noStrike">
+                          <a:solidFill>
+                            <a:srgbClr val="000000"/>
+                          </a:solidFill>
+                          <a:effectLst/>
+                          <a:latin typeface="Calibri"/>
+                        </a:rPr>
+                        <a:t>GPU</a:t>
+                      </a:r>
+                    </a:p>
+                  </a:txBody>
+                  <a:tcPr marL="8815" marR="8815" marT="8815" marB="0" anchor="ctr">
+                    <a:lnL w="6350" cap="flat" cmpd="sng" algn="ctr">
+                      <a:solidFill>
+                        <a:srgbClr val="000000"/>
+                      </a:solidFill>
+                      <a:prstDash val="solid"/>
+                      <a:round/>
+                      <a:headEnd type="none" w="med" len="med"/>
+                      <a:tailEnd type="none" w="med" len="med"/>
+                    </a:lnL>
+                    <a:lnR w="6350" cap="flat" cmpd="sng" algn="ctr">
+                      <a:solidFill>
+                        <a:srgbClr val="000000"/>
                       </a:solidFill>
                       <a:prstDash val="solid"/>
                       <a:round/>
@@ -5382,7 +5354,7 @@
                     <a:p>
                       <a:pPr algn="ctr" fontAlgn="ctr"/>
                       <a:r>
-                        <a:rPr lang="pl-PL" sz="1100" b="0" i="0" u="none" strike="noStrike" dirty="0">
+                        <a:rPr lang="pl-PL" sz="1000" b="0" i="0" u="none" strike="noStrike">
                           <a:solidFill>
                             <a:srgbClr val="000000"/>
                           </a:solidFill>
@@ -5393,19 +5365,19 @@
                       </a:r>
                     </a:p>
                   </a:txBody>
-                  <a:tcPr marL="9525" marR="9525" marT="9525" marB="0" anchor="ctr">
-                    <a:lnL w="3175" cap="flat" cmpd="sng" algn="ctr">
+                  <a:tcPr marL="8815" marR="8815" marT="8815" marB="0" anchor="ctr">
+                    <a:lnL w="6350" cap="flat" cmpd="sng" algn="ctr">
                       <a:solidFill>
-                        <a:schemeClr val="tx1"/>
+                        <a:srgbClr val="000000"/>
                       </a:solidFill>
                       <a:prstDash val="solid"/>
                       <a:round/>
                       <a:headEnd type="none" w="med" len="med"/>
                       <a:tailEnd type="none" w="med" len="med"/>
                     </a:lnL>
-                    <a:lnR w="3175" cap="flat" cmpd="sng" algn="ctr">
+                    <a:lnR w="6350" cap="flat" cmpd="sng" algn="ctr">
                       <a:solidFill>
-                        <a:schemeClr val="tx1"/>
+                        <a:srgbClr val="000000"/>
                       </a:solidFill>
                       <a:prstDash val="solid"/>
                       <a:round/>
@@ -5415,18 +5387,15 @@
                     <a:lnT>
                       <a:noFill/>
                     </a:lnT>
-                    <a:lnB w="3175" cap="flat" cmpd="sng" algn="ctr">
+                    <a:lnB w="6350" cap="flat" cmpd="sng" algn="ctr">
                       <a:solidFill>
-                        <a:schemeClr val="tx1"/>
+                        <a:srgbClr val="000000"/>
                       </a:solidFill>
                       <a:prstDash val="solid"/>
                       <a:round/>
                       <a:headEnd type="none" w="med" len="med"/>
                       <a:tailEnd type="none" w="med" len="med"/>
                     </a:lnB>
-                    <a:solidFill>
-                      <a:srgbClr val="92D050"/>
-                    </a:solidFill>
                   </a:tcPr>
                 </a:tc>
                 <a:tc>
@@ -5436,7 +5405,7 @@
                     <a:p>
                       <a:pPr algn="ctr" fontAlgn="ctr"/>
                       <a:r>
-                        <a:rPr lang="pl-PL" sz="1100" b="0" i="0" u="none" strike="noStrike" dirty="0">
+                        <a:rPr lang="pl-PL" sz="1000" b="0" i="0" u="none" strike="noStrike">
                           <a:solidFill>
                             <a:srgbClr val="000000"/>
                           </a:solidFill>
@@ -5447,10 +5416,10 @@
                       </a:r>
                     </a:p>
                   </a:txBody>
-                  <a:tcPr marL="9525" marR="9525" marT="9525" marB="0" anchor="ctr">
-                    <a:lnL w="3175" cap="flat" cmpd="sng" algn="ctr">
+                  <a:tcPr marL="8815" marR="8815" marT="8815" marB="0" anchor="ctr">
+                    <a:lnL w="6350" cap="flat" cmpd="sng" algn="ctr">
                       <a:solidFill>
-                        <a:schemeClr val="tx1"/>
+                        <a:srgbClr val="000000"/>
                       </a:solidFill>
                       <a:prstDash val="solid"/>
                       <a:round/>
@@ -5481,7 +5450,7 @@
                     <a:p>
                       <a:pPr algn="ctr" fontAlgn="ctr"/>
                       <a:r>
-                        <a:rPr lang="pl-PL" sz="1100" b="0" i="0" u="none" strike="noStrike">
+                        <a:rPr lang="pl-PL" sz="1000" b="0" i="0" u="none" strike="noStrike">
                           <a:solidFill>
                             <a:srgbClr val="000000"/>
                           </a:solidFill>
@@ -5492,7 +5461,7 @@
                       </a:r>
                     </a:p>
                   </a:txBody>
-                  <a:tcPr marL="9525" marR="9525" marT="9525" marB="0" anchor="ctr">
+                  <a:tcPr marL="8815" marR="8815" marT="8815" marB="0" anchor="ctr">
                     <a:lnL>
                       <a:noFill/>
                     </a:lnL>
@@ -5520,7 +5489,7 @@
                     <a:p>
                       <a:pPr algn="ctr" fontAlgn="ctr"/>
                       <a:r>
-                        <a:rPr lang="pl-PL" sz="1100" b="0" i="0" u="none" strike="noStrike" dirty="0">
+                        <a:rPr lang="pl-PL" sz="1000" b="0" i="0" u="none" strike="noStrike">
                           <a:solidFill>
                             <a:srgbClr val="000000"/>
                           </a:solidFill>
@@ -5531,7 +5500,7 @@
                       </a:r>
                     </a:p>
                   </a:txBody>
-                  <a:tcPr marL="9525" marR="9525" marT="9525" marB="0" anchor="ctr">
+                  <a:tcPr marL="8815" marR="8815" marT="8815" marB="0" anchor="ctr">
                     <a:lnL>
                       <a:noFill/>
                     </a:lnL>
@@ -5559,7 +5528,7 @@
                     <a:p>
                       <a:pPr algn="ctr" fontAlgn="ctr"/>
                       <a:r>
-                        <a:rPr lang="pl-PL" sz="1100" b="0" i="0" u="none" strike="noStrike" dirty="0">
+                        <a:rPr lang="pl-PL" sz="1000" b="0" i="0" u="none" strike="noStrike">
                           <a:solidFill>
                             <a:srgbClr val="000000"/>
                           </a:solidFill>
@@ -5570,9 +5539,60 @@
                       </a:r>
                     </a:p>
                   </a:txBody>
-                  <a:tcPr marL="9525" marR="9525" marT="9525" marB="0" anchor="ctr">
+                  <a:tcPr marL="8815" marR="8815" marT="8815" marB="0" anchor="ctr">
                     <a:lnL>
                       <a:noFill/>
+                    </a:lnL>
+                    <a:lnR w="6350" cap="flat" cmpd="sng" algn="ctr">
+                      <a:solidFill>
+                        <a:srgbClr val="000000"/>
+                      </a:solidFill>
+                      <a:prstDash val="solid"/>
+                      <a:round/>
+                      <a:headEnd type="none" w="med" len="med"/>
+                      <a:tailEnd type="none" w="med" len="med"/>
+                    </a:lnR>
+                    <a:lnT>
+                      <a:noFill/>
+                    </a:lnT>
+                    <a:lnB w="6350" cap="flat" cmpd="sng" algn="ctr">
+                      <a:solidFill>
+                        <a:srgbClr val="000000"/>
+                      </a:solidFill>
+                      <a:prstDash val="solid"/>
+                      <a:round/>
+                      <a:headEnd type="none" w="med" len="med"/>
+                      <a:tailEnd type="none" w="med" len="med"/>
+                    </a:lnB>
+                  </a:tcPr>
+                </a:tc>
+                <a:tc>
+                  <a:txBody>
+                    <a:bodyPr/>
+                    <a:lstStyle/>
+                    <a:p>
+                      <a:pPr algn="ctr" fontAlgn="ctr"/>
+                      <a:r>
+                        <a:rPr lang="pl-PL" sz="1000" b="0" i="0" u="none" strike="noStrike" dirty="0">
+                          <a:solidFill>
+                            <a:srgbClr val="000000"/>
+                          </a:solidFill>
+                          <a:effectLst/>
+                          <a:latin typeface="Calibri"/>
+                        </a:rPr>
+                        <a:t>289.52</a:t>
+                      </a:r>
+                    </a:p>
+                  </a:txBody>
+                  <a:tcPr marL="8815" marR="8815" marT="8815" marB="0" anchor="ctr">
+                    <a:lnL w="6350" cap="flat" cmpd="sng" algn="ctr">
+                      <a:solidFill>
+                        <a:srgbClr val="000000"/>
+                      </a:solidFill>
+                      <a:prstDash val="solid"/>
+                      <a:round/>
+                      <a:headEnd type="none" w="med" len="med"/>
+                      <a:tailEnd type="none" w="med" len="med"/>
                     </a:lnL>
                     <a:lnR w="6350" cap="flat" cmpd="sng" algn="ctr">
                       <a:solidFill>
@@ -5604,32 +5624,13 @@
       </p:graphicFrame>
       <p:sp>
         <p:nvSpPr>
-          <p:cNvPr id="3" name="Content Placeholder 2"/>
-          <p:cNvSpPr>
-            <a:spLocks noGrp="1"/>
-          </p:cNvSpPr>
-          <p:nvPr>
-            <p:ph sz="quarter" idx="4"/>
-          </p:nvPr>
-        </p:nvSpPr>
-        <p:spPr/>
-        <p:txBody>
-          <a:bodyPr/>
-          <a:lstStyle/>
-          <a:p>
-            <a:endParaRPr lang="pl-PL" dirty="0"/>
-          </a:p>
-        </p:txBody>
-      </p:sp>
-      <p:sp>
-        <p:nvSpPr>
           <p:cNvPr id="9" name="TextBox 8"/>
           <p:cNvSpPr txBox="1"/>
           <p:nvPr/>
         </p:nvSpPr>
         <p:spPr>
           <a:xfrm>
-            <a:off x="3461310" y="5411909"/>
+            <a:off x="3281696" y="4946824"/>
             <a:ext cx="3715736" cy="246221"/>
           </a:xfrm>
           <a:prstGeom prst="rect">
@@ -5760,15 +5761,7 @@
                 <a:ea typeface="+mj-ea"/>
                 <a:cs typeface="Times New Roman" panose="02020603050405020304" pitchFamily="18" charset="0"/>
               </a:rPr>
-              <a:t>Symulacje Monte Carlo z wykorzystaniem CPU oraz </a:t>
-            </a:r>
-            <a:r>
-              <a:rPr lang="pl-PL" sz="1000" dirty="0" smtClean="0">
-                <a:latin typeface="Times New Roman" panose="02020603050405020304" pitchFamily="18" charset="0"/>
-                <a:ea typeface="+mj-ea"/>
-                <a:cs typeface="Times New Roman" panose="02020603050405020304" pitchFamily="18" charset="0"/>
-              </a:rPr>
-              <a:t>GPU, porównanie wyników</a:t>
+              <a:t>Symulacje Monte Carlo z wykorzystaniem CPU oraz GPU, porównanie wyników</a:t>
             </a:r>
             <a:endParaRPr lang="pl-PL" sz="1000" dirty="0">
               <a:latin typeface="Times New Roman" panose="02020603050405020304" pitchFamily="18" charset="0"/>
@@ -19312,7 +19305,7 @@
   <a:extraClrSchemeLst/>
   <a:extLst>
     <a:ext uri="{05A4C25C-085E-4340-85A3-A5531E510DB2}">
-      <thm15:themeFamily xmlns:thm15="http://schemas.microsoft.com/office/thememl/2012/main" xmlns="" name="Office Theme" id="{62F939B6-93AF-4DB8-9C6B-D6C7DFDC589F}" vid="{4A3C46E8-61CC-4603-A589-7422A47A8E4A}"/>
+      <thm15:themeFamily xmlns="" xmlns:thm15="http://schemas.microsoft.com/office/thememl/2012/main" name="Office Theme" id="{62F939B6-93AF-4DB8-9C6B-D6C7DFDC589F}" vid="{4A3C46E8-61CC-4603-A589-7422A47A8E4A}"/>
     </a:ext>
   </a:extLst>
 </a:theme>
